--- a/FoodBridge_v02.pptx
+++ b/FoodBridge_v02.pptx
@@ -12,15 +12,18 @@
     <p:sldId id="276" r:id="rId6"/>
     <p:sldId id="278" r:id="rId7"/>
     <p:sldId id="279" r:id="rId8"/>
-    <p:sldId id="282" r:id="rId9"/>
-    <p:sldId id="280" r:id="rId10"/>
-    <p:sldId id="281" r:id="rId11"/>
-    <p:sldId id="269" r:id="rId12"/>
-    <p:sldId id="270" r:id="rId13"/>
-    <p:sldId id="272" r:id="rId14"/>
-    <p:sldId id="271" r:id="rId15"/>
-    <p:sldId id="283" r:id="rId16"/>
-    <p:sldId id="273" r:id="rId17"/>
+    <p:sldId id="285" r:id="rId9"/>
+    <p:sldId id="286" r:id="rId10"/>
+    <p:sldId id="282" r:id="rId11"/>
+    <p:sldId id="280" r:id="rId12"/>
+    <p:sldId id="281" r:id="rId13"/>
+    <p:sldId id="284" r:id="rId14"/>
+    <p:sldId id="269" r:id="rId15"/>
+    <p:sldId id="270" r:id="rId16"/>
+    <p:sldId id="272" r:id="rId17"/>
+    <p:sldId id="271" r:id="rId18"/>
+    <p:sldId id="283" r:id="rId19"/>
+    <p:sldId id="273" r:id="rId20"/>
   </p:sldIdLst>
   <p:sldSz cx="12192000" cy="6858000"/>
   <p:notesSz cx="6858000" cy="9144000"/>
@@ -3544,7 +3547,7 @@
           <p:cNvPr id="2" name="Title 1">
             <a:extLst>
               <a:ext uri="{FF2B5EF4-FFF2-40B4-BE49-F238E27FC236}">
-                <a16:creationId xmlns:a16="http://schemas.microsoft.com/office/drawing/2014/main" id="{EF651633-F865-4314-B228-CC9B69D18C83}"/>
+                <a16:creationId xmlns:a16="http://schemas.microsoft.com/office/drawing/2014/main" id="{70CE8E8A-8008-A6F4-5699-06D96EE4B5E6}"/>
               </a:ext>
             </a:extLst>
           </p:cNvPr>
@@ -3552,28 +3555,24 @@
             <a:spLocks noGrp="1"/>
           </p:cNvSpPr>
           <p:nvPr>
-            <p:ph type="ctrTitle"/>
+            <p:ph type="title"/>
           </p:nvPr>
         </p:nvSpPr>
         <p:spPr>
           <a:xfrm>
-            <a:off x="892624" y="735438"/>
-            <a:ext cx="3604727" cy="611187"/>
-          </a:xfrm>
-        </p:spPr>
-        <p:txBody>
-          <a:bodyPr>
-            <a:noAutofit/>
-          </a:bodyPr>
-          <a:lstStyle/>
-          <a:p>
-            <a:pPr algn="l"/>
-            <a:r>
-              <a:rPr lang="en-IN" sz="4400" dirty="0">
+            <a:off x="838200" y="365125"/>
+            <a:ext cx="3705808" cy="735887"/>
+          </a:xfrm>
+        </p:spPr>
+        <p:txBody>
+          <a:bodyPr/>
+          <a:lstStyle/>
+          <a:p>
+            <a:r>
+              <a:rPr lang="en-IN" b="1" dirty="0">
                 <a:solidFill>
                   <a:srgbClr val="002060"/>
                 </a:solidFill>
-                <a:latin typeface="+mn-lt"/>
               </a:rPr>
               <a:t>Block Diagram</a:t>
             </a:r>
@@ -3582,46 +3581,45 @@
       </p:sp>
       <p:sp>
         <p:nvSpPr>
-          <p:cNvPr id="3" name="Subtitle 2">
-            <a:extLst>
-              <a:ext uri="{FF2B5EF4-FFF2-40B4-BE49-F238E27FC236}">
-                <a16:creationId xmlns:a16="http://schemas.microsoft.com/office/drawing/2014/main" id="{4177AACB-36AC-FB0F-B15E-74C2E76686D1}"/>
-              </a:ext>
-            </a:extLst>
-          </p:cNvPr>
-          <p:cNvSpPr>
-            <a:spLocks noGrp="1"/>
-          </p:cNvSpPr>
-          <p:nvPr>
-            <p:ph type="subTitle" idx="1"/>
-          </p:nvPr>
-        </p:nvSpPr>
-        <p:spPr>
-          <a:xfrm>
-            <a:off x="892624" y="1500882"/>
-            <a:ext cx="3744684" cy="338525"/>
-          </a:xfrm>
-        </p:spPr>
-        <p:txBody>
-          <a:bodyPr>
-            <a:normAutofit fontScale="85000" lnSpcReduction="20000"/>
+          <p:cNvPr id="4" name="TextBox 3">
+            <a:extLst>
+              <a:ext uri="{FF2B5EF4-FFF2-40B4-BE49-F238E27FC236}">
+                <a16:creationId xmlns:a16="http://schemas.microsoft.com/office/drawing/2014/main" id="{CF7F7C61-120E-011E-C54D-EB4136BF2353}"/>
+              </a:ext>
+            </a:extLst>
+          </p:cNvPr>
+          <p:cNvSpPr txBox="1"/>
+          <p:nvPr/>
+        </p:nvSpPr>
+        <p:spPr>
+          <a:xfrm>
+            <a:off x="838200" y="1191600"/>
+            <a:ext cx="1475792" cy="369332"/>
+          </a:xfrm>
+          <a:prstGeom prst="rect">
+            <a:avLst/>
+          </a:prstGeom>
+          <a:noFill/>
+        </p:spPr>
+        <p:txBody>
+          <a:bodyPr wrap="square">
+            <a:spAutoFit/>
           </a:bodyPr>
           <a:lstStyle/>
           <a:p>
-            <a:pPr algn="l"/>
-            <a:r>
-              <a:rPr lang="en-IN" b="1" dirty="0"/>
-              <a:t>Food Request Flow:</a:t>
-            </a:r>
-          </a:p>
-        </p:txBody>
-      </p:sp>
-      <p:sp>
-        <p:nvSpPr>
-          <p:cNvPr id="4" name="Rectangle 3">
-            <a:extLst>
-              <a:ext uri="{FF2B5EF4-FFF2-40B4-BE49-F238E27FC236}">
-                <a16:creationId xmlns:a16="http://schemas.microsoft.com/office/drawing/2014/main" id="{57A170EA-EA89-1363-9D65-F10A4A23A96F}"/>
+            <a:r>
+              <a:rPr lang="en-IN" sz="1800" b="1" dirty="0"/>
+              <a:t>Admin Flow:</a:t>
+            </a:r>
+          </a:p>
+        </p:txBody>
+      </p:sp>
+      <p:sp>
+        <p:nvSpPr>
+          <p:cNvPr id="5" name="Rectangle 4">
+            <a:extLst>
+              <a:ext uri="{FF2B5EF4-FFF2-40B4-BE49-F238E27FC236}">
+                <a16:creationId xmlns:a16="http://schemas.microsoft.com/office/drawing/2014/main" id="{6ED99980-8A80-1836-3C83-052FA2EBF43F}"/>
               </a:ext>
             </a:extLst>
           </p:cNvPr>
@@ -3630,8 +3628,8 @@
         </p:nvSpPr>
         <p:spPr>
           <a:xfrm>
-            <a:off x="755777" y="2346615"/>
-            <a:ext cx="1231641" cy="611187"/>
+            <a:off x="4707293" y="1560933"/>
+            <a:ext cx="1553548" cy="519794"/>
           </a:xfrm>
           <a:prstGeom prst="rect">
             <a:avLst/>
@@ -3660,17 +3658,17 @@
             <a:pPr algn="ctr"/>
             <a:r>
               <a:rPr lang="en-IN" dirty="0"/>
-              <a:t>Orphanage User</a:t>
-            </a:r>
-          </a:p>
-        </p:txBody>
-      </p:sp>
-      <p:sp>
-        <p:nvSpPr>
-          <p:cNvPr id="6" name="Rectangle 5">
-            <a:extLst>
-              <a:ext uri="{FF2B5EF4-FFF2-40B4-BE49-F238E27FC236}">
-                <a16:creationId xmlns:a16="http://schemas.microsoft.com/office/drawing/2014/main" id="{FC014A91-79DE-8656-9EBA-FDFCD4AD9D8D}"/>
+              <a:t>Admin Login</a:t>
+            </a:r>
+          </a:p>
+        </p:txBody>
+      </p:sp>
+      <p:sp>
+        <p:nvSpPr>
+          <p:cNvPr id="9" name="Rectangle 8">
+            <a:extLst>
+              <a:ext uri="{FF2B5EF4-FFF2-40B4-BE49-F238E27FC236}">
+                <a16:creationId xmlns:a16="http://schemas.microsoft.com/office/drawing/2014/main" id="{501167B5-1EC3-A470-2E21-9E99A1729965}"/>
               </a:ext>
             </a:extLst>
           </p:cNvPr>
@@ -3679,8 +3677,8 @@
         </p:nvSpPr>
         <p:spPr>
           <a:xfrm>
-            <a:off x="755777" y="3979504"/>
-            <a:ext cx="1231640" cy="611187"/>
+            <a:off x="1744823" y="3268677"/>
+            <a:ext cx="1399593" cy="691198"/>
           </a:xfrm>
           <a:prstGeom prst="rect">
             <a:avLst/>
@@ -3709,17 +3707,17 @@
             <a:pPr algn="ctr"/>
             <a:r>
               <a:rPr lang="en-IN" dirty="0"/>
-              <a:t>Hotel User</a:t>
-            </a:r>
-          </a:p>
-        </p:txBody>
-      </p:sp>
-      <p:sp>
-        <p:nvSpPr>
-          <p:cNvPr id="12" name="Rectangle 11">
-            <a:extLst>
-              <a:ext uri="{FF2B5EF4-FFF2-40B4-BE49-F238E27FC236}">
-                <a16:creationId xmlns:a16="http://schemas.microsoft.com/office/drawing/2014/main" id="{D7361395-B677-0869-CDC7-9ED90C6C124C}"/>
+              <a:t>Home page</a:t>
+            </a:r>
+          </a:p>
+        </p:txBody>
+      </p:sp>
+      <p:sp>
+        <p:nvSpPr>
+          <p:cNvPr id="10" name="Rectangle 9">
+            <a:extLst>
+              <a:ext uri="{FF2B5EF4-FFF2-40B4-BE49-F238E27FC236}">
+                <a16:creationId xmlns:a16="http://schemas.microsoft.com/office/drawing/2014/main" id="{11095C81-39AA-3CC9-C3AF-8C073E781139}"/>
               </a:ext>
             </a:extLst>
           </p:cNvPr>
@@ -3728,8 +3726,8 @@
         </p:nvSpPr>
         <p:spPr>
           <a:xfrm>
-            <a:off x="5099956" y="3289039"/>
-            <a:ext cx="1362269" cy="690465"/>
+            <a:off x="3733799" y="3268677"/>
+            <a:ext cx="1517781" cy="691198"/>
           </a:xfrm>
           <a:prstGeom prst="rect">
             <a:avLst/>
@@ -3758,17 +3756,17 @@
             <a:pPr algn="ctr"/>
             <a:r>
               <a:rPr lang="en-IN" dirty="0"/>
-              <a:t>Request Accepted</a:t>
-            </a:r>
-          </a:p>
-        </p:txBody>
-      </p:sp>
-      <p:sp>
-        <p:nvSpPr>
-          <p:cNvPr id="13" name="Rectangle 12">
-            <a:extLst>
-              <a:ext uri="{FF2B5EF4-FFF2-40B4-BE49-F238E27FC236}">
-                <a16:creationId xmlns:a16="http://schemas.microsoft.com/office/drawing/2014/main" id="{160B13DA-9DEB-EDA1-A084-C915672E853E}"/>
+              <a:t>Food Request page</a:t>
+            </a:r>
+          </a:p>
+        </p:txBody>
+      </p:sp>
+      <p:sp>
+        <p:nvSpPr>
+          <p:cNvPr id="11" name="Rectangle 10">
+            <a:extLst>
+              <a:ext uri="{FF2B5EF4-FFF2-40B4-BE49-F238E27FC236}">
+                <a16:creationId xmlns:a16="http://schemas.microsoft.com/office/drawing/2014/main" id="{AC45CADC-BFF8-88E3-E18F-A97BC1518A40}"/>
               </a:ext>
             </a:extLst>
           </p:cNvPr>
@@ -3777,8 +3775,8 @@
         </p:nvSpPr>
         <p:spPr>
           <a:xfrm>
-            <a:off x="5099955" y="4607012"/>
-            <a:ext cx="1362269" cy="660148"/>
+            <a:off x="5840963" y="3268677"/>
+            <a:ext cx="1287625" cy="691198"/>
           </a:xfrm>
           <a:prstGeom prst="rect">
             <a:avLst/>
@@ -3807,17 +3805,17 @@
             <a:pPr algn="ctr"/>
             <a:r>
               <a:rPr lang="en-IN" dirty="0"/>
-              <a:t>Request Declined</a:t>
-            </a:r>
-          </a:p>
-        </p:txBody>
-      </p:sp>
-      <p:sp>
-        <p:nvSpPr>
-          <p:cNvPr id="14" name="Rectangle 13">
-            <a:extLst>
-              <a:ext uri="{FF2B5EF4-FFF2-40B4-BE49-F238E27FC236}">
-                <a16:creationId xmlns:a16="http://schemas.microsoft.com/office/drawing/2014/main" id="{4BF33374-2A6A-2170-5962-41F612C97E78}"/>
+              <a:t>History page</a:t>
+            </a:r>
+          </a:p>
+        </p:txBody>
+      </p:sp>
+      <p:sp>
+        <p:nvSpPr>
+          <p:cNvPr id="12" name="Rectangle 11">
+            <a:extLst>
+              <a:ext uri="{FF2B5EF4-FFF2-40B4-BE49-F238E27FC236}">
+                <a16:creationId xmlns:a16="http://schemas.microsoft.com/office/drawing/2014/main" id="{0AA7028B-4D92-AA61-6B7C-94A3B4CED054}"/>
               </a:ext>
             </a:extLst>
           </p:cNvPr>
@@ -3826,8 +3824,8 @@
         </p:nvSpPr>
         <p:spPr>
           <a:xfrm>
-            <a:off x="7525138" y="3289039"/>
-            <a:ext cx="1240971" cy="690465"/>
+            <a:off x="7632440" y="3268677"/>
+            <a:ext cx="1362270" cy="691198"/>
           </a:xfrm>
           <a:prstGeom prst="rect">
             <a:avLst/>
@@ -3856,17 +3854,263 @@
             <a:pPr algn="ctr"/>
             <a:r>
               <a:rPr lang="en-IN" dirty="0"/>
-              <a:t>Request Completed</a:t>
-            </a:r>
-          </a:p>
-        </p:txBody>
-      </p:sp>
-      <p:sp>
-        <p:nvSpPr>
-          <p:cNvPr id="15" name="Rectangle 14">
-            <a:extLst>
-              <a:ext uri="{FF2B5EF4-FFF2-40B4-BE49-F238E27FC236}">
-                <a16:creationId xmlns:a16="http://schemas.microsoft.com/office/drawing/2014/main" id="{824BCF4F-3906-DDF1-F58D-E06E81AA789C}"/>
+              <a:t>Profile page</a:t>
+            </a:r>
+          </a:p>
+        </p:txBody>
+      </p:sp>
+      <p:cxnSp>
+        <p:nvCxnSpPr>
+          <p:cNvPr id="13" name="Straight Connector 12">
+            <a:extLst>
+              <a:ext uri="{FF2B5EF4-FFF2-40B4-BE49-F238E27FC236}">
+                <a16:creationId xmlns:a16="http://schemas.microsoft.com/office/drawing/2014/main" id="{0DEED6D8-7905-FCFE-6E7A-8490E9FB2E60}"/>
+              </a:ext>
+            </a:extLst>
+          </p:cNvPr>
+          <p:cNvCxnSpPr/>
+          <p:nvPr/>
+        </p:nvCxnSpPr>
+        <p:spPr>
+          <a:xfrm>
+            <a:off x="2444619" y="2635641"/>
+            <a:ext cx="5868956" cy="0"/>
+          </a:xfrm>
+          <a:prstGeom prst="line">
+            <a:avLst/>
+          </a:prstGeom>
+        </p:spPr>
+        <p:style>
+          <a:lnRef idx="3">
+            <a:schemeClr val="dk1"/>
+          </a:lnRef>
+          <a:fillRef idx="0">
+            <a:schemeClr val="dk1"/>
+          </a:fillRef>
+          <a:effectRef idx="2">
+            <a:schemeClr val="dk1"/>
+          </a:effectRef>
+          <a:fontRef idx="minor">
+            <a:schemeClr val="tx1"/>
+          </a:fontRef>
+        </p:style>
+      </p:cxnSp>
+      <p:cxnSp>
+        <p:nvCxnSpPr>
+          <p:cNvPr id="14" name="Straight Arrow Connector 13">
+            <a:extLst>
+              <a:ext uri="{FF2B5EF4-FFF2-40B4-BE49-F238E27FC236}">
+                <a16:creationId xmlns:a16="http://schemas.microsoft.com/office/drawing/2014/main" id="{4F264D27-89A9-9818-0A38-AA2BFF9A09A7}"/>
+              </a:ext>
+            </a:extLst>
+          </p:cNvPr>
+          <p:cNvCxnSpPr>
+            <a:cxnSpLocks/>
+            <a:endCxn id="10" idx="0"/>
+          </p:cNvCxnSpPr>
+          <p:nvPr/>
+        </p:nvCxnSpPr>
+        <p:spPr>
+          <a:xfrm>
+            <a:off x="4492689" y="2635641"/>
+            <a:ext cx="1" cy="633036"/>
+          </a:xfrm>
+          <a:prstGeom prst="straightConnector1">
+            <a:avLst/>
+          </a:prstGeom>
+          <a:ln>
+            <a:tailEnd type="triangle"/>
+          </a:ln>
+        </p:spPr>
+        <p:style>
+          <a:lnRef idx="3">
+            <a:schemeClr val="dk1"/>
+          </a:lnRef>
+          <a:fillRef idx="0">
+            <a:schemeClr val="dk1"/>
+          </a:fillRef>
+          <a:effectRef idx="2">
+            <a:schemeClr val="dk1"/>
+          </a:effectRef>
+          <a:fontRef idx="minor">
+            <a:schemeClr val="tx1"/>
+          </a:fontRef>
+        </p:style>
+      </p:cxnSp>
+      <p:cxnSp>
+        <p:nvCxnSpPr>
+          <p:cNvPr id="15" name="Straight Arrow Connector 14">
+            <a:extLst>
+              <a:ext uri="{FF2B5EF4-FFF2-40B4-BE49-F238E27FC236}">
+                <a16:creationId xmlns:a16="http://schemas.microsoft.com/office/drawing/2014/main" id="{53A7D0B0-5E8A-9D36-CC38-8E4E78A6C0B8}"/>
+              </a:ext>
+            </a:extLst>
+          </p:cNvPr>
+          <p:cNvCxnSpPr>
+            <a:cxnSpLocks/>
+            <a:endCxn id="11" idx="0"/>
+          </p:cNvCxnSpPr>
+          <p:nvPr/>
+        </p:nvCxnSpPr>
+        <p:spPr>
+          <a:xfrm>
+            <a:off x="6484775" y="2635641"/>
+            <a:ext cx="1" cy="633036"/>
+          </a:xfrm>
+          <a:prstGeom prst="straightConnector1">
+            <a:avLst/>
+          </a:prstGeom>
+          <a:ln>
+            <a:tailEnd type="triangle"/>
+          </a:ln>
+        </p:spPr>
+        <p:style>
+          <a:lnRef idx="3">
+            <a:schemeClr val="dk1"/>
+          </a:lnRef>
+          <a:fillRef idx="0">
+            <a:schemeClr val="dk1"/>
+          </a:fillRef>
+          <a:effectRef idx="2">
+            <a:schemeClr val="dk1"/>
+          </a:effectRef>
+          <a:fontRef idx="minor">
+            <a:schemeClr val="tx1"/>
+          </a:fontRef>
+        </p:style>
+      </p:cxnSp>
+      <p:cxnSp>
+        <p:nvCxnSpPr>
+          <p:cNvPr id="16" name="Straight Arrow Connector 15">
+            <a:extLst>
+              <a:ext uri="{FF2B5EF4-FFF2-40B4-BE49-F238E27FC236}">
+                <a16:creationId xmlns:a16="http://schemas.microsoft.com/office/drawing/2014/main" id="{0BDE2943-2EA7-3775-96BF-8D746C02A7C3}"/>
+              </a:ext>
+            </a:extLst>
+          </p:cNvPr>
+          <p:cNvCxnSpPr>
+            <a:cxnSpLocks/>
+            <a:endCxn id="9" idx="0"/>
+          </p:cNvCxnSpPr>
+          <p:nvPr/>
+        </p:nvCxnSpPr>
+        <p:spPr>
+          <a:xfrm>
+            <a:off x="2444619" y="2635641"/>
+            <a:ext cx="1" cy="633036"/>
+          </a:xfrm>
+          <a:prstGeom prst="straightConnector1">
+            <a:avLst/>
+          </a:prstGeom>
+          <a:ln>
+            <a:tailEnd type="triangle"/>
+          </a:ln>
+        </p:spPr>
+        <p:style>
+          <a:lnRef idx="3">
+            <a:schemeClr val="dk1"/>
+          </a:lnRef>
+          <a:fillRef idx="0">
+            <a:schemeClr val="dk1"/>
+          </a:fillRef>
+          <a:effectRef idx="2">
+            <a:schemeClr val="dk1"/>
+          </a:effectRef>
+          <a:fontRef idx="minor">
+            <a:schemeClr val="tx1"/>
+          </a:fontRef>
+        </p:style>
+      </p:cxnSp>
+      <p:cxnSp>
+        <p:nvCxnSpPr>
+          <p:cNvPr id="17" name="Straight Arrow Connector 16">
+            <a:extLst>
+              <a:ext uri="{FF2B5EF4-FFF2-40B4-BE49-F238E27FC236}">
+                <a16:creationId xmlns:a16="http://schemas.microsoft.com/office/drawing/2014/main" id="{92344EB9-D80B-4577-7E36-51E27C01852D}"/>
+              </a:ext>
+            </a:extLst>
+          </p:cNvPr>
+          <p:cNvCxnSpPr>
+            <a:cxnSpLocks/>
+            <a:endCxn id="12" idx="0"/>
+          </p:cNvCxnSpPr>
+          <p:nvPr/>
+        </p:nvCxnSpPr>
+        <p:spPr>
+          <a:xfrm>
+            <a:off x="8313575" y="2635641"/>
+            <a:ext cx="0" cy="633036"/>
+          </a:xfrm>
+          <a:prstGeom prst="straightConnector1">
+            <a:avLst/>
+          </a:prstGeom>
+          <a:ln>
+            <a:tailEnd type="triangle"/>
+          </a:ln>
+        </p:spPr>
+        <p:style>
+          <a:lnRef idx="3">
+            <a:schemeClr val="dk1"/>
+          </a:lnRef>
+          <a:fillRef idx="0">
+            <a:schemeClr val="dk1"/>
+          </a:fillRef>
+          <a:effectRef idx="2">
+            <a:schemeClr val="dk1"/>
+          </a:effectRef>
+          <a:fontRef idx="minor">
+            <a:schemeClr val="tx1"/>
+          </a:fontRef>
+        </p:style>
+      </p:cxnSp>
+      <p:cxnSp>
+        <p:nvCxnSpPr>
+          <p:cNvPr id="19" name="Straight Arrow Connector 18">
+            <a:extLst>
+              <a:ext uri="{FF2B5EF4-FFF2-40B4-BE49-F238E27FC236}">
+                <a16:creationId xmlns:a16="http://schemas.microsoft.com/office/drawing/2014/main" id="{61810F10-AA32-7EF6-9F43-E29B20C2A34A}"/>
+              </a:ext>
+            </a:extLst>
+          </p:cNvPr>
+          <p:cNvCxnSpPr>
+            <a:cxnSpLocks/>
+            <a:stCxn id="5" idx="2"/>
+          </p:cNvCxnSpPr>
+          <p:nvPr/>
+        </p:nvCxnSpPr>
+        <p:spPr>
+          <a:xfrm>
+            <a:off x="5484067" y="2080727"/>
+            <a:ext cx="0" cy="554914"/>
+          </a:xfrm>
+          <a:prstGeom prst="straightConnector1">
+            <a:avLst/>
+          </a:prstGeom>
+          <a:ln>
+            <a:tailEnd type="triangle"/>
+          </a:ln>
+        </p:spPr>
+        <p:style>
+          <a:lnRef idx="3">
+            <a:schemeClr val="dk1"/>
+          </a:lnRef>
+          <a:fillRef idx="0">
+            <a:schemeClr val="dk1"/>
+          </a:fillRef>
+          <a:effectRef idx="2">
+            <a:schemeClr val="dk1"/>
+          </a:effectRef>
+          <a:fontRef idx="minor">
+            <a:schemeClr val="tx1"/>
+          </a:fontRef>
+        </p:style>
+      </p:cxnSp>
+      <p:sp>
+        <p:nvSpPr>
+          <p:cNvPr id="24" name="Rectangle 23">
+            <a:extLst>
+              <a:ext uri="{FF2B5EF4-FFF2-40B4-BE49-F238E27FC236}">
+                <a16:creationId xmlns:a16="http://schemas.microsoft.com/office/drawing/2014/main" id="{AFB11881-6D1D-E878-4583-67A0505AF7FF}"/>
               </a:ext>
             </a:extLst>
           </p:cNvPr>
@@ -3875,8 +4119,8 @@
         </p:nvSpPr>
         <p:spPr>
           <a:xfrm>
-            <a:off x="7525139" y="4590690"/>
-            <a:ext cx="1240971" cy="676469"/>
+            <a:off x="7632440" y="4450702"/>
+            <a:ext cx="1362270" cy="691198"/>
           </a:xfrm>
           <a:prstGeom prst="rect">
             <a:avLst/>
@@ -3905,17 +4149,17 @@
             <a:pPr algn="ctr"/>
             <a:r>
               <a:rPr lang="en-IN" dirty="0"/>
-              <a:t>Request Closed</a:t>
-            </a:r>
-          </a:p>
-        </p:txBody>
-      </p:sp>
-      <p:sp>
-        <p:nvSpPr>
-          <p:cNvPr id="16" name="Rectangle 15">
-            <a:extLst>
-              <a:ext uri="{FF2B5EF4-FFF2-40B4-BE49-F238E27FC236}">
-                <a16:creationId xmlns:a16="http://schemas.microsoft.com/office/drawing/2014/main" id="{39043F64-FD26-CC4B-52D5-DA3449B9914D}"/>
+              <a:t>Dashboard</a:t>
+            </a:r>
+          </a:p>
+        </p:txBody>
+      </p:sp>
+      <p:sp>
+        <p:nvSpPr>
+          <p:cNvPr id="25" name="Rectangle 24">
+            <a:extLst>
+              <a:ext uri="{FF2B5EF4-FFF2-40B4-BE49-F238E27FC236}">
+                <a16:creationId xmlns:a16="http://schemas.microsoft.com/office/drawing/2014/main" id="{ED389803-AEC0-EA16-63EC-13B9AE6D8D73}"/>
               </a:ext>
             </a:extLst>
           </p:cNvPr>
@@ -3924,7 +4168,1651 @@
         </p:nvSpPr>
         <p:spPr>
           <a:xfrm>
-            <a:off x="9529667" y="3979504"/>
+            <a:off x="7632440" y="5591928"/>
+            <a:ext cx="1362270" cy="691198"/>
+          </a:xfrm>
+          <a:prstGeom prst="rect">
+            <a:avLst/>
+          </a:prstGeom>
+        </p:spPr>
+        <p:style>
+          <a:lnRef idx="2">
+            <a:schemeClr val="accent1">
+              <a:shade val="15000"/>
+            </a:schemeClr>
+          </a:lnRef>
+          <a:fillRef idx="1">
+            <a:schemeClr val="accent1"/>
+          </a:fillRef>
+          <a:effectRef idx="0">
+            <a:schemeClr val="accent1"/>
+          </a:effectRef>
+          <a:fontRef idx="minor">
+            <a:schemeClr val="lt1"/>
+          </a:fontRef>
+        </p:style>
+        <p:txBody>
+          <a:bodyPr rtlCol="0" anchor="ctr"/>
+          <a:lstStyle/>
+          <a:p>
+            <a:pPr algn="ctr"/>
+            <a:r>
+              <a:rPr lang="en-IN" dirty="0"/>
+              <a:t>Admin Verification</a:t>
+            </a:r>
+          </a:p>
+        </p:txBody>
+      </p:sp>
+      <p:cxnSp>
+        <p:nvCxnSpPr>
+          <p:cNvPr id="27" name="Straight Arrow Connector 26">
+            <a:extLst>
+              <a:ext uri="{FF2B5EF4-FFF2-40B4-BE49-F238E27FC236}">
+                <a16:creationId xmlns:a16="http://schemas.microsoft.com/office/drawing/2014/main" id="{AEF3335C-9436-B53B-FA8A-5B7AB4D08E6C}"/>
+              </a:ext>
+            </a:extLst>
+          </p:cNvPr>
+          <p:cNvCxnSpPr>
+            <a:stCxn id="12" idx="2"/>
+            <a:endCxn id="24" idx="0"/>
+          </p:cNvCxnSpPr>
+          <p:nvPr/>
+        </p:nvCxnSpPr>
+        <p:spPr>
+          <a:xfrm>
+            <a:off x="8313575" y="3959875"/>
+            <a:ext cx="0" cy="490827"/>
+          </a:xfrm>
+          <a:prstGeom prst="straightConnector1">
+            <a:avLst/>
+          </a:prstGeom>
+          <a:ln>
+            <a:tailEnd type="triangle"/>
+          </a:ln>
+        </p:spPr>
+        <p:style>
+          <a:lnRef idx="3">
+            <a:schemeClr val="dk1"/>
+          </a:lnRef>
+          <a:fillRef idx="0">
+            <a:schemeClr val="dk1"/>
+          </a:fillRef>
+          <a:effectRef idx="2">
+            <a:schemeClr val="dk1"/>
+          </a:effectRef>
+          <a:fontRef idx="minor">
+            <a:schemeClr val="tx1"/>
+          </a:fontRef>
+        </p:style>
+      </p:cxnSp>
+      <p:cxnSp>
+        <p:nvCxnSpPr>
+          <p:cNvPr id="28" name="Straight Arrow Connector 27">
+            <a:extLst>
+              <a:ext uri="{FF2B5EF4-FFF2-40B4-BE49-F238E27FC236}">
+                <a16:creationId xmlns:a16="http://schemas.microsoft.com/office/drawing/2014/main" id="{E0738DF4-7566-3FF9-F0F7-ACA06963753D}"/>
+              </a:ext>
+            </a:extLst>
+          </p:cNvPr>
+          <p:cNvCxnSpPr>
+            <a:cxnSpLocks/>
+            <a:stCxn id="24" idx="2"/>
+            <a:endCxn id="25" idx="0"/>
+          </p:cNvCxnSpPr>
+          <p:nvPr/>
+        </p:nvCxnSpPr>
+        <p:spPr>
+          <a:xfrm>
+            <a:off x="8313575" y="5141900"/>
+            <a:ext cx="0" cy="450028"/>
+          </a:xfrm>
+          <a:prstGeom prst="straightConnector1">
+            <a:avLst/>
+          </a:prstGeom>
+          <a:ln>
+            <a:tailEnd type="triangle"/>
+          </a:ln>
+        </p:spPr>
+        <p:style>
+          <a:lnRef idx="3">
+            <a:schemeClr val="dk1"/>
+          </a:lnRef>
+          <a:fillRef idx="0">
+            <a:schemeClr val="dk1"/>
+          </a:fillRef>
+          <a:effectRef idx="2">
+            <a:schemeClr val="dk1"/>
+          </a:effectRef>
+          <a:fontRef idx="minor">
+            <a:schemeClr val="tx1"/>
+          </a:fontRef>
+        </p:style>
+      </p:cxnSp>
+    </p:spTree>
+    <p:extLst>
+      <p:ext uri="{BB962C8B-B14F-4D97-AF65-F5344CB8AC3E}">
+        <p14:creationId xmlns:p14="http://schemas.microsoft.com/office/powerpoint/2010/main" val="2136195868"/>
+      </p:ext>
+    </p:extLst>
+  </p:cSld>
+  <p:clrMapOvr>
+    <a:masterClrMapping/>
+  </p:clrMapOvr>
+</p:sld>
+</file>
+
+<file path=ppt/slides/slide11.xml><?xml version="1.0" encoding="utf-8"?>
+<p:sld xmlns:a="http://schemas.openxmlformats.org/drawingml/2006/main" xmlns:r="http://schemas.openxmlformats.org/officeDocument/2006/relationships" xmlns:p="http://schemas.openxmlformats.org/presentationml/2006/main">
+  <p:cSld>
+    <p:spTree>
+      <p:nvGrpSpPr>
+        <p:cNvPr id="1" name=""/>
+        <p:cNvGrpSpPr/>
+        <p:nvPr/>
+      </p:nvGrpSpPr>
+      <p:grpSpPr>
+        <a:xfrm>
+          <a:off x="0" y="0"/>
+          <a:ext cx="0" cy="0"/>
+          <a:chOff x="0" y="0"/>
+          <a:chExt cx="0" cy="0"/>
+        </a:xfrm>
+      </p:grpSpPr>
+      <p:sp>
+        <p:nvSpPr>
+          <p:cNvPr id="2" name="Title 1">
+            <a:extLst>
+              <a:ext uri="{FF2B5EF4-FFF2-40B4-BE49-F238E27FC236}">
+                <a16:creationId xmlns:a16="http://schemas.microsoft.com/office/drawing/2014/main" id="{89F2BE1D-82E9-6081-B8D6-25FBFC500780}"/>
+              </a:ext>
+            </a:extLst>
+          </p:cNvPr>
+          <p:cNvSpPr>
+            <a:spLocks noGrp="1"/>
+          </p:cNvSpPr>
+          <p:nvPr>
+            <p:ph type="title"/>
+          </p:nvPr>
+        </p:nvSpPr>
+        <p:spPr>
+          <a:xfrm>
+            <a:off x="838199" y="448609"/>
+            <a:ext cx="3771122" cy="633251"/>
+          </a:xfrm>
+        </p:spPr>
+        <p:txBody>
+          <a:bodyPr>
+            <a:noAutofit/>
+          </a:bodyPr>
+          <a:lstStyle/>
+          <a:p>
+            <a:r>
+              <a:rPr lang="en-IN" dirty="0">
+                <a:solidFill>
+                  <a:srgbClr val="002060"/>
+                </a:solidFill>
+                <a:latin typeface="+mn-lt"/>
+              </a:rPr>
+              <a:t>Block Diagram</a:t>
+            </a:r>
+          </a:p>
+        </p:txBody>
+      </p:sp>
+      <p:sp>
+        <p:nvSpPr>
+          <p:cNvPr id="3" name="Rectangle 2">
+            <a:extLst>
+              <a:ext uri="{FF2B5EF4-FFF2-40B4-BE49-F238E27FC236}">
+                <a16:creationId xmlns:a16="http://schemas.microsoft.com/office/drawing/2014/main" id="{996C224A-2DB4-38B1-D7B6-0A632C062E10}"/>
+              </a:ext>
+            </a:extLst>
+          </p:cNvPr>
+          <p:cNvSpPr/>
+          <p:nvPr/>
+        </p:nvSpPr>
+        <p:spPr>
+          <a:xfrm>
+            <a:off x="934617" y="1750460"/>
+            <a:ext cx="1606420" cy="806127"/>
+          </a:xfrm>
+          <a:prstGeom prst="rect">
+            <a:avLst/>
+          </a:prstGeom>
+        </p:spPr>
+        <p:style>
+          <a:lnRef idx="2">
+            <a:schemeClr val="accent1">
+              <a:shade val="15000"/>
+            </a:schemeClr>
+          </a:lnRef>
+          <a:fillRef idx="1">
+            <a:schemeClr val="accent1"/>
+          </a:fillRef>
+          <a:effectRef idx="0">
+            <a:schemeClr val="accent1"/>
+          </a:effectRef>
+          <a:fontRef idx="minor">
+            <a:schemeClr val="lt1"/>
+          </a:fontRef>
+        </p:style>
+        <p:txBody>
+          <a:bodyPr rtlCol="0" anchor="ctr"/>
+          <a:lstStyle/>
+          <a:p>
+            <a:pPr algn="ctr"/>
+            <a:r>
+              <a:rPr lang="en-IN" dirty="0"/>
+              <a:t>User Registration</a:t>
+            </a:r>
+          </a:p>
+        </p:txBody>
+      </p:sp>
+      <p:sp>
+        <p:nvSpPr>
+          <p:cNvPr id="4" name="Rectangle 3">
+            <a:extLst>
+              <a:ext uri="{FF2B5EF4-FFF2-40B4-BE49-F238E27FC236}">
+                <a16:creationId xmlns:a16="http://schemas.microsoft.com/office/drawing/2014/main" id="{A4896B10-222B-6324-74D5-E014C35B0074}"/>
+              </a:ext>
+            </a:extLst>
+          </p:cNvPr>
+          <p:cNvSpPr/>
+          <p:nvPr/>
+        </p:nvSpPr>
+        <p:spPr>
+          <a:xfrm>
+            <a:off x="3572067" y="1750460"/>
+            <a:ext cx="1606421" cy="806127"/>
+          </a:xfrm>
+          <a:prstGeom prst="rect">
+            <a:avLst/>
+          </a:prstGeom>
+        </p:spPr>
+        <p:style>
+          <a:lnRef idx="2">
+            <a:schemeClr val="accent1">
+              <a:shade val="15000"/>
+            </a:schemeClr>
+          </a:lnRef>
+          <a:fillRef idx="1">
+            <a:schemeClr val="accent1"/>
+          </a:fillRef>
+          <a:effectRef idx="0">
+            <a:schemeClr val="accent1"/>
+          </a:effectRef>
+          <a:fontRef idx="minor">
+            <a:schemeClr val="lt1"/>
+          </a:fontRef>
+        </p:style>
+        <p:txBody>
+          <a:bodyPr rtlCol="0" anchor="ctr"/>
+          <a:lstStyle/>
+          <a:p>
+            <a:pPr algn="ctr"/>
+            <a:r>
+              <a:rPr lang="en-IN" dirty="0"/>
+              <a:t>Admin Verification</a:t>
+            </a:r>
+          </a:p>
+        </p:txBody>
+      </p:sp>
+      <p:sp>
+        <p:nvSpPr>
+          <p:cNvPr id="5" name="Rectangle 4">
+            <a:extLst>
+              <a:ext uri="{FF2B5EF4-FFF2-40B4-BE49-F238E27FC236}">
+                <a16:creationId xmlns:a16="http://schemas.microsoft.com/office/drawing/2014/main" id="{BB7BD6FE-145B-FEDF-5F2D-C60F0C60AC75}"/>
+              </a:ext>
+            </a:extLst>
+          </p:cNvPr>
+          <p:cNvSpPr/>
+          <p:nvPr/>
+        </p:nvSpPr>
+        <p:spPr>
+          <a:xfrm>
+            <a:off x="7013514" y="1750460"/>
+            <a:ext cx="2062062" cy="806127"/>
+          </a:xfrm>
+          <a:prstGeom prst="rect">
+            <a:avLst/>
+          </a:prstGeom>
+        </p:spPr>
+        <p:style>
+          <a:lnRef idx="2">
+            <a:schemeClr val="accent1">
+              <a:shade val="15000"/>
+            </a:schemeClr>
+          </a:lnRef>
+          <a:fillRef idx="1">
+            <a:schemeClr val="accent1"/>
+          </a:fillRef>
+          <a:effectRef idx="0">
+            <a:schemeClr val="accent1"/>
+          </a:effectRef>
+          <a:fontRef idx="minor">
+            <a:schemeClr val="lt1"/>
+          </a:fontRef>
+        </p:style>
+        <p:txBody>
+          <a:bodyPr rtlCol="0" anchor="ctr"/>
+          <a:lstStyle/>
+          <a:p>
+            <a:pPr algn="ctr"/>
+            <a:r>
+              <a:rPr lang="en-IN" dirty="0"/>
+              <a:t>User Login</a:t>
+            </a:r>
+          </a:p>
+        </p:txBody>
+      </p:sp>
+      <p:sp>
+        <p:nvSpPr>
+          <p:cNvPr id="8" name="TextBox 7">
+            <a:extLst>
+              <a:ext uri="{FF2B5EF4-FFF2-40B4-BE49-F238E27FC236}">
+                <a16:creationId xmlns:a16="http://schemas.microsoft.com/office/drawing/2014/main" id="{ADD5DB68-CC0F-91C5-7D48-51829ABD202C}"/>
+              </a:ext>
+            </a:extLst>
+          </p:cNvPr>
+          <p:cNvSpPr txBox="1"/>
+          <p:nvPr/>
+        </p:nvSpPr>
+        <p:spPr>
+          <a:xfrm>
+            <a:off x="5200262" y="1722863"/>
+            <a:ext cx="1791477" cy="369332"/>
+          </a:xfrm>
+          <a:prstGeom prst="rect">
+            <a:avLst/>
+          </a:prstGeom>
+          <a:noFill/>
+        </p:spPr>
+        <p:txBody>
+          <a:bodyPr wrap="square" rtlCol="0">
+            <a:spAutoFit/>
+          </a:bodyPr>
+          <a:lstStyle/>
+          <a:p>
+            <a:r>
+              <a:rPr lang="en-IN" dirty="0"/>
+              <a:t>Approved Users</a:t>
+            </a:r>
+          </a:p>
+        </p:txBody>
+      </p:sp>
+      <p:sp>
+        <p:nvSpPr>
+          <p:cNvPr id="9" name="Rectangle 8">
+            <a:extLst>
+              <a:ext uri="{FF2B5EF4-FFF2-40B4-BE49-F238E27FC236}">
+                <a16:creationId xmlns:a16="http://schemas.microsoft.com/office/drawing/2014/main" id="{F2BAF61D-C722-4A43-F65D-23B8EFF54061}"/>
+              </a:ext>
+            </a:extLst>
+          </p:cNvPr>
+          <p:cNvSpPr/>
+          <p:nvPr/>
+        </p:nvSpPr>
+        <p:spPr>
+          <a:xfrm>
+            <a:off x="8277808" y="3253759"/>
+            <a:ext cx="1595535" cy="684246"/>
+          </a:xfrm>
+          <a:prstGeom prst="rect">
+            <a:avLst/>
+          </a:prstGeom>
+        </p:spPr>
+        <p:style>
+          <a:lnRef idx="2">
+            <a:schemeClr val="accent1">
+              <a:shade val="15000"/>
+            </a:schemeClr>
+          </a:lnRef>
+          <a:fillRef idx="1">
+            <a:schemeClr val="accent1"/>
+          </a:fillRef>
+          <a:effectRef idx="0">
+            <a:schemeClr val="accent1"/>
+          </a:effectRef>
+          <a:fontRef idx="minor">
+            <a:schemeClr val="lt1"/>
+          </a:fontRef>
+        </p:style>
+        <p:txBody>
+          <a:bodyPr rtlCol="0" anchor="ctr"/>
+          <a:lstStyle/>
+          <a:p>
+            <a:pPr algn="ctr"/>
+            <a:r>
+              <a:rPr lang="en-IN" dirty="0"/>
+              <a:t>Orphanage User</a:t>
+            </a:r>
+          </a:p>
+        </p:txBody>
+      </p:sp>
+      <p:sp>
+        <p:nvSpPr>
+          <p:cNvPr id="10" name="Rectangle 9">
+            <a:extLst>
+              <a:ext uri="{FF2B5EF4-FFF2-40B4-BE49-F238E27FC236}">
+                <a16:creationId xmlns:a16="http://schemas.microsoft.com/office/drawing/2014/main" id="{E0CC54DA-B37E-C830-364D-8B4A3A0EB5EB}"/>
+              </a:ext>
+            </a:extLst>
+          </p:cNvPr>
+          <p:cNvSpPr/>
+          <p:nvPr/>
+        </p:nvSpPr>
+        <p:spPr>
+          <a:xfrm>
+            <a:off x="6215746" y="3246808"/>
+            <a:ext cx="1595535" cy="691198"/>
+          </a:xfrm>
+          <a:prstGeom prst="rect">
+            <a:avLst/>
+          </a:prstGeom>
+        </p:spPr>
+        <p:style>
+          <a:lnRef idx="2">
+            <a:schemeClr val="accent1">
+              <a:shade val="15000"/>
+            </a:schemeClr>
+          </a:lnRef>
+          <a:fillRef idx="1">
+            <a:schemeClr val="accent1"/>
+          </a:fillRef>
+          <a:effectRef idx="0">
+            <a:schemeClr val="accent1"/>
+          </a:effectRef>
+          <a:fontRef idx="minor">
+            <a:schemeClr val="lt1"/>
+          </a:fontRef>
+        </p:style>
+        <p:txBody>
+          <a:bodyPr rtlCol="0" anchor="ctr"/>
+          <a:lstStyle/>
+          <a:p>
+            <a:pPr algn="ctr"/>
+            <a:r>
+              <a:rPr lang="en-IN" dirty="0"/>
+              <a:t>Hotel User</a:t>
+            </a:r>
+          </a:p>
+        </p:txBody>
+      </p:sp>
+      <p:sp>
+        <p:nvSpPr>
+          <p:cNvPr id="16" name="TextBox 15">
+            <a:extLst>
+              <a:ext uri="{FF2B5EF4-FFF2-40B4-BE49-F238E27FC236}">
+                <a16:creationId xmlns:a16="http://schemas.microsoft.com/office/drawing/2014/main" id="{39DADBBF-6D8E-C46F-E1FB-49DB79403651}"/>
+              </a:ext>
+            </a:extLst>
+          </p:cNvPr>
+          <p:cNvSpPr txBox="1"/>
+          <p:nvPr/>
+        </p:nvSpPr>
+        <p:spPr>
+          <a:xfrm>
+            <a:off x="838199" y="1129718"/>
+            <a:ext cx="3267269" cy="400110"/>
+          </a:xfrm>
+          <a:prstGeom prst="rect">
+            <a:avLst/>
+          </a:prstGeom>
+          <a:noFill/>
+        </p:spPr>
+        <p:txBody>
+          <a:bodyPr wrap="square" rtlCol="0">
+            <a:spAutoFit/>
+          </a:bodyPr>
+          <a:lstStyle/>
+          <a:p>
+            <a:r>
+              <a:rPr lang="en-IN" sz="2000" b="1" dirty="0"/>
+              <a:t>Registration and Login Flow:</a:t>
+            </a:r>
+          </a:p>
+        </p:txBody>
+      </p:sp>
+      <p:sp>
+        <p:nvSpPr>
+          <p:cNvPr id="11" name="Rectangle 10">
+            <a:extLst>
+              <a:ext uri="{FF2B5EF4-FFF2-40B4-BE49-F238E27FC236}">
+                <a16:creationId xmlns:a16="http://schemas.microsoft.com/office/drawing/2014/main" id="{1A78ECB5-28BD-9A3C-28F2-BF394E99C666}"/>
+              </a:ext>
+            </a:extLst>
+          </p:cNvPr>
+          <p:cNvSpPr/>
+          <p:nvPr/>
+        </p:nvSpPr>
+        <p:spPr>
+          <a:xfrm>
+            <a:off x="4105468" y="5130390"/>
+            <a:ext cx="1399593" cy="691198"/>
+          </a:xfrm>
+          <a:prstGeom prst="rect">
+            <a:avLst/>
+          </a:prstGeom>
+        </p:spPr>
+        <p:style>
+          <a:lnRef idx="2">
+            <a:schemeClr val="accent1">
+              <a:shade val="15000"/>
+            </a:schemeClr>
+          </a:lnRef>
+          <a:fillRef idx="1">
+            <a:schemeClr val="accent1"/>
+          </a:fillRef>
+          <a:effectRef idx="0">
+            <a:schemeClr val="accent1"/>
+          </a:effectRef>
+          <a:fontRef idx="minor">
+            <a:schemeClr val="lt1"/>
+          </a:fontRef>
+        </p:style>
+        <p:txBody>
+          <a:bodyPr rtlCol="0" anchor="ctr"/>
+          <a:lstStyle/>
+          <a:p>
+            <a:pPr algn="ctr"/>
+            <a:r>
+              <a:rPr lang="en-IN" dirty="0"/>
+              <a:t>Home page</a:t>
+            </a:r>
+          </a:p>
+        </p:txBody>
+      </p:sp>
+      <p:sp>
+        <p:nvSpPr>
+          <p:cNvPr id="12" name="Rectangle 11">
+            <a:extLst>
+              <a:ext uri="{FF2B5EF4-FFF2-40B4-BE49-F238E27FC236}">
+                <a16:creationId xmlns:a16="http://schemas.microsoft.com/office/drawing/2014/main" id="{652FCFE1-4466-9054-5CCA-2D2D3CAA26CD}"/>
+              </a:ext>
+            </a:extLst>
+          </p:cNvPr>
+          <p:cNvSpPr/>
+          <p:nvPr/>
+        </p:nvSpPr>
+        <p:spPr>
+          <a:xfrm>
+            <a:off x="6094444" y="5130390"/>
+            <a:ext cx="1517781" cy="691198"/>
+          </a:xfrm>
+          <a:prstGeom prst="rect">
+            <a:avLst/>
+          </a:prstGeom>
+        </p:spPr>
+        <p:style>
+          <a:lnRef idx="2">
+            <a:schemeClr val="accent1">
+              <a:shade val="15000"/>
+            </a:schemeClr>
+          </a:lnRef>
+          <a:fillRef idx="1">
+            <a:schemeClr val="accent1"/>
+          </a:fillRef>
+          <a:effectRef idx="0">
+            <a:schemeClr val="accent1"/>
+          </a:effectRef>
+          <a:fontRef idx="minor">
+            <a:schemeClr val="lt1"/>
+          </a:fontRef>
+        </p:style>
+        <p:txBody>
+          <a:bodyPr rtlCol="0" anchor="ctr"/>
+          <a:lstStyle/>
+          <a:p>
+            <a:pPr algn="ctr"/>
+            <a:r>
+              <a:rPr lang="en-IN" dirty="0"/>
+              <a:t>Food Request page</a:t>
+            </a:r>
+          </a:p>
+        </p:txBody>
+      </p:sp>
+      <p:sp>
+        <p:nvSpPr>
+          <p:cNvPr id="15" name="Rectangle 14">
+            <a:extLst>
+              <a:ext uri="{FF2B5EF4-FFF2-40B4-BE49-F238E27FC236}">
+                <a16:creationId xmlns:a16="http://schemas.microsoft.com/office/drawing/2014/main" id="{7E30391F-C5FD-CE57-7565-FE2121CFA509}"/>
+              </a:ext>
+            </a:extLst>
+          </p:cNvPr>
+          <p:cNvSpPr/>
+          <p:nvPr/>
+        </p:nvSpPr>
+        <p:spPr>
+          <a:xfrm>
+            <a:off x="8201608" y="5130390"/>
+            <a:ext cx="1287625" cy="691198"/>
+          </a:xfrm>
+          <a:prstGeom prst="rect">
+            <a:avLst/>
+          </a:prstGeom>
+        </p:spPr>
+        <p:style>
+          <a:lnRef idx="2">
+            <a:schemeClr val="accent1">
+              <a:shade val="15000"/>
+            </a:schemeClr>
+          </a:lnRef>
+          <a:fillRef idx="1">
+            <a:schemeClr val="accent1"/>
+          </a:fillRef>
+          <a:effectRef idx="0">
+            <a:schemeClr val="accent1"/>
+          </a:effectRef>
+          <a:fontRef idx="minor">
+            <a:schemeClr val="lt1"/>
+          </a:fontRef>
+        </p:style>
+        <p:txBody>
+          <a:bodyPr rtlCol="0" anchor="ctr"/>
+          <a:lstStyle/>
+          <a:p>
+            <a:pPr algn="ctr"/>
+            <a:r>
+              <a:rPr lang="en-IN" dirty="0"/>
+              <a:t>History page</a:t>
+            </a:r>
+          </a:p>
+        </p:txBody>
+      </p:sp>
+      <p:sp>
+        <p:nvSpPr>
+          <p:cNvPr id="17" name="Rectangle 16">
+            <a:extLst>
+              <a:ext uri="{FF2B5EF4-FFF2-40B4-BE49-F238E27FC236}">
+                <a16:creationId xmlns:a16="http://schemas.microsoft.com/office/drawing/2014/main" id="{6269435F-CDDF-0AA4-C766-B17E20E0FBED}"/>
+              </a:ext>
+            </a:extLst>
+          </p:cNvPr>
+          <p:cNvSpPr/>
+          <p:nvPr/>
+        </p:nvSpPr>
+        <p:spPr>
+          <a:xfrm>
+            <a:off x="9993085" y="5130390"/>
+            <a:ext cx="1362270" cy="691198"/>
+          </a:xfrm>
+          <a:prstGeom prst="rect">
+            <a:avLst/>
+          </a:prstGeom>
+        </p:spPr>
+        <p:style>
+          <a:lnRef idx="2">
+            <a:schemeClr val="accent1">
+              <a:shade val="15000"/>
+            </a:schemeClr>
+          </a:lnRef>
+          <a:fillRef idx="1">
+            <a:schemeClr val="accent1"/>
+          </a:fillRef>
+          <a:effectRef idx="0">
+            <a:schemeClr val="accent1"/>
+          </a:effectRef>
+          <a:fontRef idx="minor">
+            <a:schemeClr val="lt1"/>
+          </a:fontRef>
+        </p:style>
+        <p:txBody>
+          <a:bodyPr rtlCol="0" anchor="ctr"/>
+          <a:lstStyle/>
+          <a:p>
+            <a:pPr algn="ctr"/>
+            <a:r>
+              <a:rPr lang="en-IN" dirty="0"/>
+              <a:t>Profile page</a:t>
+            </a:r>
+          </a:p>
+        </p:txBody>
+      </p:sp>
+      <p:cxnSp>
+        <p:nvCxnSpPr>
+          <p:cNvPr id="23" name="Straight Arrow Connector 22">
+            <a:extLst>
+              <a:ext uri="{FF2B5EF4-FFF2-40B4-BE49-F238E27FC236}">
+                <a16:creationId xmlns:a16="http://schemas.microsoft.com/office/drawing/2014/main" id="{FA187209-5A40-94FC-8B2C-230B75FA0EB3}"/>
+              </a:ext>
+            </a:extLst>
+          </p:cNvPr>
+          <p:cNvCxnSpPr>
+            <a:stCxn id="3" idx="3"/>
+            <a:endCxn id="4" idx="1"/>
+          </p:cNvCxnSpPr>
+          <p:nvPr/>
+        </p:nvCxnSpPr>
+        <p:spPr>
+          <a:xfrm>
+            <a:off x="2541037" y="2153524"/>
+            <a:ext cx="1031030" cy="0"/>
+          </a:xfrm>
+          <a:prstGeom prst="straightConnector1">
+            <a:avLst/>
+          </a:prstGeom>
+          <a:ln>
+            <a:tailEnd type="triangle"/>
+          </a:ln>
+        </p:spPr>
+        <p:style>
+          <a:lnRef idx="3">
+            <a:schemeClr val="dk1"/>
+          </a:lnRef>
+          <a:fillRef idx="0">
+            <a:schemeClr val="dk1"/>
+          </a:fillRef>
+          <a:effectRef idx="2">
+            <a:schemeClr val="dk1"/>
+          </a:effectRef>
+          <a:fontRef idx="minor">
+            <a:schemeClr val="tx1"/>
+          </a:fontRef>
+        </p:style>
+      </p:cxnSp>
+      <p:cxnSp>
+        <p:nvCxnSpPr>
+          <p:cNvPr id="25" name="Straight Arrow Connector 24">
+            <a:extLst>
+              <a:ext uri="{FF2B5EF4-FFF2-40B4-BE49-F238E27FC236}">
+                <a16:creationId xmlns:a16="http://schemas.microsoft.com/office/drawing/2014/main" id="{1C0FC636-3495-504E-5869-ECEC9128058A}"/>
+              </a:ext>
+            </a:extLst>
+          </p:cNvPr>
+          <p:cNvCxnSpPr>
+            <a:stCxn id="4" idx="3"/>
+            <a:endCxn id="5" idx="1"/>
+          </p:cNvCxnSpPr>
+          <p:nvPr/>
+        </p:nvCxnSpPr>
+        <p:spPr>
+          <a:xfrm>
+            <a:off x="5178488" y="2153524"/>
+            <a:ext cx="1835026" cy="0"/>
+          </a:xfrm>
+          <a:prstGeom prst="straightConnector1">
+            <a:avLst/>
+          </a:prstGeom>
+          <a:ln>
+            <a:tailEnd type="triangle"/>
+          </a:ln>
+        </p:spPr>
+        <p:style>
+          <a:lnRef idx="3">
+            <a:schemeClr val="dk1"/>
+          </a:lnRef>
+          <a:fillRef idx="0">
+            <a:schemeClr val="dk1"/>
+          </a:fillRef>
+          <a:effectRef idx="2">
+            <a:schemeClr val="dk1"/>
+          </a:effectRef>
+          <a:fontRef idx="minor">
+            <a:schemeClr val="tx1"/>
+          </a:fontRef>
+        </p:style>
+      </p:cxnSp>
+      <p:cxnSp>
+        <p:nvCxnSpPr>
+          <p:cNvPr id="27" name="Straight Connector 26">
+            <a:extLst>
+              <a:ext uri="{FF2B5EF4-FFF2-40B4-BE49-F238E27FC236}">
+                <a16:creationId xmlns:a16="http://schemas.microsoft.com/office/drawing/2014/main" id="{83867D21-3D8F-AA0D-18EA-911DAB0CFD98}"/>
+              </a:ext>
+            </a:extLst>
+          </p:cNvPr>
+          <p:cNvCxnSpPr>
+            <a:cxnSpLocks/>
+          </p:cNvCxnSpPr>
+          <p:nvPr/>
+        </p:nvCxnSpPr>
+        <p:spPr>
+          <a:xfrm>
+            <a:off x="7013513" y="2883159"/>
+            <a:ext cx="2062062" cy="0"/>
+          </a:xfrm>
+          <a:prstGeom prst="line">
+            <a:avLst/>
+          </a:prstGeom>
+        </p:spPr>
+        <p:style>
+          <a:lnRef idx="3">
+            <a:schemeClr val="dk1"/>
+          </a:lnRef>
+          <a:fillRef idx="0">
+            <a:schemeClr val="dk1"/>
+          </a:fillRef>
+          <a:effectRef idx="2">
+            <a:schemeClr val="dk1"/>
+          </a:effectRef>
+          <a:fontRef idx="minor">
+            <a:schemeClr val="tx1"/>
+          </a:fontRef>
+        </p:style>
+      </p:cxnSp>
+      <p:cxnSp>
+        <p:nvCxnSpPr>
+          <p:cNvPr id="29" name="Straight Arrow Connector 28">
+            <a:extLst>
+              <a:ext uri="{FF2B5EF4-FFF2-40B4-BE49-F238E27FC236}">
+                <a16:creationId xmlns:a16="http://schemas.microsoft.com/office/drawing/2014/main" id="{735906A6-50AB-B0BC-3BF2-C8E21FB3F728}"/>
+              </a:ext>
+            </a:extLst>
+          </p:cNvPr>
+          <p:cNvCxnSpPr>
+            <a:stCxn id="5" idx="2"/>
+          </p:cNvCxnSpPr>
+          <p:nvPr/>
+        </p:nvCxnSpPr>
+        <p:spPr>
+          <a:xfrm>
+            <a:off x="8044545" y="2556587"/>
+            <a:ext cx="0" cy="326572"/>
+          </a:xfrm>
+          <a:prstGeom prst="straightConnector1">
+            <a:avLst/>
+          </a:prstGeom>
+          <a:ln>
+            <a:tailEnd type="triangle"/>
+          </a:ln>
+        </p:spPr>
+        <p:style>
+          <a:lnRef idx="3">
+            <a:schemeClr val="dk1"/>
+          </a:lnRef>
+          <a:fillRef idx="0">
+            <a:schemeClr val="dk1"/>
+          </a:fillRef>
+          <a:effectRef idx="2">
+            <a:schemeClr val="dk1"/>
+          </a:effectRef>
+          <a:fontRef idx="minor">
+            <a:schemeClr val="tx1"/>
+          </a:fontRef>
+        </p:style>
+      </p:cxnSp>
+      <p:cxnSp>
+        <p:nvCxnSpPr>
+          <p:cNvPr id="31" name="Straight Arrow Connector 30">
+            <a:extLst>
+              <a:ext uri="{FF2B5EF4-FFF2-40B4-BE49-F238E27FC236}">
+                <a16:creationId xmlns:a16="http://schemas.microsoft.com/office/drawing/2014/main" id="{B2F50468-068F-5396-AACD-7212D5BDE591}"/>
+              </a:ext>
+            </a:extLst>
+          </p:cNvPr>
+          <p:cNvCxnSpPr>
+            <a:cxnSpLocks/>
+            <a:endCxn id="10" idx="0"/>
+          </p:cNvCxnSpPr>
+          <p:nvPr/>
+        </p:nvCxnSpPr>
+        <p:spPr>
+          <a:xfrm>
+            <a:off x="7013514" y="2883159"/>
+            <a:ext cx="0" cy="363649"/>
+          </a:xfrm>
+          <a:prstGeom prst="straightConnector1">
+            <a:avLst/>
+          </a:prstGeom>
+          <a:ln>
+            <a:tailEnd type="triangle"/>
+          </a:ln>
+        </p:spPr>
+        <p:style>
+          <a:lnRef idx="3">
+            <a:schemeClr val="dk1"/>
+          </a:lnRef>
+          <a:fillRef idx="0">
+            <a:schemeClr val="dk1"/>
+          </a:fillRef>
+          <a:effectRef idx="2">
+            <a:schemeClr val="dk1"/>
+          </a:effectRef>
+          <a:fontRef idx="minor">
+            <a:schemeClr val="tx1"/>
+          </a:fontRef>
+        </p:style>
+      </p:cxnSp>
+      <p:cxnSp>
+        <p:nvCxnSpPr>
+          <p:cNvPr id="35" name="Straight Arrow Connector 34">
+            <a:extLst>
+              <a:ext uri="{FF2B5EF4-FFF2-40B4-BE49-F238E27FC236}">
+                <a16:creationId xmlns:a16="http://schemas.microsoft.com/office/drawing/2014/main" id="{1A381372-BE17-1585-6CE8-C10FEA9813DE}"/>
+              </a:ext>
+            </a:extLst>
+          </p:cNvPr>
+          <p:cNvCxnSpPr>
+            <a:endCxn id="9" idx="0"/>
+          </p:cNvCxnSpPr>
+          <p:nvPr/>
+        </p:nvCxnSpPr>
+        <p:spPr>
+          <a:xfrm>
+            <a:off x="9075575" y="2883159"/>
+            <a:ext cx="1" cy="370600"/>
+          </a:xfrm>
+          <a:prstGeom prst="straightConnector1">
+            <a:avLst/>
+          </a:prstGeom>
+          <a:ln>
+            <a:tailEnd type="triangle"/>
+          </a:ln>
+        </p:spPr>
+        <p:style>
+          <a:lnRef idx="3">
+            <a:schemeClr val="dk1"/>
+          </a:lnRef>
+          <a:fillRef idx="0">
+            <a:schemeClr val="dk1"/>
+          </a:fillRef>
+          <a:effectRef idx="2">
+            <a:schemeClr val="dk1"/>
+          </a:effectRef>
+          <a:fontRef idx="minor">
+            <a:schemeClr val="tx1"/>
+          </a:fontRef>
+        </p:style>
+      </p:cxnSp>
+      <p:cxnSp>
+        <p:nvCxnSpPr>
+          <p:cNvPr id="37" name="Straight Connector 36">
+            <a:extLst>
+              <a:ext uri="{FF2B5EF4-FFF2-40B4-BE49-F238E27FC236}">
+                <a16:creationId xmlns:a16="http://schemas.microsoft.com/office/drawing/2014/main" id="{24B89127-0E08-3A53-370F-623C459B6A47}"/>
+              </a:ext>
+            </a:extLst>
+          </p:cNvPr>
+          <p:cNvCxnSpPr/>
+          <p:nvPr/>
+        </p:nvCxnSpPr>
+        <p:spPr>
+          <a:xfrm>
+            <a:off x="4805264" y="4497354"/>
+            <a:ext cx="5868956" cy="0"/>
+          </a:xfrm>
+          <a:prstGeom prst="line">
+            <a:avLst/>
+          </a:prstGeom>
+        </p:spPr>
+        <p:style>
+          <a:lnRef idx="3">
+            <a:schemeClr val="dk1"/>
+          </a:lnRef>
+          <a:fillRef idx="0">
+            <a:schemeClr val="dk1"/>
+          </a:fillRef>
+          <a:effectRef idx="2">
+            <a:schemeClr val="dk1"/>
+          </a:effectRef>
+          <a:fontRef idx="minor">
+            <a:schemeClr val="tx1"/>
+          </a:fontRef>
+        </p:style>
+      </p:cxnSp>
+      <p:cxnSp>
+        <p:nvCxnSpPr>
+          <p:cNvPr id="39" name="Straight Arrow Connector 38">
+            <a:extLst>
+              <a:ext uri="{FF2B5EF4-FFF2-40B4-BE49-F238E27FC236}">
+                <a16:creationId xmlns:a16="http://schemas.microsoft.com/office/drawing/2014/main" id="{79ED7D37-8677-88A8-5A62-9BD50E5F42B6}"/>
+              </a:ext>
+            </a:extLst>
+          </p:cNvPr>
+          <p:cNvCxnSpPr>
+            <a:endCxn id="12" idx="0"/>
+          </p:cNvCxnSpPr>
+          <p:nvPr/>
+        </p:nvCxnSpPr>
+        <p:spPr>
+          <a:xfrm>
+            <a:off x="6853334" y="4497354"/>
+            <a:ext cx="1" cy="633036"/>
+          </a:xfrm>
+          <a:prstGeom prst="straightConnector1">
+            <a:avLst/>
+          </a:prstGeom>
+          <a:ln>
+            <a:tailEnd type="triangle"/>
+          </a:ln>
+        </p:spPr>
+        <p:style>
+          <a:lnRef idx="3">
+            <a:schemeClr val="dk1"/>
+          </a:lnRef>
+          <a:fillRef idx="0">
+            <a:schemeClr val="dk1"/>
+          </a:fillRef>
+          <a:effectRef idx="2">
+            <a:schemeClr val="dk1"/>
+          </a:effectRef>
+          <a:fontRef idx="minor">
+            <a:schemeClr val="tx1"/>
+          </a:fontRef>
+        </p:style>
+      </p:cxnSp>
+      <p:cxnSp>
+        <p:nvCxnSpPr>
+          <p:cNvPr id="41" name="Straight Arrow Connector 40">
+            <a:extLst>
+              <a:ext uri="{FF2B5EF4-FFF2-40B4-BE49-F238E27FC236}">
+                <a16:creationId xmlns:a16="http://schemas.microsoft.com/office/drawing/2014/main" id="{67FB49DE-DD2C-BFDC-D625-E0AD20E4D5DC}"/>
+              </a:ext>
+            </a:extLst>
+          </p:cNvPr>
+          <p:cNvCxnSpPr>
+            <a:endCxn id="15" idx="0"/>
+          </p:cNvCxnSpPr>
+          <p:nvPr/>
+        </p:nvCxnSpPr>
+        <p:spPr>
+          <a:xfrm>
+            <a:off x="8845420" y="4497354"/>
+            <a:ext cx="1" cy="633036"/>
+          </a:xfrm>
+          <a:prstGeom prst="straightConnector1">
+            <a:avLst/>
+          </a:prstGeom>
+          <a:ln>
+            <a:tailEnd type="triangle"/>
+          </a:ln>
+        </p:spPr>
+        <p:style>
+          <a:lnRef idx="3">
+            <a:schemeClr val="dk1"/>
+          </a:lnRef>
+          <a:fillRef idx="0">
+            <a:schemeClr val="dk1"/>
+          </a:fillRef>
+          <a:effectRef idx="2">
+            <a:schemeClr val="dk1"/>
+          </a:effectRef>
+          <a:fontRef idx="minor">
+            <a:schemeClr val="tx1"/>
+          </a:fontRef>
+        </p:style>
+      </p:cxnSp>
+      <p:cxnSp>
+        <p:nvCxnSpPr>
+          <p:cNvPr id="43" name="Straight Arrow Connector 42">
+            <a:extLst>
+              <a:ext uri="{FF2B5EF4-FFF2-40B4-BE49-F238E27FC236}">
+                <a16:creationId xmlns:a16="http://schemas.microsoft.com/office/drawing/2014/main" id="{D88E04CE-AEE4-9E4B-94C4-1199752A9CB8}"/>
+              </a:ext>
+            </a:extLst>
+          </p:cNvPr>
+          <p:cNvCxnSpPr>
+            <a:endCxn id="11" idx="0"/>
+          </p:cNvCxnSpPr>
+          <p:nvPr/>
+        </p:nvCxnSpPr>
+        <p:spPr>
+          <a:xfrm>
+            <a:off x="4805264" y="4497354"/>
+            <a:ext cx="1" cy="633036"/>
+          </a:xfrm>
+          <a:prstGeom prst="straightConnector1">
+            <a:avLst/>
+          </a:prstGeom>
+          <a:ln>
+            <a:tailEnd type="triangle"/>
+          </a:ln>
+        </p:spPr>
+        <p:style>
+          <a:lnRef idx="3">
+            <a:schemeClr val="dk1"/>
+          </a:lnRef>
+          <a:fillRef idx="0">
+            <a:schemeClr val="dk1"/>
+          </a:fillRef>
+          <a:effectRef idx="2">
+            <a:schemeClr val="dk1"/>
+          </a:effectRef>
+          <a:fontRef idx="minor">
+            <a:schemeClr val="tx1"/>
+          </a:fontRef>
+        </p:style>
+      </p:cxnSp>
+      <p:cxnSp>
+        <p:nvCxnSpPr>
+          <p:cNvPr id="45" name="Straight Arrow Connector 44">
+            <a:extLst>
+              <a:ext uri="{FF2B5EF4-FFF2-40B4-BE49-F238E27FC236}">
+                <a16:creationId xmlns:a16="http://schemas.microsoft.com/office/drawing/2014/main" id="{2490528F-A20A-D963-0DF2-10CFC967DECF}"/>
+              </a:ext>
+            </a:extLst>
+          </p:cNvPr>
+          <p:cNvCxnSpPr>
+            <a:endCxn id="17" idx="0"/>
+          </p:cNvCxnSpPr>
+          <p:nvPr/>
+        </p:nvCxnSpPr>
+        <p:spPr>
+          <a:xfrm>
+            <a:off x="10674220" y="4497354"/>
+            <a:ext cx="0" cy="633036"/>
+          </a:xfrm>
+          <a:prstGeom prst="straightConnector1">
+            <a:avLst/>
+          </a:prstGeom>
+          <a:ln>
+            <a:tailEnd type="triangle"/>
+          </a:ln>
+        </p:spPr>
+        <p:style>
+          <a:lnRef idx="3">
+            <a:schemeClr val="dk1"/>
+          </a:lnRef>
+          <a:fillRef idx="0">
+            <a:schemeClr val="dk1"/>
+          </a:fillRef>
+          <a:effectRef idx="2">
+            <a:schemeClr val="dk1"/>
+          </a:effectRef>
+          <a:fontRef idx="minor">
+            <a:schemeClr val="tx1"/>
+          </a:fontRef>
+        </p:style>
+      </p:cxnSp>
+      <p:cxnSp>
+        <p:nvCxnSpPr>
+          <p:cNvPr id="47" name="Straight Arrow Connector 46">
+            <a:extLst>
+              <a:ext uri="{FF2B5EF4-FFF2-40B4-BE49-F238E27FC236}">
+                <a16:creationId xmlns:a16="http://schemas.microsoft.com/office/drawing/2014/main" id="{E911EF37-3487-E9B8-0380-3C14412BC211}"/>
+              </a:ext>
+            </a:extLst>
+          </p:cNvPr>
+          <p:cNvCxnSpPr>
+            <a:stCxn id="10" idx="2"/>
+          </p:cNvCxnSpPr>
+          <p:nvPr/>
+        </p:nvCxnSpPr>
+        <p:spPr>
+          <a:xfrm flipH="1">
+            <a:off x="7013513" y="3938006"/>
+            <a:ext cx="1" cy="559348"/>
+          </a:xfrm>
+          <a:prstGeom prst="straightConnector1">
+            <a:avLst/>
+          </a:prstGeom>
+          <a:ln>
+            <a:tailEnd type="triangle"/>
+          </a:ln>
+        </p:spPr>
+        <p:style>
+          <a:lnRef idx="3">
+            <a:schemeClr val="dk1"/>
+          </a:lnRef>
+          <a:fillRef idx="0">
+            <a:schemeClr val="dk1"/>
+          </a:fillRef>
+          <a:effectRef idx="2">
+            <a:schemeClr val="dk1"/>
+          </a:effectRef>
+          <a:fontRef idx="minor">
+            <a:schemeClr val="tx1"/>
+          </a:fontRef>
+        </p:style>
+      </p:cxnSp>
+      <p:cxnSp>
+        <p:nvCxnSpPr>
+          <p:cNvPr id="49" name="Straight Arrow Connector 48">
+            <a:extLst>
+              <a:ext uri="{FF2B5EF4-FFF2-40B4-BE49-F238E27FC236}">
+                <a16:creationId xmlns:a16="http://schemas.microsoft.com/office/drawing/2014/main" id="{25EBEE84-9056-71C9-F9EB-2D2ECC7B2CAB}"/>
+              </a:ext>
+            </a:extLst>
+          </p:cNvPr>
+          <p:cNvCxnSpPr>
+            <a:stCxn id="9" idx="2"/>
+          </p:cNvCxnSpPr>
+          <p:nvPr/>
+        </p:nvCxnSpPr>
+        <p:spPr>
+          <a:xfrm flipH="1">
+            <a:off x="9075575" y="3938005"/>
+            <a:ext cx="1" cy="559349"/>
+          </a:xfrm>
+          <a:prstGeom prst="straightConnector1">
+            <a:avLst/>
+          </a:prstGeom>
+          <a:ln>
+            <a:tailEnd type="triangle"/>
+          </a:ln>
+        </p:spPr>
+        <p:style>
+          <a:lnRef idx="3">
+            <a:schemeClr val="dk1"/>
+          </a:lnRef>
+          <a:fillRef idx="0">
+            <a:schemeClr val="dk1"/>
+          </a:fillRef>
+          <a:effectRef idx="2">
+            <a:schemeClr val="dk1"/>
+          </a:effectRef>
+          <a:fontRef idx="minor">
+            <a:schemeClr val="tx1"/>
+          </a:fontRef>
+        </p:style>
+      </p:cxnSp>
+    </p:spTree>
+    <p:extLst>
+      <p:ext uri="{BB962C8B-B14F-4D97-AF65-F5344CB8AC3E}">
+        <p14:creationId xmlns:p14="http://schemas.microsoft.com/office/powerpoint/2010/main" val="2587711632"/>
+      </p:ext>
+    </p:extLst>
+  </p:cSld>
+  <p:clrMapOvr>
+    <a:masterClrMapping/>
+  </p:clrMapOvr>
+</p:sld>
+</file>
+
+<file path=ppt/slides/slide12.xml><?xml version="1.0" encoding="utf-8"?>
+<p:sld xmlns:a="http://schemas.openxmlformats.org/drawingml/2006/main" xmlns:r="http://schemas.openxmlformats.org/officeDocument/2006/relationships" xmlns:p="http://schemas.openxmlformats.org/presentationml/2006/main">
+  <p:cSld>
+    <p:spTree>
+      <p:nvGrpSpPr>
+        <p:cNvPr id="1" name=""/>
+        <p:cNvGrpSpPr/>
+        <p:nvPr/>
+      </p:nvGrpSpPr>
+      <p:grpSpPr>
+        <a:xfrm>
+          <a:off x="0" y="0"/>
+          <a:ext cx="0" cy="0"/>
+          <a:chOff x="0" y="0"/>
+          <a:chExt cx="0" cy="0"/>
+        </a:xfrm>
+      </p:grpSpPr>
+      <p:sp>
+        <p:nvSpPr>
+          <p:cNvPr id="2" name="Title 1">
+            <a:extLst>
+              <a:ext uri="{FF2B5EF4-FFF2-40B4-BE49-F238E27FC236}">
+                <a16:creationId xmlns:a16="http://schemas.microsoft.com/office/drawing/2014/main" id="{EF651633-F865-4314-B228-CC9B69D18C83}"/>
+              </a:ext>
+            </a:extLst>
+          </p:cNvPr>
+          <p:cNvSpPr>
+            <a:spLocks noGrp="1"/>
+          </p:cNvSpPr>
+          <p:nvPr>
+            <p:ph type="ctrTitle"/>
+          </p:nvPr>
+        </p:nvSpPr>
+        <p:spPr>
+          <a:xfrm>
+            <a:off x="892624" y="735438"/>
+            <a:ext cx="3604727" cy="611187"/>
+          </a:xfrm>
+        </p:spPr>
+        <p:txBody>
+          <a:bodyPr>
+            <a:noAutofit/>
+          </a:bodyPr>
+          <a:lstStyle/>
+          <a:p>
+            <a:pPr algn="l"/>
+            <a:r>
+              <a:rPr lang="en-IN" sz="4400" dirty="0">
+                <a:solidFill>
+                  <a:srgbClr val="002060"/>
+                </a:solidFill>
+                <a:latin typeface="+mn-lt"/>
+              </a:rPr>
+              <a:t>Block Diagram</a:t>
+            </a:r>
+          </a:p>
+        </p:txBody>
+      </p:sp>
+      <p:sp>
+        <p:nvSpPr>
+          <p:cNvPr id="3" name="Subtitle 2">
+            <a:extLst>
+              <a:ext uri="{FF2B5EF4-FFF2-40B4-BE49-F238E27FC236}">
+                <a16:creationId xmlns:a16="http://schemas.microsoft.com/office/drawing/2014/main" id="{4177AACB-36AC-FB0F-B15E-74C2E76686D1}"/>
+              </a:ext>
+            </a:extLst>
+          </p:cNvPr>
+          <p:cNvSpPr>
+            <a:spLocks noGrp="1"/>
+          </p:cNvSpPr>
+          <p:nvPr>
+            <p:ph type="subTitle" idx="1"/>
+          </p:nvPr>
+        </p:nvSpPr>
+        <p:spPr>
+          <a:xfrm>
+            <a:off x="892624" y="1500882"/>
+            <a:ext cx="3744684" cy="338525"/>
+          </a:xfrm>
+        </p:spPr>
+        <p:txBody>
+          <a:bodyPr>
+            <a:normAutofit fontScale="85000" lnSpcReduction="20000"/>
+          </a:bodyPr>
+          <a:lstStyle/>
+          <a:p>
+            <a:pPr algn="l"/>
+            <a:r>
+              <a:rPr lang="en-IN" b="1" dirty="0"/>
+              <a:t>Food Request Flow:</a:t>
+            </a:r>
+          </a:p>
+        </p:txBody>
+      </p:sp>
+      <p:sp>
+        <p:nvSpPr>
+          <p:cNvPr id="4" name="Rectangle 3">
+            <a:extLst>
+              <a:ext uri="{FF2B5EF4-FFF2-40B4-BE49-F238E27FC236}">
+                <a16:creationId xmlns:a16="http://schemas.microsoft.com/office/drawing/2014/main" id="{57A170EA-EA89-1363-9D65-F10A4A23A96F}"/>
+              </a:ext>
+            </a:extLst>
+          </p:cNvPr>
+          <p:cNvSpPr/>
+          <p:nvPr/>
+        </p:nvSpPr>
+        <p:spPr>
+          <a:xfrm>
+            <a:off x="755777" y="2346615"/>
+            <a:ext cx="1231641" cy="611187"/>
+          </a:xfrm>
+          <a:prstGeom prst="rect">
+            <a:avLst/>
+          </a:prstGeom>
+        </p:spPr>
+        <p:style>
+          <a:lnRef idx="2">
+            <a:schemeClr val="accent1">
+              <a:shade val="15000"/>
+            </a:schemeClr>
+          </a:lnRef>
+          <a:fillRef idx="1">
+            <a:schemeClr val="accent1"/>
+          </a:fillRef>
+          <a:effectRef idx="0">
+            <a:schemeClr val="accent1"/>
+          </a:effectRef>
+          <a:fontRef idx="minor">
+            <a:schemeClr val="lt1"/>
+          </a:fontRef>
+        </p:style>
+        <p:txBody>
+          <a:bodyPr rtlCol="0" anchor="ctr"/>
+          <a:lstStyle/>
+          <a:p>
+            <a:pPr algn="ctr"/>
+            <a:r>
+              <a:rPr lang="en-IN" dirty="0"/>
+              <a:t>Orphanage User</a:t>
+            </a:r>
+          </a:p>
+        </p:txBody>
+      </p:sp>
+      <p:sp>
+        <p:nvSpPr>
+          <p:cNvPr id="6" name="Rectangle 5">
+            <a:extLst>
+              <a:ext uri="{FF2B5EF4-FFF2-40B4-BE49-F238E27FC236}">
+                <a16:creationId xmlns:a16="http://schemas.microsoft.com/office/drawing/2014/main" id="{FC014A91-79DE-8656-9EBA-FDFCD4AD9D8D}"/>
+              </a:ext>
+            </a:extLst>
+          </p:cNvPr>
+          <p:cNvSpPr/>
+          <p:nvPr/>
+        </p:nvSpPr>
+        <p:spPr>
+          <a:xfrm>
+            <a:off x="755777" y="3979504"/>
+            <a:ext cx="1231640" cy="611187"/>
+          </a:xfrm>
+          <a:prstGeom prst="rect">
+            <a:avLst/>
+          </a:prstGeom>
+        </p:spPr>
+        <p:style>
+          <a:lnRef idx="2">
+            <a:schemeClr val="accent1">
+              <a:shade val="15000"/>
+            </a:schemeClr>
+          </a:lnRef>
+          <a:fillRef idx="1">
+            <a:schemeClr val="accent1"/>
+          </a:fillRef>
+          <a:effectRef idx="0">
+            <a:schemeClr val="accent1"/>
+          </a:effectRef>
+          <a:fontRef idx="minor">
+            <a:schemeClr val="lt1"/>
+          </a:fontRef>
+        </p:style>
+        <p:txBody>
+          <a:bodyPr rtlCol="0" anchor="ctr"/>
+          <a:lstStyle/>
+          <a:p>
+            <a:pPr algn="ctr"/>
+            <a:r>
+              <a:rPr lang="en-IN" dirty="0"/>
+              <a:t>Hotel User</a:t>
+            </a:r>
+          </a:p>
+        </p:txBody>
+      </p:sp>
+      <p:sp>
+        <p:nvSpPr>
+          <p:cNvPr id="12" name="Rectangle 11">
+            <a:extLst>
+              <a:ext uri="{FF2B5EF4-FFF2-40B4-BE49-F238E27FC236}">
+                <a16:creationId xmlns:a16="http://schemas.microsoft.com/office/drawing/2014/main" id="{D7361395-B677-0869-CDC7-9ED90C6C124C}"/>
+              </a:ext>
+            </a:extLst>
+          </p:cNvPr>
+          <p:cNvSpPr/>
+          <p:nvPr/>
+        </p:nvSpPr>
+        <p:spPr>
+          <a:xfrm>
+            <a:off x="5099956" y="3289039"/>
+            <a:ext cx="1362269" cy="690465"/>
+          </a:xfrm>
+          <a:prstGeom prst="rect">
+            <a:avLst/>
+          </a:prstGeom>
+        </p:spPr>
+        <p:style>
+          <a:lnRef idx="2">
+            <a:schemeClr val="accent1">
+              <a:shade val="15000"/>
+            </a:schemeClr>
+          </a:lnRef>
+          <a:fillRef idx="1">
+            <a:schemeClr val="accent1"/>
+          </a:fillRef>
+          <a:effectRef idx="0">
+            <a:schemeClr val="accent1"/>
+          </a:effectRef>
+          <a:fontRef idx="minor">
+            <a:schemeClr val="lt1"/>
+          </a:fontRef>
+        </p:style>
+        <p:txBody>
+          <a:bodyPr rtlCol="0" anchor="ctr"/>
+          <a:lstStyle/>
+          <a:p>
+            <a:pPr algn="ctr"/>
+            <a:r>
+              <a:rPr lang="en-IN" dirty="0"/>
+              <a:t>Request Accepted</a:t>
+            </a:r>
+          </a:p>
+        </p:txBody>
+      </p:sp>
+      <p:sp>
+        <p:nvSpPr>
+          <p:cNvPr id="13" name="Rectangle 12">
+            <a:extLst>
+              <a:ext uri="{FF2B5EF4-FFF2-40B4-BE49-F238E27FC236}">
+                <a16:creationId xmlns:a16="http://schemas.microsoft.com/office/drawing/2014/main" id="{160B13DA-9DEB-EDA1-A084-C915672E853E}"/>
+              </a:ext>
+            </a:extLst>
+          </p:cNvPr>
+          <p:cNvSpPr/>
+          <p:nvPr/>
+        </p:nvSpPr>
+        <p:spPr>
+          <a:xfrm>
+            <a:off x="5099955" y="4607012"/>
+            <a:ext cx="1362269" cy="660148"/>
+          </a:xfrm>
+          <a:prstGeom prst="rect">
+            <a:avLst/>
+          </a:prstGeom>
+        </p:spPr>
+        <p:style>
+          <a:lnRef idx="2">
+            <a:schemeClr val="accent1">
+              <a:shade val="15000"/>
+            </a:schemeClr>
+          </a:lnRef>
+          <a:fillRef idx="1">
+            <a:schemeClr val="accent1"/>
+          </a:fillRef>
+          <a:effectRef idx="0">
+            <a:schemeClr val="accent1"/>
+          </a:effectRef>
+          <a:fontRef idx="minor">
+            <a:schemeClr val="lt1"/>
+          </a:fontRef>
+        </p:style>
+        <p:txBody>
+          <a:bodyPr rtlCol="0" anchor="ctr"/>
+          <a:lstStyle/>
+          <a:p>
+            <a:pPr algn="ctr"/>
+            <a:r>
+              <a:rPr lang="en-IN" dirty="0"/>
+              <a:t>Request Declined</a:t>
+            </a:r>
+          </a:p>
+        </p:txBody>
+      </p:sp>
+      <p:sp>
+        <p:nvSpPr>
+          <p:cNvPr id="14" name="Rectangle 13">
+            <a:extLst>
+              <a:ext uri="{FF2B5EF4-FFF2-40B4-BE49-F238E27FC236}">
+                <a16:creationId xmlns:a16="http://schemas.microsoft.com/office/drawing/2014/main" id="{4BF33374-2A6A-2170-5962-41F612C97E78}"/>
+              </a:ext>
+            </a:extLst>
+          </p:cNvPr>
+          <p:cNvSpPr/>
+          <p:nvPr/>
+        </p:nvSpPr>
+        <p:spPr>
+          <a:xfrm>
+            <a:off x="7525138" y="3289039"/>
+            <a:ext cx="1240971" cy="690465"/>
+          </a:xfrm>
+          <a:prstGeom prst="rect">
+            <a:avLst/>
+          </a:prstGeom>
+        </p:spPr>
+        <p:style>
+          <a:lnRef idx="2">
+            <a:schemeClr val="accent1">
+              <a:shade val="15000"/>
+            </a:schemeClr>
+          </a:lnRef>
+          <a:fillRef idx="1">
+            <a:schemeClr val="accent1"/>
+          </a:fillRef>
+          <a:effectRef idx="0">
+            <a:schemeClr val="accent1"/>
+          </a:effectRef>
+          <a:fontRef idx="minor">
+            <a:schemeClr val="lt1"/>
+          </a:fontRef>
+        </p:style>
+        <p:txBody>
+          <a:bodyPr rtlCol="0" anchor="ctr"/>
+          <a:lstStyle/>
+          <a:p>
+            <a:pPr algn="ctr"/>
+            <a:r>
+              <a:rPr lang="en-IN" dirty="0"/>
+              <a:t>Request Completed</a:t>
+            </a:r>
+          </a:p>
+        </p:txBody>
+      </p:sp>
+      <p:sp>
+        <p:nvSpPr>
+          <p:cNvPr id="15" name="Rectangle 14">
+            <a:extLst>
+              <a:ext uri="{FF2B5EF4-FFF2-40B4-BE49-F238E27FC236}">
+                <a16:creationId xmlns:a16="http://schemas.microsoft.com/office/drawing/2014/main" id="{824BCF4F-3906-DDF1-F58D-E06E81AA789C}"/>
+              </a:ext>
+            </a:extLst>
+          </p:cNvPr>
+          <p:cNvSpPr/>
+          <p:nvPr/>
+        </p:nvSpPr>
+        <p:spPr>
+          <a:xfrm>
+            <a:off x="7525139" y="4590690"/>
+            <a:ext cx="1240971" cy="676469"/>
+          </a:xfrm>
+          <a:prstGeom prst="rect">
+            <a:avLst/>
+          </a:prstGeom>
+        </p:spPr>
+        <p:style>
+          <a:lnRef idx="2">
+            <a:schemeClr val="accent1">
+              <a:shade val="15000"/>
+            </a:schemeClr>
+          </a:lnRef>
+          <a:fillRef idx="1">
+            <a:schemeClr val="accent1"/>
+          </a:fillRef>
+          <a:effectRef idx="0">
+            <a:schemeClr val="accent1"/>
+          </a:effectRef>
+          <a:fontRef idx="minor">
+            <a:schemeClr val="lt1"/>
+          </a:fontRef>
+        </p:style>
+        <p:txBody>
+          <a:bodyPr rtlCol="0" anchor="ctr"/>
+          <a:lstStyle/>
+          <a:p>
+            <a:pPr algn="ctr"/>
+            <a:r>
+              <a:rPr lang="en-IN" dirty="0"/>
+              <a:t>Request Closed</a:t>
+            </a:r>
+          </a:p>
+        </p:txBody>
+      </p:sp>
+      <p:sp>
+        <p:nvSpPr>
+          <p:cNvPr id="16" name="Rectangle 15">
+            <a:extLst>
+              <a:ext uri="{FF2B5EF4-FFF2-40B4-BE49-F238E27FC236}">
+                <a16:creationId xmlns:a16="http://schemas.microsoft.com/office/drawing/2014/main" id="{39043F64-FD26-CC4B-52D5-DA3449B9914D}"/>
+              </a:ext>
+            </a:extLst>
+          </p:cNvPr>
+          <p:cNvSpPr/>
+          <p:nvPr/>
+        </p:nvSpPr>
+        <p:spPr>
+          <a:xfrm>
+            <a:off x="10204583" y="3979504"/>
             <a:ext cx="1045028" cy="611187"/>
           </a:xfrm>
           <a:prstGeom prst="rect">
@@ -4020,7 +5908,7 @@
         <p:spPr>
           <a:xfrm>
             <a:off x="8766109" y="3634272"/>
-            <a:ext cx="763558" cy="650826"/>
+            <a:ext cx="1438474" cy="650826"/>
           </a:xfrm>
           <a:prstGeom prst="straightConnector1">
             <a:avLst/>
@@ -4097,6 +5985,7 @@
             </a:extLst>
           </p:cNvPr>
           <p:cNvCxnSpPr>
+            <a:cxnSpLocks/>
             <a:stCxn id="15" idx="3"/>
             <a:endCxn id="16" idx="1"/>
           </p:cNvCxnSpPr>
@@ -4105,7 +5994,7 @@
         <p:spPr>
           <a:xfrm flipV="1">
             <a:off x="8766110" y="4285098"/>
-            <a:ext cx="763557" cy="643827"/>
+            <a:ext cx="1438473" cy="643827"/>
           </a:xfrm>
           <a:prstGeom prst="straightConnector1">
             <a:avLst/>
@@ -4529,7 +6418,7 @@
         <p:spPr>
           <a:xfrm>
             <a:off x="4497352" y="2652209"/>
-            <a:ext cx="5554829" cy="32989"/>
+            <a:ext cx="6229745" cy="9322"/>
           </a:xfrm>
           <a:prstGeom prst="line">
             <a:avLst/>
@@ -4560,13 +6449,14 @@
             </a:extLst>
           </p:cNvPr>
           <p:cNvCxnSpPr>
+            <a:cxnSpLocks/>
             <a:endCxn id="16" idx="0"/>
           </p:cNvCxnSpPr>
           <p:nvPr/>
         </p:nvCxnSpPr>
         <p:spPr>
           <a:xfrm>
-            <a:off x="10052181" y="2668703"/>
+            <a:off x="10727097" y="2668703"/>
             <a:ext cx="0" cy="1310801"/>
           </a:xfrm>
           <a:prstGeom prst="straightConnector1">
@@ -4605,7 +6495,7 @@
         </p:nvSpPr>
         <p:spPr>
           <a:xfrm>
-            <a:off x="5833188" y="2315866"/>
+            <a:off x="6252290" y="2299371"/>
             <a:ext cx="2024743" cy="369332"/>
           </a:xfrm>
           <a:prstGeom prst="rect">
@@ -4657,6 +6547,76 @@
             <a:r>
               <a:rPr lang="en-IN" dirty="0"/>
               <a:t>Food Delivered</a:t>
+            </a:r>
+          </a:p>
+        </p:txBody>
+      </p:sp>
+      <p:sp>
+        <p:nvSpPr>
+          <p:cNvPr id="10" name="TextBox 9">
+            <a:extLst>
+              <a:ext uri="{FF2B5EF4-FFF2-40B4-BE49-F238E27FC236}">
+                <a16:creationId xmlns:a16="http://schemas.microsoft.com/office/drawing/2014/main" id="{AC980285-9649-98C5-C8FF-F7152482E762}"/>
+              </a:ext>
+            </a:extLst>
+          </p:cNvPr>
+          <p:cNvSpPr txBox="1"/>
+          <p:nvPr/>
+        </p:nvSpPr>
+        <p:spPr>
+          <a:xfrm rot="1488689">
+            <a:off x="8831589" y="3575265"/>
+            <a:ext cx="1278294" cy="369332"/>
+          </a:xfrm>
+          <a:prstGeom prst="rect">
+            <a:avLst/>
+          </a:prstGeom>
+          <a:noFill/>
+        </p:spPr>
+        <p:txBody>
+          <a:bodyPr wrap="square" rtlCol="0">
+            <a:spAutoFit/>
+          </a:bodyPr>
+          <a:lstStyle/>
+          <a:p>
+            <a:r>
+              <a:rPr lang="en-IN" dirty="0"/>
+              <a:t>Completed</a:t>
+            </a:r>
+          </a:p>
+        </p:txBody>
+      </p:sp>
+      <p:sp>
+        <p:nvSpPr>
+          <p:cNvPr id="11" name="TextBox 10">
+            <a:extLst>
+              <a:ext uri="{FF2B5EF4-FFF2-40B4-BE49-F238E27FC236}">
+                <a16:creationId xmlns:a16="http://schemas.microsoft.com/office/drawing/2014/main" id="{24DAA97E-C2BE-3A46-3FBB-BF9265749B84}"/>
+              </a:ext>
+            </a:extLst>
+          </p:cNvPr>
+          <p:cNvSpPr txBox="1"/>
+          <p:nvPr/>
+        </p:nvSpPr>
+        <p:spPr>
+          <a:xfrm rot="20240200">
+            <a:off x="9001693" y="4599153"/>
+            <a:ext cx="811690" cy="369332"/>
+          </a:xfrm>
+          <a:prstGeom prst="rect">
+            <a:avLst/>
+          </a:prstGeom>
+          <a:noFill/>
+        </p:spPr>
+        <p:txBody>
+          <a:bodyPr wrap="square" rtlCol="0">
+            <a:spAutoFit/>
+          </a:bodyPr>
+          <a:lstStyle/>
+          <a:p>
+            <a:r>
+              <a:rPr lang="en-IN" dirty="0"/>
+              <a:t>Closed</a:t>
             </a:r>
           </a:p>
         </p:txBody>
@@ -4674,43 +6634,9 @@
 </p:sld>
 </file>
 
-<file path=ppt/slides/slide11.xml><?xml version="1.0" encoding="utf-8"?>
+<file path=ppt/slides/slide13.xml><?xml version="1.0" encoding="utf-8"?>
 <p:sld xmlns:a="http://schemas.openxmlformats.org/drawingml/2006/main" xmlns:r="http://schemas.openxmlformats.org/officeDocument/2006/relationships" xmlns:p="http://schemas.openxmlformats.org/presentationml/2006/main">
   <p:cSld>
-    <p:bg>
-      <p:bgPr>
-        <a:gradFill>
-          <a:gsLst>
-            <a:gs pos="0">
-              <a:schemeClr val="accent1">
-                <a:lumMod val="5000"/>
-                <a:lumOff val="95000"/>
-              </a:schemeClr>
-            </a:gs>
-            <a:gs pos="86000">
-              <a:schemeClr val="accent1">
-                <a:lumMod val="45000"/>
-                <a:lumOff val="55000"/>
-              </a:schemeClr>
-            </a:gs>
-            <a:gs pos="94000">
-              <a:schemeClr val="accent1">
-                <a:lumMod val="45000"/>
-                <a:lumOff val="55000"/>
-              </a:schemeClr>
-            </a:gs>
-            <a:gs pos="100000">
-              <a:schemeClr val="accent1">
-                <a:lumMod val="30000"/>
-                <a:lumOff val="70000"/>
-              </a:schemeClr>
-            </a:gs>
-          </a:gsLst>
-          <a:lin ang="5400000" scaled="1"/>
-        </a:gradFill>
-        <a:effectLst/>
-      </p:bgPr>
-    </p:bg>
     <p:spTree>
       <p:nvGrpSpPr>
         <p:cNvPr id="1" name=""/>
@@ -4730,7 +6656,7 @@
           <p:cNvPr id="2" name="Title 1">
             <a:extLst>
               <a:ext uri="{FF2B5EF4-FFF2-40B4-BE49-F238E27FC236}">
-                <a16:creationId xmlns:a16="http://schemas.microsoft.com/office/drawing/2014/main" id="{629BF9F0-5EA9-5A1D-BFE8-082B2052EF66}"/>
+                <a16:creationId xmlns:a16="http://schemas.microsoft.com/office/drawing/2014/main" id="{7AF36008-437F-D57B-B67F-9050982D4CE4}"/>
               </a:ext>
             </a:extLst>
           </p:cNvPr>
@@ -4747,12 +6673,13 @@
           <a:lstStyle/>
           <a:p>
             <a:r>
-              <a:rPr lang="en-IN" b="1" dirty="0">
+              <a:rPr lang="en-IN" dirty="0">
                 <a:solidFill>
                   <a:srgbClr val="002060"/>
                 </a:solidFill>
+                <a:latin typeface="+mn-lt"/>
               </a:rPr>
-              <a:t>Software Requirements</a:t>
+              <a:t>Algorithm / Techniques proposed or Solution methodology</a:t>
             </a:r>
           </a:p>
         </p:txBody>
@@ -4762,7 +6689,7 @@
           <p:cNvPr id="3" name="Content Placeholder 2">
             <a:extLst>
               <a:ext uri="{FF2B5EF4-FFF2-40B4-BE49-F238E27FC236}">
-                <a16:creationId xmlns:a16="http://schemas.microsoft.com/office/drawing/2014/main" id="{2D2E4DF0-3FB2-0B30-22EA-B09B1A8305CF}"/>
+                <a16:creationId xmlns:a16="http://schemas.microsoft.com/office/drawing/2014/main" id="{C4A45EEE-6714-C980-F435-807AEC522C3C}"/>
               </a:ext>
             </a:extLst>
           </p:cNvPr>
@@ -4773,567 +6700,19 @@
             <p:ph idx="1"/>
           </p:nvPr>
         </p:nvSpPr>
-        <p:spPr>
-          <a:xfrm>
-            <a:off x="838200" y="1690688"/>
-            <a:ext cx="10515600" cy="4351338"/>
-          </a:xfrm>
-        </p:spPr>
-        <p:txBody>
-          <a:bodyPr>
-            <a:normAutofit/>
-          </a:bodyPr>
-          <a:lstStyle/>
-          <a:p>
-            <a:r>
-              <a:rPr lang="en-IN" sz="2000" b="1" dirty="0"/>
-              <a:t>Front-End Framework:</a:t>
-            </a:r>
-            <a:r>
-              <a:rPr lang="en-IN" sz="2000" dirty="0"/>
-              <a:t> Angular 17, Ionic</a:t>
-            </a:r>
-          </a:p>
-          <a:p>
-            <a:r>
-              <a:rPr lang="en-IN" sz="2000" b="1" dirty="0"/>
-              <a:t>Development Environment:</a:t>
-            </a:r>
-            <a:r>
-              <a:rPr lang="en-IN" sz="2000" dirty="0"/>
-              <a:t> Visual Studio Code</a:t>
-            </a:r>
-          </a:p>
-          <a:p>
-            <a:r>
-              <a:rPr lang="en-IN" sz="2000" b="1" dirty="0"/>
-              <a:t>Database Management:</a:t>
-            </a:r>
-            <a:r>
-              <a:rPr lang="en-IN" sz="2000" dirty="0"/>
-              <a:t> Firestore</a:t>
-            </a:r>
-          </a:p>
-          <a:p>
-            <a:r>
-              <a:rPr lang="en-IN" sz="2000" b="1" dirty="0"/>
-              <a:t>Hosting: </a:t>
-            </a:r>
-            <a:r>
-              <a:rPr lang="en-IN" sz="2000" dirty="0"/>
-              <a:t>Firebase</a:t>
-            </a:r>
-          </a:p>
-          <a:p>
-            <a:r>
-              <a:rPr lang="en-IN" sz="2000" b="1" dirty="0"/>
-              <a:t>Login Management:</a:t>
-            </a:r>
-            <a:r>
-              <a:rPr lang="en-IN" sz="2000" dirty="0"/>
-              <a:t> Google OAuth</a:t>
-            </a:r>
+        <p:spPr/>
+        <p:txBody>
+          <a:bodyPr/>
+          <a:lstStyle/>
+          <a:p>
+            <a:endParaRPr lang="en-IN" dirty="0"/>
           </a:p>
         </p:txBody>
       </p:sp>
     </p:spTree>
     <p:extLst>
       <p:ext uri="{BB962C8B-B14F-4D97-AF65-F5344CB8AC3E}">
-        <p14:creationId xmlns:p14="http://schemas.microsoft.com/office/powerpoint/2010/main" val="4294784492"/>
-      </p:ext>
-    </p:extLst>
-  </p:cSld>
-  <p:clrMapOvr>
-    <a:masterClrMapping/>
-  </p:clrMapOvr>
-</p:sld>
-</file>
-
-<file path=ppt/slides/slide12.xml><?xml version="1.0" encoding="utf-8"?>
-<p:sld xmlns:a="http://schemas.openxmlformats.org/drawingml/2006/main" xmlns:r="http://schemas.openxmlformats.org/officeDocument/2006/relationships" xmlns:p="http://schemas.openxmlformats.org/presentationml/2006/main">
-  <p:cSld>
-    <p:bg>
-      <p:bgPr>
-        <a:gradFill>
-          <a:gsLst>
-            <a:gs pos="0">
-              <a:schemeClr val="accent1">
-                <a:lumMod val="5000"/>
-                <a:lumOff val="95000"/>
-              </a:schemeClr>
-            </a:gs>
-            <a:gs pos="86000">
-              <a:schemeClr val="accent1">
-                <a:lumMod val="45000"/>
-                <a:lumOff val="55000"/>
-              </a:schemeClr>
-            </a:gs>
-            <a:gs pos="94000">
-              <a:schemeClr val="accent1">
-                <a:lumMod val="45000"/>
-                <a:lumOff val="55000"/>
-              </a:schemeClr>
-            </a:gs>
-            <a:gs pos="100000">
-              <a:schemeClr val="accent1">
-                <a:lumMod val="30000"/>
-                <a:lumOff val="70000"/>
-              </a:schemeClr>
-            </a:gs>
-          </a:gsLst>
-          <a:lin ang="5400000" scaled="1"/>
-        </a:gradFill>
-        <a:effectLst/>
-      </p:bgPr>
-    </p:bg>
-    <p:spTree>
-      <p:nvGrpSpPr>
-        <p:cNvPr id="1" name=""/>
-        <p:cNvGrpSpPr/>
-        <p:nvPr/>
-      </p:nvGrpSpPr>
-      <p:grpSpPr>
-        <a:xfrm>
-          <a:off x="0" y="0"/>
-          <a:ext cx="0" cy="0"/>
-          <a:chOff x="0" y="0"/>
-          <a:chExt cx="0" cy="0"/>
-        </a:xfrm>
-      </p:grpSpPr>
-      <p:sp>
-        <p:nvSpPr>
-          <p:cNvPr id="2" name="Title 1">
-            <a:extLst>
-              <a:ext uri="{FF2B5EF4-FFF2-40B4-BE49-F238E27FC236}">
-                <a16:creationId xmlns:a16="http://schemas.microsoft.com/office/drawing/2014/main" id="{56B6D8E8-610E-90C9-2A59-7B083558350B}"/>
-              </a:ext>
-            </a:extLst>
-          </p:cNvPr>
-          <p:cNvSpPr>
-            <a:spLocks noGrp="1"/>
-          </p:cNvSpPr>
-          <p:nvPr>
-            <p:ph type="title"/>
-          </p:nvPr>
-        </p:nvSpPr>
-        <p:spPr/>
-        <p:txBody>
-          <a:bodyPr/>
-          <a:lstStyle/>
-          <a:p>
-            <a:r>
-              <a:rPr lang="en-IN" b="1" dirty="0">
-                <a:solidFill>
-                  <a:srgbClr val="002060"/>
-                </a:solidFill>
-              </a:rPr>
-              <a:t>UML Diagram</a:t>
-            </a:r>
-          </a:p>
-        </p:txBody>
-      </p:sp>
-      <p:sp>
-        <p:nvSpPr>
-          <p:cNvPr id="3" name="Rectangle 2">
-            <a:extLst>
-              <a:ext uri="{FF2B5EF4-FFF2-40B4-BE49-F238E27FC236}">
-                <a16:creationId xmlns:a16="http://schemas.microsoft.com/office/drawing/2014/main" id="{F5DD1303-0B21-62A3-A0CD-672E8E41FAC0}"/>
-              </a:ext>
-            </a:extLst>
-          </p:cNvPr>
-          <p:cNvSpPr/>
-          <p:nvPr/>
-        </p:nvSpPr>
-        <p:spPr>
-          <a:xfrm>
-            <a:off x="1895724" y="2080303"/>
-            <a:ext cx="2642118" cy="2955956"/>
-          </a:xfrm>
-          <a:prstGeom prst="rect">
-            <a:avLst/>
-          </a:prstGeom>
-        </p:spPr>
-        <p:style>
-          <a:lnRef idx="2">
-            <a:schemeClr val="accent1">
-              <a:shade val="15000"/>
-            </a:schemeClr>
-          </a:lnRef>
-          <a:fillRef idx="1">
-            <a:schemeClr val="accent1"/>
-          </a:fillRef>
-          <a:effectRef idx="0">
-            <a:schemeClr val="accent1"/>
-          </a:effectRef>
-          <a:fontRef idx="minor">
-            <a:schemeClr val="lt1"/>
-          </a:fontRef>
-        </p:style>
-        <p:txBody>
-          <a:bodyPr rtlCol="0" anchor="ctr"/>
-          <a:lstStyle/>
-          <a:p>
-            <a:pPr algn="ctr"/>
-            <a:r>
-              <a:rPr lang="en-IN" sz="2000" b="1" dirty="0"/>
-              <a:t>User details</a:t>
-            </a:r>
-          </a:p>
-          <a:p>
-            <a:pPr marL="285750" indent="-285750">
-              <a:buFont typeface="Arial" panose="020B0604020202020204" pitchFamily="34" charset="0"/>
-              <a:buChar char="•"/>
-            </a:pPr>
-            <a:r>
-              <a:rPr lang="en-IN" dirty="0"/>
-              <a:t>user_name</a:t>
-            </a:r>
-          </a:p>
-          <a:p>
-            <a:pPr marL="285750" indent="-285750">
-              <a:buFont typeface="Arial" panose="020B0604020202020204" pitchFamily="34" charset="0"/>
-              <a:buChar char="•"/>
-            </a:pPr>
-            <a:r>
-              <a:rPr lang="en-IN" dirty="0"/>
-              <a:t>contact_number</a:t>
-            </a:r>
-          </a:p>
-          <a:p>
-            <a:pPr marL="285750" indent="-285750">
-              <a:buFont typeface="Arial" panose="020B0604020202020204" pitchFamily="34" charset="0"/>
-              <a:buChar char="•"/>
-            </a:pPr>
-            <a:r>
-              <a:rPr lang="en-IN" dirty="0"/>
-              <a:t>organization_type</a:t>
-            </a:r>
-          </a:p>
-          <a:p>
-            <a:pPr marL="285750" indent="-285750">
-              <a:buFont typeface="Arial" panose="020B0604020202020204" pitchFamily="34" charset="0"/>
-              <a:buChar char="•"/>
-            </a:pPr>
-            <a:r>
-              <a:rPr lang="en-IN" dirty="0"/>
-              <a:t>organization_name</a:t>
-            </a:r>
-          </a:p>
-          <a:p>
-            <a:pPr marL="285750" indent="-285750">
-              <a:buFont typeface="Arial" panose="020B0604020202020204" pitchFamily="34" charset="0"/>
-              <a:buChar char="•"/>
-            </a:pPr>
-            <a:r>
-              <a:rPr lang="en-IN" dirty="0"/>
-              <a:t>user_address</a:t>
-            </a:r>
-          </a:p>
-        </p:txBody>
-      </p:sp>
-      <p:sp>
-        <p:nvSpPr>
-          <p:cNvPr id="4" name="Rectangle 3">
-            <a:extLst>
-              <a:ext uri="{FF2B5EF4-FFF2-40B4-BE49-F238E27FC236}">
-                <a16:creationId xmlns:a16="http://schemas.microsoft.com/office/drawing/2014/main" id="{18A4F943-97E0-48D6-7601-2A656D598A0D}"/>
-              </a:ext>
-            </a:extLst>
-          </p:cNvPr>
-          <p:cNvSpPr/>
-          <p:nvPr/>
-        </p:nvSpPr>
-        <p:spPr>
-          <a:xfrm>
-            <a:off x="6702544" y="2080302"/>
-            <a:ext cx="2530151" cy="2955957"/>
-          </a:xfrm>
-          <a:prstGeom prst="rect">
-            <a:avLst/>
-          </a:prstGeom>
-        </p:spPr>
-        <p:style>
-          <a:lnRef idx="2">
-            <a:schemeClr val="accent1">
-              <a:shade val="15000"/>
-            </a:schemeClr>
-          </a:lnRef>
-          <a:fillRef idx="1">
-            <a:schemeClr val="accent1"/>
-          </a:fillRef>
-          <a:effectRef idx="0">
-            <a:schemeClr val="accent1"/>
-          </a:effectRef>
-          <a:fontRef idx="minor">
-            <a:schemeClr val="lt1"/>
-          </a:fontRef>
-        </p:style>
-        <p:txBody>
-          <a:bodyPr rtlCol="0" anchor="ctr"/>
-          <a:lstStyle/>
-          <a:p>
-            <a:pPr algn="ctr"/>
-            <a:r>
-              <a:rPr lang="en-IN" sz="2000" b="1" dirty="0"/>
-              <a:t>Request</a:t>
-            </a:r>
-          </a:p>
-          <a:p>
-            <a:pPr marL="285750" indent="-285750">
-              <a:buFont typeface="Arial" panose="020B0604020202020204" pitchFamily="34" charset="0"/>
-              <a:buChar char="•"/>
-            </a:pPr>
-            <a:r>
-              <a:rPr lang="en-IN" dirty="0"/>
-              <a:t>request_id</a:t>
-            </a:r>
-          </a:p>
-          <a:p>
-            <a:pPr marL="285750" indent="-285750">
-              <a:buFont typeface="Arial" panose="020B0604020202020204" pitchFamily="34" charset="0"/>
-              <a:buChar char="•"/>
-            </a:pPr>
-            <a:r>
-              <a:rPr lang="en-IN" dirty="0"/>
-              <a:t>user_name</a:t>
-            </a:r>
-          </a:p>
-          <a:p>
-            <a:pPr marL="285750" indent="-285750">
-              <a:buFont typeface="Arial" panose="020B0604020202020204" pitchFamily="34" charset="0"/>
-              <a:buChar char="•"/>
-            </a:pPr>
-            <a:r>
-              <a:rPr lang="en-IN" dirty="0"/>
-              <a:t>contact_number</a:t>
-            </a:r>
-          </a:p>
-          <a:p>
-            <a:pPr marL="285750" indent="-285750">
-              <a:buFont typeface="Arial" panose="020B0604020202020204" pitchFamily="34" charset="0"/>
-              <a:buChar char="•"/>
-            </a:pPr>
-            <a:r>
-              <a:rPr lang="en-IN" dirty="0"/>
-              <a:t>organization_name</a:t>
-            </a:r>
-          </a:p>
-          <a:p>
-            <a:pPr marL="285750" indent="-285750">
-              <a:buFont typeface="Arial" panose="020B0604020202020204" pitchFamily="34" charset="0"/>
-              <a:buChar char="•"/>
-            </a:pPr>
-            <a:r>
-              <a:rPr lang="en-IN" dirty="0"/>
-              <a:t>user_address</a:t>
-            </a:r>
-          </a:p>
-          <a:p>
-            <a:pPr marL="285750" indent="-285750">
-              <a:buFont typeface="Arial" panose="020B0604020202020204" pitchFamily="34" charset="0"/>
-              <a:buChar char="•"/>
-            </a:pPr>
-            <a:r>
-              <a:rPr lang="en-IN" dirty="0"/>
-              <a:t>food_count</a:t>
-            </a:r>
-          </a:p>
-        </p:txBody>
-      </p:sp>
-      <p:sp>
-        <p:nvSpPr>
-          <p:cNvPr id="5" name="Arrow: Right 4">
-            <a:extLst>
-              <a:ext uri="{FF2B5EF4-FFF2-40B4-BE49-F238E27FC236}">
-                <a16:creationId xmlns:a16="http://schemas.microsoft.com/office/drawing/2014/main" id="{1855BE3F-3F3A-F3B3-0D34-0F02B344A73F}"/>
-              </a:ext>
-            </a:extLst>
-          </p:cNvPr>
-          <p:cNvSpPr/>
-          <p:nvPr/>
-        </p:nvSpPr>
-        <p:spPr>
-          <a:xfrm>
-            <a:off x="4724454" y="3306353"/>
-            <a:ext cx="1782147" cy="512261"/>
-          </a:xfrm>
-          <a:prstGeom prst="rightArrow">
-            <a:avLst/>
-          </a:prstGeom>
-        </p:spPr>
-        <p:style>
-          <a:lnRef idx="2">
-            <a:schemeClr val="accent1">
-              <a:shade val="15000"/>
-            </a:schemeClr>
-          </a:lnRef>
-          <a:fillRef idx="1">
-            <a:schemeClr val="accent1"/>
-          </a:fillRef>
-          <a:effectRef idx="0">
-            <a:schemeClr val="accent1"/>
-          </a:effectRef>
-          <a:fontRef idx="minor">
-            <a:schemeClr val="lt1"/>
-          </a:fontRef>
-        </p:style>
-        <p:txBody>
-          <a:bodyPr rtlCol="0" anchor="ctr"/>
-          <a:lstStyle/>
-          <a:p>
-            <a:pPr algn="ctr"/>
-            <a:endParaRPr lang="en-IN" dirty="0"/>
-          </a:p>
-        </p:txBody>
-      </p:sp>
-    </p:spTree>
-    <p:extLst>
-      <p:ext uri="{BB962C8B-B14F-4D97-AF65-F5344CB8AC3E}">
-        <p14:creationId xmlns:p14="http://schemas.microsoft.com/office/powerpoint/2010/main" val="4254367455"/>
-      </p:ext>
-    </p:extLst>
-  </p:cSld>
-  <p:clrMapOvr>
-    <a:masterClrMapping/>
-  </p:clrMapOvr>
-</p:sld>
-</file>
-
-<file path=ppt/slides/slide13.xml><?xml version="1.0" encoding="utf-8"?>
-<p:sld xmlns:a="http://schemas.openxmlformats.org/drawingml/2006/main" xmlns:r="http://schemas.openxmlformats.org/officeDocument/2006/relationships" xmlns:p="http://schemas.openxmlformats.org/presentationml/2006/main">
-  <p:cSld>
-    <p:bg>
-      <p:bgPr>
-        <a:gradFill>
-          <a:gsLst>
-            <a:gs pos="0">
-              <a:schemeClr val="accent1">
-                <a:lumMod val="5000"/>
-                <a:lumOff val="95000"/>
-              </a:schemeClr>
-            </a:gs>
-            <a:gs pos="86000">
-              <a:schemeClr val="accent1">
-                <a:lumMod val="45000"/>
-                <a:lumOff val="55000"/>
-              </a:schemeClr>
-            </a:gs>
-            <a:gs pos="94000">
-              <a:schemeClr val="accent1">
-                <a:lumMod val="45000"/>
-                <a:lumOff val="55000"/>
-              </a:schemeClr>
-            </a:gs>
-            <a:gs pos="100000">
-              <a:schemeClr val="accent1">
-                <a:lumMod val="30000"/>
-                <a:lumOff val="70000"/>
-              </a:schemeClr>
-            </a:gs>
-          </a:gsLst>
-          <a:lin ang="5400000" scaled="1"/>
-        </a:gradFill>
-        <a:effectLst/>
-      </p:bgPr>
-    </p:bg>
-    <p:spTree>
-      <p:nvGrpSpPr>
-        <p:cNvPr id="1" name=""/>
-        <p:cNvGrpSpPr/>
-        <p:nvPr/>
-      </p:nvGrpSpPr>
-      <p:grpSpPr>
-        <a:xfrm>
-          <a:off x="0" y="0"/>
-          <a:ext cx="0" cy="0"/>
-          <a:chOff x="0" y="0"/>
-          <a:chExt cx="0" cy="0"/>
-        </a:xfrm>
-      </p:grpSpPr>
-      <p:sp>
-        <p:nvSpPr>
-          <p:cNvPr id="2" name="Title 1">
-            <a:extLst>
-              <a:ext uri="{FF2B5EF4-FFF2-40B4-BE49-F238E27FC236}">
-                <a16:creationId xmlns:a16="http://schemas.microsoft.com/office/drawing/2014/main" id="{125074F2-6E9A-05EE-D212-BECC784699A4}"/>
-              </a:ext>
-            </a:extLst>
-          </p:cNvPr>
-          <p:cNvSpPr>
-            <a:spLocks noGrp="1"/>
-          </p:cNvSpPr>
-          <p:nvPr>
-            <p:ph type="title"/>
-          </p:nvPr>
-        </p:nvSpPr>
-        <p:spPr/>
-        <p:txBody>
-          <a:bodyPr/>
-          <a:lstStyle/>
-          <a:p>
-            <a:r>
-              <a:rPr lang="en-IN" b="1" dirty="0">
-                <a:solidFill>
-                  <a:srgbClr val="002060"/>
-                </a:solidFill>
-              </a:rPr>
-              <a:t>Work done so far</a:t>
-            </a:r>
-          </a:p>
-        </p:txBody>
-      </p:sp>
-      <p:sp>
-        <p:nvSpPr>
-          <p:cNvPr id="3" name="Content Placeholder 2">
-            <a:extLst>
-              <a:ext uri="{FF2B5EF4-FFF2-40B4-BE49-F238E27FC236}">
-                <a16:creationId xmlns:a16="http://schemas.microsoft.com/office/drawing/2014/main" id="{F365973D-61B5-4F0C-AA8D-7D8C35E65935}"/>
-              </a:ext>
-            </a:extLst>
-          </p:cNvPr>
-          <p:cNvSpPr>
-            <a:spLocks noGrp="1"/>
-          </p:cNvSpPr>
-          <p:nvPr>
-            <p:ph idx="1"/>
-          </p:nvPr>
-        </p:nvSpPr>
-        <p:spPr/>
-        <p:txBody>
-          <a:bodyPr>
-            <a:normAutofit/>
-          </a:bodyPr>
-          <a:lstStyle/>
-          <a:p>
-            <a:r>
-              <a:rPr lang="en-IN" sz="2000" dirty="0"/>
-              <a:t>Have created Basic design and pages</a:t>
-            </a:r>
-          </a:p>
-          <a:p>
-            <a:r>
-              <a:rPr lang="en-IN" sz="2000" dirty="0"/>
-              <a:t>Created Login function</a:t>
-            </a:r>
-          </a:p>
-          <a:p>
-            <a:r>
-              <a:rPr lang="en-IN" sz="2000" dirty="0"/>
-              <a:t>Navigations between the pages are done</a:t>
-            </a:r>
-          </a:p>
-          <a:p>
-            <a:r>
-              <a:rPr lang="en-IN" sz="2000" dirty="0"/>
-              <a:t>Request creation for Orphanage/Home users is done</a:t>
-            </a:r>
-          </a:p>
-        </p:txBody>
-      </p:sp>
-    </p:spTree>
-    <p:extLst>
-      <p:ext uri="{BB962C8B-B14F-4D97-AF65-F5344CB8AC3E}">
-        <p14:creationId xmlns:p14="http://schemas.microsoft.com/office/powerpoint/2010/main" val="2678606210"/>
+        <p14:creationId xmlns:p14="http://schemas.microsoft.com/office/powerpoint/2010/main" val="631618303"/>
       </p:ext>
     </p:extLst>
   </p:cSld>
@@ -5399,7 +6778,7 @@
           <p:cNvPr id="2" name="Title 1">
             <a:extLst>
               <a:ext uri="{FF2B5EF4-FFF2-40B4-BE49-F238E27FC236}">
-                <a16:creationId xmlns:a16="http://schemas.microsoft.com/office/drawing/2014/main" id="{77EB3D63-A638-301B-8CE0-F92E8E58285A}"/>
+                <a16:creationId xmlns:a16="http://schemas.microsoft.com/office/drawing/2014/main" id="{629BF9F0-5EA9-5A1D-BFE8-082B2052EF66}"/>
               </a:ext>
             </a:extLst>
           </p:cNvPr>
@@ -5421,7 +6800,7 @@
                   <a:srgbClr val="002060"/>
                 </a:solidFill>
               </a:rPr>
-              <a:t>Work to be done</a:t>
+              <a:t>Software Requirements</a:t>
             </a:r>
           </a:p>
         </p:txBody>
@@ -5431,7 +6810,7 @@
           <p:cNvPr id="3" name="Content Placeholder 2">
             <a:extLst>
               <a:ext uri="{FF2B5EF4-FFF2-40B4-BE49-F238E27FC236}">
-                <a16:creationId xmlns:a16="http://schemas.microsoft.com/office/drawing/2014/main" id="{CA54982E-AB61-054D-362F-AE404AAD5213}"/>
+                <a16:creationId xmlns:a16="http://schemas.microsoft.com/office/drawing/2014/main" id="{2D2E4DF0-3FB2-0B30-22EA-B09B1A8305CF}"/>
               </a:ext>
             </a:extLst>
           </p:cNvPr>
@@ -5442,37 +6821,720 @@
             <p:ph idx="1"/>
           </p:nvPr>
         </p:nvSpPr>
+        <p:spPr>
+          <a:xfrm>
+            <a:off x="838200" y="1690688"/>
+            <a:ext cx="10515600" cy="4351338"/>
+          </a:xfrm>
+        </p:spPr>
+        <p:txBody>
+          <a:bodyPr>
+            <a:normAutofit/>
+          </a:bodyPr>
+          <a:lstStyle/>
+          <a:p>
+            <a:r>
+              <a:rPr lang="en-IN" sz="2000" b="1" dirty="0"/>
+              <a:t>Front-End Framework:</a:t>
+            </a:r>
+            <a:r>
+              <a:rPr lang="en-IN" sz="2000" dirty="0"/>
+              <a:t> Angular 17, Ionic</a:t>
+            </a:r>
+          </a:p>
+          <a:p>
+            <a:r>
+              <a:rPr lang="en-IN" sz="2000" b="1" dirty="0"/>
+              <a:t>Development Environment:</a:t>
+            </a:r>
+            <a:r>
+              <a:rPr lang="en-IN" sz="2000" dirty="0"/>
+              <a:t> Visual Studio Code</a:t>
+            </a:r>
+          </a:p>
+          <a:p>
+            <a:r>
+              <a:rPr lang="en-IN" sz="2000" b="1" dirty="0"/>
+              <a:t>Database Management:</a:t>
+            </a:r>
+            <a:r>
+              <a:rPr lang="en-IN" sz="2000" dirty="0"/>
+              <a:t> Firestore</a:t>
+            </a:r>
+          </a:p>
+          <a:p>
+            <a:r>
+              <a:rPr lang="en-IN" sz="2000" b="1" dirty="0"/>
+              <a:t>Hosting: </a:t>
+            </a:r>
+            <a:r>
+              <a:rPr lang="en-IN" sz="2000" dirty="0"/>
+              <a:t>Firebase</a:t>
+            </a:r>
+          </a:p>
+          <a:p>
+            <a:r>
+              <a:rPr lang="en-IN" sz="2000" b="1" dirty="0"/>
+              <a:t>Login Management:</a:t>
+            </a:r>
+            <a:r>
+              <a:rPr lang="en-IN" sz="2000" dirty="0"/>
+              <a:t> Google OAuth</a:t>
+            </a:r>
+          </a:p>
+        </p:txBody>
+      </p:sp>
+    </p:spTree>
+    <p:extLst>
+      <p:ext uri="{BB962C8B-B14F-4D97-AF65-F5344CB8AC3E}">
+        <p14:creationId xmlns:p14="http://schemas.microsoft.com/office/powerpoint/2010/main" val="4294784492"/>
+      </p:ext>
+    </p:extLst>
+  </p:cSld>
+  <p:clrMapOvr>
+    <a:masterClrMapping/>
+  </p:clrMapOvr>
+</p:sld>
+</file>
+
+<file path=ppt/slides/slide15.xml><?xml version="1.0" encoding="utf-8"?>
+<p:sld xmlns:a="http://schemas.openxmlformats.org/drawingml/2006/main" xmlns:r="http://schemas.openxmlformats.org/officeDocument/2006/relationships" xmlns:p="http://schemas.openxmlformats.org/presentationml/2006/main">
+  <p:cSld>
+    <p:bg>
+      <p:bgPr>
+        <a:gradFill>
+          <a:gsLst>
+            <a:gs pos="0">
+              <a:schemeClr val="accent1">
+                <a:lumMod val="5000"/>
+                <a:lumOff val="95000"/>
+              </a:schemeClr>
+            </a:gs>
+            <a:gs pos="86000">
+              <a:schemeClr val="accent1">
+                <a:lumMod val="45000"/>
+                <a:lumOff val="55000"/>
+              </a:schemeClr>
+            </a:gs>
+            <a:gs pos="94000">
+              <a:schemeClr val="accent1">
+                <a:lumMod val="45000"/>
+                <a:lumOff val="55000"/>
+              </a:schemeClr>
+            </a:gs>
+            <a:gs pos="100000">
+              <a:schemeClr val="accent1">
+                <a:lumMod val="30000"/>
+                <a:lumOff val="70000"/>
+              </a:schemeClr>
+            </a:gs>
+          </a:gsLst>
+          <a:lin ang="5400000" scaled="1"/>
+        </a:gradFill>
+        <a:effectLst/>
+      </p:bgPr>
+    </p:bg>
+    <p:spTree>
+      <p:nvGrpSpPr>
+        <p:cNvPr id="1" name=""/>
+        <p:cNvGrpSpPr/>
+        <p:nvPr/>
+      </p:nvGrpSpPr>
+      <p:grpSpPr>
+        <a:xfrm>
+          <a:off x="0" y="0"/>
+          <a:ext cx="0" cy="0"/>
+          <a:chOff x="0" y="0"/>
+          <a:chExt cx="0" cy="0"/>
+        </a:xfrm>
+      </p:grpSpPr>
+      <p:sp>
+        <p:nvSpPr>
+          <p:cNvPr id="2" name="Title 1">
+            <a:extLst>
+              <a:ext uri="{FF2B5EF4-FFF2-40B4-BE49-F238E27FC236}">
+                <a16:creationId xmlns:a16="http://schemas.microsoft.com/office/drawing/2014/main" id="{56B6D8E8-610E-90C9-2A59-7B083558350B}"/>
+              </a:ext>
+            </a:extLst>
+          </p:cNvPr>
+          <p:cNvSpPr>
+            <a:spLocks noGrp="1"/>
+          </p:cNvSpPr>
+          <p:nvPr>
+            <p:ph type="title"/>
+          </p:nvPr>
+        </p:nvSpPr>
         <p:spPr/>
         <p:txBody>
           <a:bodyPr/>
           <a:lstStyle/>
           <a:p>
             <a:r>
+              <a:rPr lang="en-IN" b="1" dirty="0">
+                <a:solidFill>
+                  <a:srgbClr val="002060"/>
+                </a:solidFill>
+              </a:rPr>
+              <a:t>UML Diagram</a:t>
+            </a:r>
+          </a:p>
+        </p:txBody>
+      </p:sp>
+      <p:sp>
+        <p:nvSpPr>
+          <p:cNvPr id="3" name="Rectangle 2">
+            <a:extLst>
+              <a:ext uri="{FF2B5EF4-FFF2-40B4-BE49-F238E27FC236}">
+                <a16:creationId xmlns:a16="http://schemas.microsoft.com/office/drawing/2014/main" id="{F5DD1303-0B21-62A3-A0CD-672E8E41FAC0}"/>
+              </a:ext>
+            </a:extLst>
+          </p:cNvPr>
+          <p:cNvSpPr/>
+          <p:nvPr/>
+        </p:nvSpPr>
+        <p:spPr>
+          <a:xfrm>
+            <a:off x="2574918" y="2080304"/>
+            <a:ext cx="2642118" cy="2955956"/>
+          </a:xfrm>
+          <a:prstGeom prst="rect">
+            <a:avLst/>
+          </a:prstGeom>
+        </p:spPr>
+        <p:style>
+          <a:lnRef idx="2">
+            <a:schemeClr val="accent1">
+              <a:shade val="15000"/>
+            </a:schemeClr>
+          </a:lnRef>
+          <a:fillRef idx="1">
+            <a:schemeClr val="accent1"/>
+          </a:fillRef>
+          <a:effectRef idx="0">
+            <a:schemeClr val="accent1"/>
+          </a:effectRef>
+          <a:fontRef idx="minor">
+            <a:schemeClr val="lt1"/>
+          </a:fontRef>
+        </p:style>
+        <p:txBody>
+          <a:bodyPr rtlCol="0" anchor="ctr"/>
+          <a:lstStyle/>
+          <a:p>
+            <a:pPr algn="ctr"/>
+            <a:r>
+              <a:rPr lang="en-IN" sz="2000" b="1" dirty="0"/>
+              <a:t>User details</a:t>
+            </a:r>
+          </a:p>
+          <a:p>
+            <a:pPr marL="285750" indent="-285750">
+              <a:buFont typeface="Arial" panose="020B0604020202020204" pitchFamily="34" charset="0"/>
+              <a:buChar char="•"/>
+            </a:pPr>
+            <a:r>
               <a:rPr lang="en-IN" dirty="0"/>
+              <a:t>user_name</a:t>
+            </a:r>
+          </a:p>
+          <a:p>
+            <a:pPr marL="285750" indent="-285750">
+              <a:buFont typeface="Arial" panose="020B0604020202020204" pitchFamily="34" charset="0"/>
+              <a:buChar char="•"/>
+            </a:pPr>
+            <a:r>
+              <a:rPr lang="en-IN" dirty="0"/>
+              <a:t>contact_number</a:t>
+            </a:r>
+          </a:p>
+          <a:p>
+            <a:pPr marL="285750" indent="-285750">
+              <a:buFont typeface="Arial" panose="020B0604020202020204" pitchFamily="34" charset="0"/>
+              <a:buChar char="•"/>
+            </a:pPr>
+            <a:r>
+              <a:rPr lang="en-IN" dirty="0"/>
+              <a:t>organization_type</a:t>
+            </a:r>
+          </a:p>
+          <a:p>
+            <a:pPr marL="285750" indent="-285750">
+              <a:buFont typeface="Arial" panose="020B0604020202020204" pitchFamily="34" charset="0"/>
+              <a:buChar char="•"/>
+            </a:pPr>
+            <a:r>
+              <a:rPr lang="en-IN" dirty="0"/>
+              <a:t>organization_name</a:t>
+            </a:r>
+          </a:p>
+          <a:p>
+            <a:pPr marL="285750" indent="-285750">
+              <a:buFont typeface="Arial" panose="020B0604020202020204" pitchFamily="34" charset="0"/>
+              <a:buChar char="•"/>
+            </a:pPr>
+            <a:r>
+              <a:rPr lang="en-IN" dirty="0" err="1"/>
+              <a:t>user_address</a:t>
+            </a:r>
+            <a:endParaRPr lang="en-IN" dirty="0"/>
+          </a:p>
+          <a:p>
+            <a:pPr marL="285750" indent="-285750">
+              <a:buFont typeface="Arial" panose="020B0604020202020204" pitchFamily="34" charset="0"/>
+              <a:buChar char="•"/>
+            </a:pPr>
+            <a:r>
+              <a:rPr lang="en-IN" dirty="0" err="1"/>
+              <a:t>user_mail</a:t>
+            </a:r>
+            <a:endParaRPr lang="en-IN" dirty="0"/>
+          </a:p>
+        </p:txBody>
+      </p:sp>
+      <p:sp>
+        <p:nvSpPr>
+          <p:cNvPr id="4" name="Rectangle 3">
+            <a:extLst>
+              <a:ext uri="{FF2B5EF4-FFF2-40B4-BE49-F238E27FC236}">
+                <a16:creationId xmlns:a16="http://schemas.microsoft.com/office/drawing/2014/main" id="{18A4F943-97E0-48D6-7601-2A656D598A0D}"/>
+              </a:ext>
+            </a:extLst>
+          </p:cNvPr>
+          <p:cNvSpPr/>
+          <p:nvPr/>
+        </p:nvSpPr>
+        <p:spPr>
+          <a:xfrm>
+            <a:off x="6772083" y="2080303"/>
+            <a:ext cx="2530151" cy="2955957"/>
+          </a:xfrm>
+          <a:prstGeom prst="rect">
+            <a:avLst/>
+          </a:prstGeom>
+        </p:spPr>
+        <p:style>
+          <a:lnRef idx="2">
+            <a:schemeClr val="accent1">
+              <a:shade val="15000"/>
+            </a:schemeClr>
+          </a:lnRef>
+          <a:fillRef idx="1">
+            <a:schemeClr val="accent1"/>
+          </a:fillRef>
+          <a:effectRef idx="0">
+            <a:schemeClr val="accent1"/>
+          </a:effectRef>
+          <a:fontRef idx="minor">
+            <a:schemeClr val="lt1"/>
+          </a:fontRef>
+        </p:style>
+        <p:txBody>
+          <a:bodyPr rtlCol="0" anchor="ctr"/>
+          <a:lstStyle/>
+          <a:p>
+            <a:pPr algn="ctr"/>
+            <a:r>
+              <a:rPr lang="en-IN" sz="2000" b="1" dirty="0"/>
+              <a:t>Request</a:t>
+            </a:r>
+          </a:p>
+          <a:p>
+            <a:pPr marL="285750" indent="-285750">
+              <a:buFont typeface="Arial" panose="020B0604020202020204" pitchFamily="34" charset="0"/>
+              <a:buChar char="•"/>
+            </a:pPr>
+            <a:r>
+              <a:rPr lang="en-IN" dirty="0"/>
+              <a:t>request_id</a:t>
+            </a:r>
+          </a:p>
+          <a:p>
+            <a:pPr marL="285750" indent="-285750">
+              <a:buFont typeface="Arial" panose="020B0604020202020204" pitchFamily="34" charset="0"/>
+              <a:buChar char="•"/>
+            </a:pPr>
+            <a:r>
+              <a:rPr lang="en-IN" dirty="0"/>
+              <a:t>user_name</a:t>
+            </a:r>
+          </a:p>
+          <a:p>
+            <a:pPr marL="285750" indent="-285750">
+              <a:buFont typeface="Arial" panose="020B0604020202020204" pitchFamily="34" charset="0"/>
+              <a:buChar char="•"/>
+            </a:pPr>
+            <a:r>
+              <a:rPr lang="en-IN" dirty="0"/>
+              <a:t>contact_number</a:t>
+            </a:r>
+          </a:p>
+          <a:p>
+            <a:pPr marL="285750" indent="-285750">
+              <a:buFont typeface="Arial" panose="020B0604020202020204" pitchFamily="34" charset="0"/>
+              <a:buChar char="•"/>
+            </a:pPr>
+            <a:r>
+              <a:rPr lang="en-IN" dirty="0"/>
+              <a:t>organization_name</a:t>
+            </a:r>
+          </a:p>
+          <a:p>
+            <a:pPr marL="285750" indent="-285750">
+              <a:buFont typeface="Arial" panose="020B0604020202020204" pitchFamily="34" charset="0"/>
+              <a:buChar char="•"/>
+            </a:pPr>
+            <a:r>
+              <a:rPr lang="en-IN" dirty="0"/>
+              <a:t>user_address</a:t>
+            </a:r>
+          </a:p>
+          <a:p>
+            <a:pPr marL="285750" indent="-285750">
+              <a:buFont typeface="Arial" panose="020B0604020202020204" pitchFamily="34" charset="0"/>
+              <a:buChar char="•"/>
+            </a:pPr>
+            <a:r>
+              <a:rPr lang="en-IN" dirty="0"/>
+              <a:t>food_count</a:t>
+            </a:r>
+          </a:p>
+        </p:txBody>
+      </p:sp>
+      <p:sp>
+        <p:nvSpPr>
+          <p:cNvPr id="7" name="Arrow: Right 6">
+            <a:extLst>
+              <a:ext uri="{FF2B5EF4-FFF2-40B4-BE49-F238E27FC236}">
+                <a16:creationId xmlns:a16="http://schemas.microsoft.com/office/drawing/2014/main" id="{6EF9D85D-E4FF-37F7-AAD7-4B7323414B5D}"/>
+              </a:ext>
+            </a:extLst>
+          </p:cNvPr>
+          <p:cNvSpPr/>
+          <p:nvPr/>
+        </p:nvSpPr>
+        <p:spPr>
+          <a:xfrm>
+            <a:off x="5217036" y="3369336"/>
+            <a:ext cx="1555047" cy="377890"/>
+          </a:xfrm>
+          <a:prstGeom prst="rightArrow">
+            <a:avLst/>
+          </a:prstGeom>
+        </p:spPr>
+        <p:style>
+          <a:lnRef idx="2">
+            <a:schemeClr val="accent1">
+              <a:shade val="15000"/>
+            </a:schemeClr>
+          </a:lnRef>
+          <a:fillRef idx="1">
+            <a:schemeClr val="accent1"/>
+          </a:fillRef>
+          <a:effectRef idx="0">
+            <a:schemeClr val="accent1"/>
+          </a:effectRef>
+          <a:fontRef idx="minor">
+            <a:schemeClr val="lt1"/>
+          </a:fontRef>
+        </p:style>
+        <p:txBody>
+          <a:bodyPr rtlCol="0" anchor="ctr"/>
+          <a:lstStyle/>
+          <a:p>
+            <a:pPr algn="ctr"/>
+            <a:endParaRPr lang="en-IN"/>
+          </a:p>
+        </p:txBody>
+      </p:sp>
+    </p:spTree>
+    <p:extLst>
+      <p:ext uri="{BB962C8B-B14F-4D97-AF65-F5344CB8AC3E}">
+        <p14:creationId xmlns:p14="http://schemas.microsoft.com/office/powerpoint/2010/main" val="4254367455"/>
+      </p:ext>
+    </p:extLst>
+  </p:cSld>
+  <p:clrMapOvr>
+    <a:masterClrMapping/>
+  </p:clrMapOvr>
+</p:sld>
+</file>
+
+<file path=ppt/slides/slide16.xml><?xml version="1.0" encoding="utf-8"?>
+<p:sld xmlns:a="http://schemas.openxmlformats.org/drawingml/2006/main" xmlns:r="http://schemas.openxmlformats.org/officeDocument/2006/relationships" xmlns:p="http://schemas.openxmlformats.org/presentationml/2006/main">
+  <p:cSld>
+    <p:bg>
+      <p:bgPr>
+        <a:gradFill>
+          <a:gsLst>
+            <a:gs pos="0">
+              <a:schemeClr val="accent1">
+                <a:lumMod val="5000"/>
+                <a:lumOff val="95000"/>
+              </a:schemeClr>
+            </a:gs>
+            <a:gs pos="86000">
+              <a:schemeClr val="accent1">
+                <a:lumMod val="45000"/>
+                <a:lumOff val="55000"/>
+              </a:schemeClr>
+            </a:gs>
+            <a:gs pos="94000">
+              <a:schemeClr val="accent1">
+                <a:lumMod val="45000"/>
+                <a:lumOff val="55000"/>
+              </a:schemeClr>
+            </a:gs>
+            <a:gs pos="100000">
+              <a:schemeClr val="accent1">
+                <a:lumMod val="30000"/>
+                <a:lumOff val="70000"/>
+              </a:schemeClr>
+            </a:gs>
+          </a:gsLst>
+          <a:lin ang="5400000" scaled="1"/>
+        </a:gradFill>
+        <a:effectLst/>
+      </p:bgPr>
+    </p:bg>
+    <p:spTree>
+      <p:nvGrpSpPr>
+        <p:cNvPr id="1" name=""/>
+        <p:cNvGrpSpPr/>
+        <p:nvPr/>
+      </p:nvGrpSpPr>
+      <p:grpSpPr>
+        <a:xfrm>
+          <a:off x="0" y="0"/>
+          <a:ext cx="0" cy="0"/>
+          <a:chOff x="0" y="0"/>
+          <a:chExt cx="0" cy="0"/>
+        </a:xfrm>
+      </p:grpSpPr>
+      <p:sp>
+        <p:nvSpPr>
+          <p:cNvPr id="2" name="Title 1">
+            <a:extLst>
+              <a:ext uri="{FF2B5EF4-FFF2-40B4-BE49-F238E27FC236}">
+                <a16:creationId xmlns:a16="http://schemas.microsoft.com/office/drawing/2014/main" id="{125074F2-6E9A-05EE-D212-BECC784699A4}"/>
+              </a:ext>
+            </a:extLst>
+          </p:cNvPr>
+          <p:cNvSpPr>
+            <a:spLocks noGrp="1"/>
+          </p:cNvSpPr>
+          <p:nvPr>
+            <p:ph type="title"/>
+          </p:nvPr>
+        </p:nvSpPr>
+        <p:spPr/>
+        <p:txBody>
+          <a:bodyPr/>
+          <a:lstStyle/>
+          <a:p>
+            <a:r>
+              <a:rPr lang="en-IN" b="1" dirty="0">
+                <a:solidFill>
+                  <a:srgbClr val="002060"/>
+                </a:solidFill>
+              </a:rPr>
+              <a:t>Work done so far</a:t>
+            </a:r>
+          </a:p>
+        </p:txBody>
+      </p:sp>
+      <p:sp>
+        <p:nvSpPr>
+          <p:cNvPr id="3" name="Content Placeholder 2">
+            <a:extLst>
+              <a:ext uri="{FF2B5EF4-FFF2-40B4-BE49-F238E27FC236}">
+                <a16:creationId xmlns:a16="http://schemas.microsoft.com/office/drawing/2014/main" id="{F365973D-61B5-4F0C-AA8D-7D8C35E65935}"/>
+              </a:ext>
+            </a:extLst>
+          </p:cNvPr>
+          <p:cNvSpPr>
+            <a:spLocks noGrp="1"/>
+          </p:cNvSpPr>
+          <p:nvPr>
+            <p:ph idx="1"/>
+          </p:nvPr>
+        </p:nvSpPr>
+        <p:spPr/>
+        <p:txBody>
+          <a:bodyPr>
+            <a:normAutofit/>
+          </a:bodyPr>
+          <a:lstStyle/>
+          <a:p>
+            <a:r>
+              <a:rPr lang="en-IN" sz="2000" dirty="0"/>
+              <a:t>Have created Basic design and pages</a:t>
+            </a:r>
+          </a:p>
+          <a:p>
+            <a:r>
+              <a:rPr lang="en-IN" sz="2000" dirty="0"/>
+              <a:t>Created Login function</a:t>
+            </a:r>
+          </a:p>
+          <a:p>
+            <a:r>
+              <a:rPr lang="en-IN" sz="2000" dirty="0"/>
+              <a:t>Navigations between the pages are done</a:t>
+            </a:r>
+          </a:p>
+          <a:p>
+            <a:r>
+              <a:rPr lang="en-IN" sz="2000" dirty="0"/>
+              <a:t>Request creation for Orphanage/Home users is done</a:t>
+            </a:r>
+          </a:p>
+        </p:txBody>
+      </p:sp>
+    </p:spTree>
+    <p:extLst>
+      <p:ext uri="{BB962C8B-B14F-4D97-AF65-F5344CB8AC3E}">
+        <p14:creationId xmlns:p14="http://schemas.microsoft.com/office/powerpoint/2010/main" val="2678606210"/>
+      </p:ext>
+    </p:extLst>
+  </p:cSld>
+  <p:clrMapOvr>
+    <a:masterClrMapping/>
+  </p:clrMapOvr>
+</p:sld>
+</file>
+
+<file path=ppt/slides/slide17.xml><?xml version="1.0" encoding="utf-8"?>
+<p:sld xmlns:a="http://schemas.openxmlformats.org/drawingml/2006/main" xmlns:r="http://schemas.openxmlformats.org/officeDocument/2006/relationships" xmlns:p="http://schemas.openxmlformats.org/presentationml/2006/main">
+  <p:cSld>
+    <p:bg>
+      <p:bgPr>
+        <a:gradFill>
+          <a:gsLst>
+            <a:gs pos="0">
+              <a:schemeClr val="accent1">
+                <a:lumMod val="5000"/>
+                <a:lumOff val="95000"/>
+              </a:schemeClr>
+            </a:gs>
+            <a:gs pos="86000">
+              <a:schemeClr val="accent1">
+                <a:lumMod val="45000"/>
+                <a:lumOff val="55000"/>
+              </a:schemeClr>
+            </a:gs>
+            <a:gs pos="94000">
+              <a:schemeClr val="accent1">
+                <a:lumMod val="45000"/>
+                <a:lumOff val="55000"/>
+              </a:schemeClr>
+            </a:gs>
+            <a:gs pos="100000">
+              <a:schemeClr val="accent1">
+                <a:lumMod val="30000"/>
+                <a:lumOff val="70000"/>
+              </a:schemeClr>
+            </a:gs>
+          </a:gsLst>
+          <a:lin ang="5400000" scaled="1"/>
+        </a:gradFill>
+        <a:effectLst/>
+      </p:bgPr>
+    </p:bg>
+    <p:spTree>
+      <p:nvGrpSpPr>
+        <p:cNvPr id="1" name=""/>
+        <p:cNvGrpSpPr/>
+        <p:nvPr/>
+      </p:nvGrpSpPr>
+      <p:grpSpPr>
+        <a:xfrm>
+          <a:off x="0" y="0"/>
+          <a:ext cx="0" cy="0"/>
+          <a:chOff x="0" y="0"/>
+          <a:chExt cx="0" cy="0"/>
+        </a:xfrm>
+      </p:grpSpPr>
+      <p:sp>
+        <p:nvSpPr>
+          <p:cNvPr id="2" name="Title 1">
+            <a:extLst>
+              <a:ext uri="{FF2B5EF4-FFF2-40B4-BE49-F238E27FC236}">
+                <a16:creationId xmlns:a16="http://schemas.microsoft.com/office/drawing/2014/main" id="{77EB3D63-A638-301B-8CE0-F92E8E58285A}"/>
+              </a:ext>
+            </a:extLst>
+          </p:cNvPr>
+          <p:cNvSpPr>
+            <a:spLocks noGrp="1"/>
+          </p:cNvSpPr>
+          <p:nvPr>
+            <p:ph type="title"/>
+          </p:nvPr>
+        </p:nvSpPr>
+        <p:spPr/>
+        <p:txBody>
+          <a:bodyPr/>
+          <a:lstStyle/>
+          <a:p>
+            <a:r>
+              <a:rPr lang="en-IN" b="1" dirty="0">
+                <a:solidFill>
+                  <a:srgbClr val="002060"/>
+                </a:solidFill>
+              </a:rPr>
+              <a:t>Work to be done</a:t>
+            </a:r>
+          </a:p>
+        </p:txBody>
+      </p:sp>
+      <p:sp>
+        <p:nvSpPr>
+          <p:cNvPr id="3" name="Content Placeholder 2">
+            <a:extLst>
+              <a:ext uri="{FF2B5EF4-FFF2-40B4-BE49-F238E27FC236}">
+                <a16:creationId xmlns:a16="http://schemas.microsoft.com/office/drawing/2014/main" id="{CA54982E-AB61-054D-362F-AE404AAD5213}"/>
+              </a:ext>
+            </a:extLst>
+          </p:cNvPr>
+          <p:cNvSpPr>
+            <a:spLocks noGrp="1"/>
+          </p:cNvSpPr>
+          <p:nvPr>
+            <p:ph idx="1"/>
+          </p:nvPr>
+        </p:nvSpPr>
+        <p:spPr/>
+        <p:txBody>
+          <a:bodyPr>
+            <a:normAutofit/>
+          </a:bodyPr>
+          <a:lstStyle/>
+          <a:p>
+            <a:r>
+              <a:rPr lang="en-IN" sz="2000" dirty="0"/>
               <a:t>To create the Request module for Hotel/Orphanage user</a:t>
             </a:r>
           </a:p>
           <a:p>
             <a:r>
-              <a:rPr lang="en-IN" dirty="0"/>
+              <a:rPr lang="en-IN" sz="2000" dirty="0"/>
               <a:t>To create the Request Accept and Cancel process for Hotel/Orphanage</a:t>
             </a:r>
           </a:p>
           <a:p>
             <a:r>
-              <a:rPr lang="en-IN" dirty="0"/>
+              <a:rPr lang="en-IN" sz="2000" dirty="0"/>
               <a:t> To finish the Contact sharing between users</a:t>
             </a:r>
           </a:p>
           <a:p>
             <a:r>
-              <a:rPr lang="en-IN" dirty="0"/>
+              <a:rPr lang="en-IN" sz="2000" dirty="0"/>
               <a:t>To make Request not visible to other hotels when a request is Accepted by a hotel</a:t>
             </a:r>
           </a:p>
           <a:p>
             <a:r>
-              <a:rPr lang="en-IN" dirty="0"/>
+              <a:rPr lang="en-IN" sz="2000" dirty="0"/>
               <a:t>To make Request still visible to other hotels when one hotel cancelled the request</a:t>
             </a:r>
           </a:p>
@@ -5491,7 +7553,7 @@
 </p:sld>
 </file>
 
-<file path=ppt/slides/slide15.xml><?xml version="1.0" encoding="utf-8"?>
+<file path=ppt/slides/slide18.xml><?xml version="1.0" encoding="utf-8"?>
 <p:sld xmlns:a="http://schemas.openxmlformats.org/drawingml/2006/main" xmlns:r="http://schemas.openxmlformats.org/officeDocument/2006/relationships" xmlns:p="http://schemas.openxmlformats.org/presentationml/2006/main">
   <p:cSld>
     <p:spTree>
@@ -5959,7 +8021,7 @@
         </p:nvSpPr>
         <p:spPr>
           <a:xfrm>
-            <a:off x="926842" y="4068147"/>
+            <a:off x="1192763" y="3708146"/>
             <a:ext cx="1284514" cy="369332"/>
           </a:xfrm>
           <a:prstGeom prst="rect">
@@ -5994,7 +8056,7 @@
         </p:nvSpPr>
         <p:spPr>
           <a:xfrm>
-            <a:off x="3754017" y="4068147"/>
+            <a:off x="3838771" y="3694919"/>
             <a:ext cx="1284514" cy="369332"/>
           </a:xfrm>
           <a:prstGeom prst="rect">
@@ -6029,7 +8091,7 @@
         </p:nvSpPr>
         <p:spPr>
           <a:xfrm>
-            <a:off x="6562530" y="4068147"/>
+            <a:off x="6695104" y="3701583"/>
             <a:ext cx="1284514" cy="369332"/>
           </a:xfrm>
           <a:prstGeom prst="rect">
@@ -6064,7 +8126,7 @@
         </p:nvSpPr>
         <p:spPr>
           <a:xfrm>
-            <a:off x="9551438" y="4068147"/>
+            <a:off x="9714723" y="3694919"/>
             <a:ext cx="1284514" cy="369332"/>
           </a:xfrm>
           <a:prstGeom prst="rect">
@@ -6098,7 +8160,7 @@
 </p:sld>
 </file>
 
-<file path=ppt/slides/slide16.xml><?xml version="1.0" encoding="utf-8"?>
+<file path=ppt/slides/slide19.xml><?xml version="1.0" encoding="utf-8"?>
 <p:sld xmlns:a="http://schemas.openxmlformats.org/drawingml/2006/main" xmlns:r="http://schemas.openxmlformats.org/officeDocument/2006/relationships" xmlns:p="http://schemas.openxmlformats.org/presentationml/2006/main">
   <p:cSld>
     <p:bg>
@@ -6473,39 +8535,6 @@
               <a:t>Hotels can post alerts about available surplus food, specifying type, quantity, and pickup time. Orphanages and other authorized recipients receive instant notifications based on their location and preferences.</a:t>
             </a:r>
           </a:p>
-          <a:p>
-            <a:pPr marL="342900" marR="0" lvl="0" indent="-342900">
-              <a:lnSpc>
-                <a:spcPct val="107000"/>
-              </a:lnSpc>
-              <a:spcBef>
-                <a:spcPts val="0"/>
-              </a:spcBef>
-              <a:spcAft>
-                <a:spcPts val="800"/>
-              </a:spcAft>
-              <a:buFont typeface="Symbol" panose="05050102010706020507" pitchFamily="18" charset="2"/>
-              <a:buChar char=""/>
-            </a:pPr>
-            <a:r>
-              <a:rPr lang="en-IN" sz="1800" b="1" kern="100" dirty="0">
-                <a:effectLst/>
-                <a:latin typeface="Calibri" panose="020F0502020204030204" pitchFamily="34" charset="0"/>
-                <a:ea typeface="Calibri" panose="020F0502020204030204" pitchFamily="34" charset="0"/>
-                <a:cs typeface="Times New Roman" panose="02020603050405020304" pitchFamily="18" charset="0"/>
-              </a:rPr>
-              <a:t>Coordination and logistics: </a:t>
-            </a:r>
-            <a:r>
-              <a:rPr lang="en-IN" sz="1800" kern="100" dirty="0">
-                <a:effectLst/>
-                <a:latin typeface="Calibri" panose="020F0502020204030204" pitchFamily="34" charset="0"/>
-                <a:ea typeface="Calibri" panose="020F0502020204030204" pitchFamily="34" charset="0"/>
-                <a:cs typeface="Times New Roman" panose="02020603050405020304" pitchFamily="18" charset="0"/>
-              </a:rPr>
-              <a:t>The system facilitates communication and coordination between donors and recipients, ensuring smooth food pick-up and delivery.</a:t>
-            </a:r>
-          </a:p>
         </p:txBody>
       </p:sp>
     </p:spTree>
@@ -6632,6 +8661,57 @@
           </a:bodyPr>
           <a:lstStyle/>
           <a:p>
+            <a:pPr>
+              <a:lnSpc>
+                <a:spcPct val="107000"/>
+              </a:lnSpc>
+              <a:spcBef>
+                <a:spcPts val="200"/>
+              </a:spcBef>
+            </a:pPr>
+            <a:r>
+              <a:rPr lang="en-IN" sz="1800" b="1" kern="100" dirty="0">
+                <a:effectLst/>
+                <a:latin typeface="Calibri" panose="020F0502020204030204" pitchFamily="34" charset="0"/>
+                <a:ea typeface="Calibri" panose="020F0502020204030204" pitchFamily="34" charset="0"/>
+                <a:cs typeface="Times New Roman" panose="02020603050405020304" pitchFamily="18" charset="0"/>
+              </a:rPr>
+              <a:t>Coordination and logistics: </a:t>
+            </a:r>
+            <a:r>
+              <a:rPr lang="en-IN" sz="1800" kern="100" dirty="0">
+                <a:effectLst/>
+                <a:latin typeface="Calibri" panose="020F0502020204030204" pitchFamily="34" charset="0"/>
+                <a:ea typeface="Calibri" panose="020F0502020204030204" pitchFamily="34" charset="0"/>
+                <a:cs typeface="Times New Roman" panose="02020603050405020304" pitchFamily="18" charset="0"/>
+              </a:rPr>
+              <a:t>The system facilitates communication and coordination between donors and recipients, ensuring smooth food pick-up and delivery.</a:t>
+            </a:r>
+          </a:p>
+          <a:p>
+            <a:pPr marL="0" marR="0" indent="0">
+              <a:lnSpc>
+                <a:spcPct val="107000"/>
+              </a:lnSpc>
+              <a:spcBef>
+                <a:spcPts val="200"/>
+              </a:spcBef>
+              <a:spcAft>
+                <a:spcPts val="0"/>
+              </a:spcAft>
+              <a:buNone/>
+            </a:pPr>
+            <a:endParaRPr lang="en-IN" sz="1800" b="1" kern="100" dirty="0">
+              <a:solidFill>
+                <a:srgbClr val="2F5496"/>
+              </a:solidFill>
+              <a:effectLst/>
+              <a:latin typeface="Calibri Light" panose="020F0302020204030204" pitchFamily="34" charset="0"/>
+              <a:ea typeface="Times New Roman" panose="02020603050405020304" pitchFamily="18" charset="0"/>
+              <a:cs typeface="Times New Roman" panose="02020603050405020304" pitchFamily="18" charset="0"/>
+            </a:endParaRPr>
+          </a:p>
+          <a:p>
             <a:pPr marL="0" marR="0" indent="0">
               <a:lnSpc>
                 <a:spcPct val="107000"/>
@@ -7240,7 +9320,7 @@
             </a:pPr>
             <a:r>
               <a:rPr lang="en-IN" sz="1800" dirty="0"/>
-              <a:t>Registration Request</a:t>
+              <a:t>User Registration Request</a:t>
             </a:r>
           </a:p>
           <a:p>
@@ -7258,7 +9338,16 @@
             </a:pPr>
             <a:r>
               <a:rPr lang="en-IN" sz="1800" dirty="0"/>
-              <a:t>Login</a:t>
+              <a:t>User Login</a:t>
+            </a:r>
+          </a:p>
+          <a:p>
+            <a:pPr marL="514350" indent="-514350">
+              <a:buAutoNum type="arabicPeriod"/>
+            </a:pPr>
+            <a:r>
+              <a:rPr lang="en-IN" sz="1800" dirty="0"/>
+              <a:t>User Profile</a:t>
             </a:r>
           </a:p>
           <a:p>
@@ -7354,7 +9443,12 @@
             <p:ph type="title"/>
           </p:nvPr>
         </p:nvSpPr>
-        <p:spPr/>
+        <p:spPr>
+          <a:xfrm>
+            <a:off x="838200" y="365125"/>
+            <a:ext cx="5040086" cy="735887"/>
+          </a:xfrm>
+        </p:spPr>
         <p:txBody>
           <a:bodyPr>
             <a:normAutofit/>
@@ -7387,8 +9481,8 @@
         </p:nvSpPr>
         <p:spPr>
           <a:xfrm>
-            <a:off x="942392" y="1819469"/>
-            <a:ext cx="9993086" cy="4801314"/>
+            <a:off x="881743" y="1464906"/>
+            <a:ext cx="9993086" cy="4524315"/>
           </a:xfrm>
           <a:prstGeom prst="rect">
             <a:avLst/>
@@ -7403,7 +9497,7 @@
           <a:p>
             <a:r>
               <a:rPr lang="en-IN" b="1" dirty="0"/>
-              <a:t>Registration – Module:</a:t>
+              <a:t>User Registration – Module:</a:t>
             </a:r>
           </a:p>
           <a:p>
@@ -7451,7 +9545,7 @@
           <a:p>
             <a:r>
               <a:rPr lang="en-IN" b="1" dirty="0"/>
-              <a:t>Login – Module:</a:t>
+              <a:t>User Login – Module:</a:t>
             </a:r>
           </a:p>
           <a:p>
@@ -7465,22 +9559,22 @@
             </a:r>
           </a:p>
           <a:p>
+            <a:endParaRPr lang="en-IN" dirty="0"/>
+          </a:p>
+          <a:p>
+            <a:r>
+              <a:rPr lang="en-IN" b="1" dirty="0"/>
+              <a:t>User Profile – Module:</a:t>
+            </a:r>
+          </a:p>
+          <a:p>
             <a:pPr marL="285750" indent="-285750">
               <a:buFont typeface="Arial" panose="020B0604020202020204" pitchFamily="34" charset="0"/>
               <a:buChar char="•"/>
             </a:pPr>
             <a:r>
               <a:rPr lang="en-IN" dirty="0"/>
-              <a:t>Respected details for the logged user will be prepopulated in the User page.</a:t>
-            </a:r>
-          </a:p>
-          <a:p>
-            <a:endParaRPr lang="en-IN" dirty="0"/>
-          </a:p>
-          <a:p>
-            <a:r>
-              <a:rPr lang="en-IN" b="1" dirty="0"/>
-              <a:t>Food Requests – Module:</a:t>
+              <a:t>Admin user can be a Hotel/Orphanage user. Admin will have Dashboard option for Admin Verification process.</a:t>
             </a:r>
           </a:p>
           <a:p>
@@ -7490,21 +9584,8 @@
             </a:pPr>
             <a:r>
               <a:rPr lang="en-IN" dirty="0"/>
-              <a:t>Orphanage member can raise Food request from Requests page by giving only food count.</a:t>
-            </a:r>
-          </a:p>
-          <a:p>
-            <a:pPr marL="285750" indent="-285750">
-              <a:buFont typeface="Arial" panose="020B0604020202020204" pitchFamily="34" charset="0"/>
-              <a:buChar char="•"/>
-            </a:pPr>
-            <a:r>
-              <a:rPr lang="en-IN" dirty="0"/>
-              <a:t>Raised Food request is sent to all nearby Hotel members.</a:t>
-            </a:r>
-          </a:p>
-          <a:p>
-            <a:endParaRPr lang="en-IN" dirty="0"/>
+              <a:t>Logged user (Admin/Hotel/Orphanage) details will be prepopulated in the User Profile.</a:t>
+            </a:r>
           </a:p>
         </p:txBody>
       </p:sp>
@@ -7543,7 +9624,7 @@
           <p:cNvPr id="2" name="Title 1">
             <a:extLst>
               <a:ext uri="{FF2B5EF4-FFF2-40B4-BE49-F238E27FC236}">
-                <a16:creationId xmlns:a16="http://schemas.microsoft.com/office/drawing/2014/main" id="{70CE8E8A-8008-A6F4-5699-06D96EE4B5E6}"/>
+                <a16:creationId xmlns:a16="http://schemas.microsoft.com/office/drawing/2014/main" id="{D93FAD93-A64E-AFC3-CC3C-E0AC22BF8B1F}"/>
               </a:ext>
             </a:extLst>
           </p:cNvPr>
@@ -7556,31 +9637,34 @@
         </p:nvSpPr>
         <p:spPr>
           <a:xfrm>
-            <a:off x="838200" y="365125"/>
-            <a:ext cx="3705808" cy="735887"/>
-          </a:xfrm>
-        </p:spPr>
-        <p:txBody>
-          <a:bodyPr/>
-          <a:lstStyle/>
-          <a:p>
-            <a:r>
-              <a:rPr lang="en-IN" b="1" dirty="0">
+            <a:off x="838200" y="365126"/>
+            <a:ext cx="5257800" cy="745218"/>
+          </a:xfrm>
+        </p:spPr>
+        <p:txBody>
+          <a:bodyPr>
+            <a:normAutofit/>
+          </a:bodyPr>
+          <a:lstStyle/>
+          <a:p>
+            <a:r>
+              <a:rPr lang="en-IN" dirty="0">
                 <a:solidFill>
                   <a:srgbClr val="002060"/>
                 </a:solidFill>
+                <a:latin typeface="+mn-lt"/>
               </a:rPr>
-              <a:t>Block Diagram</a:t>
-            </a:r>
-          </a:p>
-        </p:txBody>
-      </p:sp>
-      <p:sp>
-        <p:nvSpPr>
-          <p:cNvPr id="4" name="TextBox 3">
-            <a:extLst>
-              <a:ext uri="{FF2B5EF4-FFF2-40B4-BE49-F238E27FC236}">
-                <a16:creationId xmlns:a16="http://schemas.microsoft.com/office/drawing/2014/main" id="{CF7F7C61-120E-011E-C54D-EB4136BF2353}"/>
+              <a:t>Module Description</a:t>
+            </a:r>
+          </a:p>
+        </p:txBody>
+      </p:sp>
+      <p:sp>
+        <p:nvSpPr>
+          <p:cNvPr id="3" name="TextBox 2">
+            <a:extLst>
+              <a:ext uri="{FF2B5EF4-FFF2-40B4-BE49-F238E27FC236}">
+                <a16:creationId xmlns:a16="http://schemas.microsoft.com/office/drawing/2014/main" id="{9A172911-EA4C-3E0B-4032-AD2E638C90A2}"/>
               </a:ext>
             </a:extLst>
           </p:cNvPr>
@@ -7589,8 +9673,8 @@
         </p:nvSpPr>
         <p:spPr>
           <a:xfrm>
-            <a:off x="838200" y="1191600"/>
-            <a:ext cx="1475792" cy="369332"/>
+            <a:off x="905070" y="1380931"/>
+            <a:ext cx="10133045" cy="4801314"/>
           </a:xfrm>
           <a:prstGeom prst="rect">
             <a:avLst/>
@@ -7598,63 +9682,141 @@
           <a:noFill/>
         </p:spPr>
         <p:txBody>
-          <a:bodyPr wrap="square">
+          <a:bodyPr wrap="square" rtlCol="0">
             <a:spAutoFit/>
           </a:bodyPr>
           <a:lstStyle/>
           <a:p>
             <a:r>
-              <a:rPr lang="en-IN" sz="1800" b="1" dirty="0"/>
-              <a:t>Admin Flow:</a:t>
-            </a:r>
-          </a:p>
-        </p:txBody>
-      </p:sp>
-      <p:sp>
-        <p:nvSpPr>
-          <p:cNvPr id="5" name="Rectangle 4">
-            <a:extLst>
-              <a:ext uri="{FF2B5EF4-FFF2-40B4-BE49-F238E27FC236}">
-                <a16:creationId xmlns:a16="http://schemas.microsoft.com/office/drawing/2014/main" id="{6ED99980-8A80-1836-3C83-052FA2EBF43F}"/>
-              </a:ext>
-            </a:extLst>
-          </p:cNvPr>
-          <p:cNvSpPr/>
-          <p:nvPr/>
-        </p:nvSpPr>
-        <p:spPr>
-          <a:xfrm>
-            <a:off x="838200" y="2011717"/>
-            <a:ext cx="2062062" cy="806127"/>
-          </a:xfrm>
-          <a:prstGeom prst="rect">
-            <a:avLst/>
-          </a:prstGeom>
-        </p:spPr>
-        <p:style>
-          <a:lnRef idx="2">
-            <a:schemeClr val="accent1">
-              <a:shade val="15000"/>
-            </a:schemeClr>
-          </a:lnRef>
-          <a:fillRef idx="1">
-            <a:schemeClr val="accent1"/>
-          </a:fillRef>
-          <a:effectRef idx="0">
-            <a:schemeClr val="accent1"/>
-          </a:effectRef>
-          <a:fontRef idx="minor">
-            <a:schemeClr val="lt1"/>
-          </a:fontRef>
-        </p:style>
-        <p:txBody>
-          <a:bodyPr rtlCol="0" anchor="ctr"/>
-          <a:lstStyle/>
-          <a:p>
-            <a:pPr algn="ctr"/>
+              <a:rPr lang="en-IN" b="1" dirty="0"/>
+              <a:t>Food Requests – Module:</a:t>
+            </a:r>
+          </a:p>
+          <a:p>
+            <a:pPr marL="285750" indent="-285750">
+              <a:buFont typeface="Arial" panose="020B0604020202020204" pitchFamily="34" charset="0"/>
+              <a:buChar char="•"/>
+            </a:pPr>
             <a:r>
               <a:rPr lang="en-IN" dirty="0"/>
-              <a:t>Login</a:t>
+              <a:t>Orphanage member can raise Food request from Requests page by just giving food count.</a:t>
+            </a:r>
+          </a:p>
+          <a:p>
+            <a:pPr marL="285750" indent="-285750">
+              <a:buFont typeface="Arial" panose="020B0604020202020204" pitchFamily="34" charset="0"/>
+              <a:buChar char="•"/>
+            </a:pPr>
+            <a:r>
+              <a:rPr lang="en-IN" dirty="0"/>
+              <a:t>Raised Food request is sent to all nearby Hotel members.</a:t>
+            </a:r>
+          </a:p>
+          <a:p>
+            <a:pPr marL="285750" indent="-285750">
+              <a:buFont typeface="Arial" panose="020B0604020202020204" pitchFamily="34" charset="0"/>
+              <a:buChar char="•"/>
+            </a:pPr>
+            <a:r>
+              <a:rPr lang="en-IN" dirty="0"/>
+              <a:t>Orphanage member can Cancel the request if they wanted to.</a:t>
+            </a:r>
+          </a:p>
+          <a:p>
+            <a:endParaRPr lang="en-IN" b="1" dirty="0"/>
+          </a:p>
+          <a:p>
+            <a:r>
+              <a:rPr lang="en-IN" b="1" dirty="0"/>
+              <a:t>Accept Requests – Module:</a:t>
+            </a:r>
+          </a:p>
+          <a:p>
+            <a:pPr marL="285750" indent="-285750">
+              <a:buFont typeface="Arial" panose="020B0604020202020204" pitchFamily="34" charset="0"/>
+              <a:buChar char="•"/>
+            </a:pPr>
+            <a:r>
+              <a:rPr lang="en-IN" dirty="0"/>
+              <a:t>When a Hotel Accepts the Request, then their contacts are shared to each other.</a:t>
+            </a:r>
+          </a:p>
+          <a:p>
+            <a:pPr marL="285750" indent="-285750">
+              <a:buFont typeface="Arial" panose="020B0604020202020204" pitchFamily="34" charset="0"/>
+              <a:buChar char="•"/>
+            </a:pPr>
+            <a:r>
+              <a:rPr lang="en-IN" dirty="0"/>
+              <a:t>Accepted request won’t be displayed for other Hotel users.</a:t>
+            </a:r>
+          </a:p>
+          <a:p>
+            <a:pPr marL="285750" indent="-285750">
+              <a:buFont typeface="Arial" panose="020B0604020202020204" pitchFamily="34" charset="0"/>
+              <a:buChar char="•"/>
+            </a:pPr>
+            <a:r>
+              <a:rPr lang="en-IN" dirty="0"/>
+              <a:t>And Food delivered successfully.</a:t>
+            </a:r>
+          </a:p>
+          <a:p>
+            <a:endParaRPr lang="en-IN" dirty="0"/>
+          </a:p>
+          <a:p>
+            <a:r>
+              <a:rPr lang="en-IN" b="1" dirty="0"/>
+              <a:t>Decline Requests – Module:</a:t>
+            </a:r>
+          </a:p>
+          <a:p>
+            <a:pPr marL="285750" indent="-285750">
+              <a:buFont typeface="Arial" panose="020B0604020202020204" pitchFamily="34" charset="0"/>
+              <a:buChar char="•"/>
+            </a:pPr>
+            <a:r>
+              <a:rPr lang="en-IN" dirty="0"/>
+              <a:t>If the Hotel is not having enough food for the request, they can Decline the request.</a:t>
+            </a:r>
+          </a:p>
+          <a:p>
+            <a:pPr marL="285750" indent="-285750">
+              <a:buFont typeface="Arial" panose="020B0604020202020204" pitchFamily="34" charset="0"/>
+              <a:buChar char="•"/>
+            </a:pPr>
+            <a:r>
+              <a:rPr lang="en-IN" dirty="0"/>
+              <a:t>Food request can be still viewed by other nearby hotels.</a:t>
+            </a:r>
+          </a:p>
+          <a:p>
+            <a:endParaRPr lang="en-IN" dirty="0"/>
+          </a:p>
+          <a:p>
+            <a:r>
+              <a:rPr lang="en-IN" b="1" dirty="0"/>
+              <a:t>Requests Completed – Module:</a:t>
+            </a:r>
+          </a:p>
+          <a:p>
+            <a:pPr marL="285750" indent="-285750">
+              <a:buFont typeface="Arial" panose="020B0604020202020204" pitchFamily="34" charset="0"/>
+              <a:buChar char="•"/>
+            </a:pPr>
+            <a:r>
+              <a:rPr lang="en-IN" dirty="0"/>
+              <a:t>When requested food is delivered, then that request is marked as Completed.</a:t>
+            </a:r>
+          </a:p>
+          <a:p>
+            <a:pPr marL="285750" indent="-285750">
+              <a:buFont typeface="Arial" panose="020B0604020202020204" pitchFamily="34" charset="0"/>
+              <a:buChar char="•"/>
+            </a:pPr>
+            <a:r>
+              <a:rPr lang="en-IN" dirty="0"/>
+              <a:t>When request is Declined by a Hotel, that request is marked Closed for that particular Hotel only.</a:t>
             </a:r>
           </a:p>
         </p:txBody>
@@ -7662,7 +9824,7 @@
     </p:spTree>
     <p:extLst>
       <p:ext uri="{BB962C8B-B14F-4D97-AF65-F5344CB8AC3E}">
-        <p14:creationId xmlns:p14="http://schemas.microsoft.com/office/powerpoint/2010/main" val="2136195868"/>
+        <p14:creationId xmlns:p14="http://schemas.microsoft.com/office/powerpoint/2010/main" val="1224856221"/>
       </p:ext>
     </p:extLst>
   </p:cSld>
@@ -7694,7 +9856,7 @@
           <p:cNvPr id="2" name="Title 1">
             <a:extLst>
               <a:ext uri="{FF2B5EF4-FFF2-40B4-BE49-F238E27FC236}">
-                <a16:creationId xmlns:a16="http://schemas.microsoft.com/office/drawing/2014/main" id="{89F2BE1D-82E9-6081-B8D6-25FBFC500780}"/>
+                <a16:creationId xmlns:a16="http://schemas.microsoft.com/office/drawing/2014/main" id="{D93FAD93-A64E-AFC3-CC3C-E0AC22BF8B1F}"/>
               </a:ext>
             </a:extLst>
           </p:cNvPr>
@@ -7707,13 +9869,13 @@
         </p:nvSpPr>
         <p:spPr>
           <a:xfrm>
-            <a:off x="838199" y="448609"/>
-            <a:ext cx="3771122" cy="633251"/>
+            <a:off x="838200" y="365125"/>
+            <a:ext cx="5012094" cy="791871"/>
           </a:xfrm>
         </p:spPr>
         <p:txBody>
           <a:bodyPr>
-            <a:noAutofit/>
+            <a:normAutofit/>
           </a:bodyPr>
           <a:lstStyle/>
           <a:p>
@@ -7724,164 +9886,17 @@
                 </a:solidFill>
                 <a:latin typeface="+mn-lt"/>
               </a:rPr>
-              <a:t>Block Diagram</a:t>
-            </a:r>
-          </a:p>
-        </p:txBody>
-      </p:sp>
-      <p:sp>
-        <p:nvSpPr>
-          <p:cNvPr id="3" name="Rectangle 2">
-            <a:extLst>
-              <a:ext uri="{FF2B5EF4-FFF2-40B4-BE49-F238E27FC236}">
-                <a16:creationId xmlns:a16="http://schemas.microsoft.com/office/drawing/2014/main" id="{996C224A-2DB4-38B1-D7B6-0A632C062E10}"/>
-              </a:ext>
-            </a:extLst>
-          </p:cNvPr>
-          <p:cNvSpPr/>
-          <p:nvPr/>
-        </p:nvSpPr>
-        <p:spPr>
-          <a:xfrm>
-            <a:off x="838199" y="1750461"/>
-            <a:ext cx="1606420" cy="806127"/>
-          </a:xfrm>
-          <a:prstGeom prst="rect">
-            <a:avLst/>
-          </a:prstGeom>
-        </p:spPr>
-        <p:style>
-          <a:lnRef idx="2">
-            <a:schemeClr val="accent1">
-              <a:shade val="15000"/>
-            </a:schemeClr>
-          </a:lnRef>
-          <a:fillRef idx="1">
-            <a:schemeClr val="accent1"/>
-          </a:fillRef>
-          <a:effectRef idx="0">
-            <a:schemeClr val="accent1"/>
-          </a:effectRef>
-          <a:fontRef idx="minor">
-            <a:schemeClr val="lt1"/>
-          </a:fontRef>
-        </p:style>
-        <p:txBody>
-          <a:bodyPr rtlCol="0" anchor="ctr"/>
-          <a:lstStyle/>
-          <a:p>
-            <a:pPr algn="ctr"/>
-            <a:r>
-              <a:rPr lang="en-IN" dirty="0"/>
-              <a:t>Registration Request</a:t>
-            </a:r>
-          </a:p>
-        </p:txBody>
-      </p:sp>
-      <p:sp>
-        <p:nvSpPr>
-          <p:cNvPr id="4" name="Rectangle 3">
-            <a:extLst>
-              <a:ext uri="{FF2B5EF4-FFF2-40B4-BE49-F238E27FC236}">
-                <a16:creationId xmlns:a16="http://schemas.microsoft.com/office/drawing/2014/main" id="{A4896B10-222B-6324-74D5-E014C35B0074}"/>
-              </a:ext>
-            </a:extLst>
-          </p:cNvPr>
-          <p:cNvSpPr/>
-          <p:nvPr/>
-        </p:nvSpPr>
-        <p:spPr>
-          <a:xfrm>
-            <a:off x="3572067" y="1750460"/>
-            <a:ext cx="1606421" cy="806127"/>
-          </a:xfrm>
-          <a:prstGeom prst="rect">
-            <a:avLst/>
-          </a:prstGeom>
-        </p:spPr>
-        <p:style>
-          <a:lnRef idx="2">
-            <a:schemeClr val="accent1">
-              <a:shade val="15000"/>
-            </a:schemeClr>
-          </a:lnRef>
-          <a:fillRef idx="1">
-            <a:schemeClr val="accent1"/>
-          </a:fillRef>
-          <a:effectRef idx="0">
-            <a:schemeClr val="accent1"/>
-          </a:effectRef>
-          <a:fontRef idx="minor">
-            <a:schemeClr val="lt1"/>
-          </a:fontRef>
-        </p:style>
-        <p:txBody>
-          <a:bodyPr rtlCol="0" anchor="ctr"/>
-          <a:lstStyle/>
-          <a:p>
-            <a:pPr algn="ctr"/>
-            <a:r>
-              <a:rPr lang="en-IN" dirty="0"/>
-              <a:t>Admin Verification</a:t>
-            </a:r>
-          </a:p>
-        </p:txBody>
-      </p:sp>
-      <p:sp>
-        <p:nvSpPr>
-          <p:cNvPr id="5" name="Rectangle 4">
-            <a:extLst>
-              <a:ext uri="{FF2B5EF4-FFF2-40B4-BE49-F238E27FC236}">
-                <a16:creationId xmlns:a16="http://schemas.microsoft.com/office/drawing/2014/main" id="{BB7BD6FE-145B-FEDF-5F2D-C60F0C60AC75}"/>
-              </a:ext>
-            </a:extLst>
-          </p:cNvPr>
-          <p:cNvSpPr/>
-          <p:nvPr/>
-        </p:nvSpPr>
-        <p:spPr>
-          <a:xfrm>
-            <a:off x="7013514" y="1750460"/>
-            <a:ext cx="2062062" cy="806127"/>
-          </a:xfrm>
-          <a:prstGeom prst="rect">
-            <a:avLst/>
-          </a:prstGeom>
-        </p:spPr>
-        <p:style>
-          <a:lnRef idx="2">
-            <a:schemeClr val="accent1">
-              <a:shade val="15000"/>
-            </a:schemeClr>
-          </a:lnRef>
-          <a:fillRef idx="1">
-            <a:schemeClr val="accent1"/>
-          </a:fillRef>
-          <a:effectRef idx="0">
-            <a:schemeClr val="accent1"/>
-          </a:effectRef>
-          <a:fontRef idx="minor">
-            <a:schemeClr val="lt1"/>
-          </a:fontRef>
-        </p:style>
-        <p:txBody>
-          <a:bodyPr rtlCol="0" anchor="ctr"/>
-          <a:lstStyle/>
-          <a:p>
-            <a:pPr algn="ctr"/>
-            <a:r>
-              <a:rPr lang="en-IN" dirty="0"/>
-              <a:t>Login</a:t>
-            </a:r>
-          </a:p>
-        </p:txBody>
-      </p:sp>
-      <p:sp>
-        <p:nvSpPr>
-          <p:cNvPr id="8" name="TextBox 7">
-            <a:extLst>
-              <a:ext uri="{FF2B5EF4-FFF2-40B4-BE49-F238E27FC236}">
-                <a16:creationId xmlns:a16="http://schemas.microsoft.com/office/drawing/2014/main" id="{ADD5DB68-CC0F-91C5-7D48-51829ABD202C}"/>
+              <a:t>Module Description</a:t>
+            </a:r>
+          </a:p>
+        </p:txBody>
+      </p:sp>
+      <p:sp>
+        <p:nvSpPr>
+          <p:cNvPr id="3" name="TextBox 2">
+            <a:extLst>
+              <a:ext uri="{FF2B5EF4-FFF2-40B4-BE49-F238E27FC236}">
+                <a16:creationId xmlns:a16="http://schemas.microsoft.com/office/drawing/2014/main" id="{9A172911-EA4C-3E0B-4032-AD2E638C90A2}"/>
               </a:ext>
             </a:extLst>
           </p:cNvPr>
@@ -7890,8 +9905,8 @@
         </p:nvSpPr>
         <p:spPr>
           <a:xfrm>
-            <a:off x="5200262" y="1722863"/>
-            <a:ext cx="1791477" cy="369332"/>
+            <a:off x="887963" y="1455577"/>
+            <a:ext cx="10133045" cy="1754326"/>
           </a:xfrm>
           <a:prstGeom prst="rect">
             <a:avLst/>
@@ -7905,873 +9920,45 @@
           <a:lstStyle/>
           <a:p>
             <a:r>
+              <a:rPr lang="en-IN" b="1" dirty="0"/>
+              <a:t>History – Module:</a:t>
+            </a:r>
+          </a:p>
+          <a:p>
+            <a:pPr marL="285750" indent="-285750">
+              <a:buFont typeface="Arial" panose="020B0604020202020204" pitchFamily="34" charset="0"/>
+              <a:buChar char="•"/>
+            </a:pPr>
+            <a:r>
               <a:rPr lang="en-IN" dirty="0"/>
-              <a:t>Approved Users</a:t>
-            </a:r>
-          </a:p>
-        </p:txBody>
-      </p:sp>
-      <p:sp>
-        <p:nvSpPr>
-          <p:cNvPr id="9" name="Rectangle 8">
-            <a:extLst>
-              <a:ext uri="{FF2B5EF4-FFF2-40B4-BE49-F238E27FC236}">
-                <a16:creationId xmlns:a16="http://schemas.microsoft.com/office/drawing/2014/main" id="{F2BAF61D-C722-4A43-F65D-23B8EFF54061}"/>
-              </a:ext>
-            </a:extLst>
-          </p:cNvPr>
-          <p:cNvSpPr/>
-          <p:nvPr/>
-        </p:nvSpPr>
-        <p:spPr>
-          <a:xfrm>
-            <a:off x="8277808" y="3253759"/>
-            <a:ext cx="1595535" cy="684246"/>
-          </a:xfrm>
-          <a:prstGeom prst="rect">
-            <a:avLst/>
-          </a:prstGeom>
-        </p:spPr>
-        <p:style>
-          <a:lnRef idx="2">
-            <a:schemeClr val="accent1">
-              <a:shade val="15000"/>
-            </a:schemeClr>
-          </a:lnRef>
-          <a:fillRef idx="1">
-            <a:schemeClr val="accent1"/>
-          </a:fillRef>
-          <a:effectRef idx="0">
-            <a:schemeClr val="accent1"/>
-          </a:effectRef>
-          <a:fontRef idx="minor">
-            <a:schemeClr val="lt1"/>
-          </a:fontRef>
-        </p:style>
-        <p:txBody>
-          <a:bodyPr rtlCol="0" anchor="ctr"/>
-          <a:lstStyle/>
-          <a:p>
-            <a:pPr algn="ctr"/>
+              <a:t>Completed, Cancelled and Closed requests are moved to History page.</a:t>
+            </a:r>
+          </a:p>
+          <a:p>
+            <a:pPr marL="285750" indent="-285750">
+              <a:buFont typeface="Arial" panose="020B0604020202020204" pitchFamily="34" charset="0"/>
+              <a:buChar char="•"/>
+            </a:pPr>
             <a:r>
               <a:rPr lang="en-IN" dirty="0"/>
-              <a:t>Orphanage User</a:t>
-            </a:r>
-          </a:p>
-        </p:txBody>
-      </p:sp>
-      <p:sp>
-        <p:nvSpPr>
-          <p:cNvPr id="10" name="Rectangle 9">
-            <a:extLst>
-              <a:ext uri="{FF2B5EF4-FFF2-40B4-BE49-F238E27FC236}">
-                <a16:creationId xmlns:a16="http://schemas.microsoft.com/office/drawing/2014/main" id="{E0CC54DA-B37E-C830-364D-8B4A3A0EB5EB}"/>
-              </a:ext>
-            </a:extLst>
-          </p:cNvPr>
-          <p:cNvSpPr/>
-          <p:nvPr/>
-        </p:nvSpPr>
-        <p:spPr>
-          <a:xfrm>
-            <a:off x="6215746" y="3246808"/>
-            <a:ext cx="1595535" cy="691198"/>
-          </a:xfrm>
-          <a:prstGeom prst="rect">
-            <a:avLst/>
-          </a:prstGeom>
-        </p:spPr>
-        <p:style>
-          <a:lnRef idx="2">
-            <a:schemeClr val="accent1">
-              <a:shade val="15000"/>
-            </a:schemeClr>
-          </a:lnRef>
-          <a:fillRef idx="1">
-            <a:schemeClr val="accent1"/>
-          </a:fillRef>
-          <a:effectRef idx="0">
-            <a:schemeClr val="accent1"/>
-          </a:effectRef>
-          <a:fontRef idx="minor">
-            <a:schemeClr val="lt1"/>
-          </a:fontRef>
-        </p:style>
-        <p:txBody>
-          <a:bodyPr rtlCol="0" anchor="ctr"/>
-          <a:lstStyle/>
-          <a:p>
-            <a:pPr algn="ctr"/>
-            <a:r>
-              <a:rPr lang="en-IN" dirty="0"/>
-              <a:t>Hotel User</a:t>
-            </a:r>
-          </a:p>
-        </p:txBody>
-      </p:sp>
-      <p:sp>
-        <p:nvSpPr>
-          <p:cNvPr id="16" name="TextBox 15">
-            <a:extLst>
-              <a:ext uri="{FF2B5EF4-FFF2-40B4-BE49-F238E27FC236}">
-                <a16:creationId xmlns:a16="http://schemas.microsoft.com/office/drawing/2014/main" id="{39DADBBF-6D8E-C46F-E1FB-49DB79403651}"/>
-              </a:ext>
-            </a:extLst>
-          </p:cNvPr>
-          <p:cNvSpPr txBox="1"/>
-          <p:nvPr/>
-        </p:nvSpPr>
-        <p:spPr>
-          <a:xfrm>
-            <a:off x="838199" y="1129718"/>
-            <a:ext cx="3267269" cy="400110"/>
-          </a:xfrm>
-          <a:prstGeom prst="rect">
-            <a:avLst/>
-          </a:prstGeom>
-          <a:noFill/>
-        </p:spPr>
-        <p:txBody>
-          <a:bodyPr wrap="square" rtlCol="0">
-            <a:spAutoFit/>
-          </a:bodyPr>
-          <a:lstStyle/>
-          <a:p>
-            <a:r>
-              <a:rPr lang="en-IN" sz="2000" b="1" dirty="0"/>
-              <a:t>Registration and Login Flow:</a:t>
-            </a:r>
-          </a:p>
-        </p:txBody>
-      </p:sp>
-      <p:sp>
-        <p:nvSpPr>
-          <p:cNvPr id="11" name="Rectangle 10">
-            <a:extLst>
-              <a:ext uri="{FF2B5EF4-FFF2-40B4-BE49-F238E27FC236}">
-                <a16:creationId xmlns:a16="http://schemas.microsoft.com/office/drawing/2014/main" id="{1A78ECB5-28BD-9A3C-28F2-BF394E99C666}"/>
-              </a:ext>
-            </a:extLst>
-          </p:cNvPr>
-          <p:cNvSpPr/>
-          <p:nvPr/>
-        </p:nvSpPr>
-        <p:spPr>
-          <a:xfrm>
-            <a:off x="4105468" y="5130390"/>
-            <a:ext cx="1399593" cy="691198"/>
-          </a:xfrm>
-          <a:prstGeom prst="rect">
-            <a:avLst/>
-          </a:prstGeom>
-        </p:spPr>
-        <p:style>
-          <a:lnRef idx="2">
-            <a:schemeClr val="accent1">
-              <a:shade val="15000"/>
-            </a:schemeClr>
-          </a:lnRef>
-          <a:fillRef idx="1">
-            <a:schemeClr val="accent1"/>
-          </a:fillRef>
-          <a:effectRef idx="0">
-            <a:schemeClr val="accent1"/>
-          </a:effectRef>
-          <a:fontRef idx="minor">
-            <a:schemeClr val="lt1"/>
-          </a:fontRef>
-        </p:style>
-        <p:txBody>
-          <a:bodyPr rtlCol="0" anchor="ctr"/>
-          <a:lstStyle/>
-          <a:p>
-            <a:pPr algn="ctr"/>
-            <a:r>
-              <a:rPr lang="en-IN" dirty="0"/>
-              <a:t>Home page</a:t>
-            </a:r>
-          </a:p>
-        </p:txBody>
-      </p:sp>
-      <p:sp>
-        <p:nvSpPr>
-          <p:cNvPr id="12" name="Rectangle 11">
-            <a:extLst>
-              <a:ext uri="{FF2B5EF4-FFF2-40B4-BE49-F238E27FC236}">
-                <a16:creationId xmlns:a16="http://schemas.microsoft.com/office/drawing/2014/main" id="{652FCFE1-4466-9054-5CCA-2D2D3CAA26CD}"/>
-              </a:ext>
-            </a:extLst>
-          </p:cNvPr>
-          <p:cNvSpPr/>
-          <p:nvPr/>
-        </p:nvSpPr>
-        <p:spPr>
-          <a:xfrm>
-            <a:off x="6094444" y="5130390"/>
-            <a:ext cx="1517781" cy="691198"/>
-          </a:xfrm>
-          <a:prstGeom prst="rect">
-            <a:avLst/>
-          </a:prstGeom>
-        </p:spPr>
-        <p:style>
-          <a:lnRef idx="2">
-            <a:schemeClr val="accent1">
-              <a:shade val="15000"/>
-            </a:schemeClr>
-          </a:lnRef>
-          <a:fillRef idx="1">
-            <a:schemeClr val="accent1"/>
-          </a:fillRef>
-          <a:effectRef idx="0">
-            <a:schemeClr val="accent1"/>
-          </a:effectRef>
-          <a:fontRef idx="minor">
-            <a:schemeClr val="lt1"/>
-          </a:fontRef>
-        </p:style>
-        <p:txBody>
-          <a:bodyPr rtlCol="0" anchor="ctr"/>
-          <a:lstStyle/>
-          <a:p>
-            <a:pPr algn="ctr"/>
-            <a:r>
-              <a:rPr lang="en-IN" dirty="0"/>
-              <a:t>Food Request page</a:t>
-            </a:r>
-          </a:p>
-        </p:txBody>
-      </p:sp>
-      <p:sp>
-        <p:nvSpPr>
-          <p:cNvPr id="15" name="Rectangle 14">
-            <a:extLst>
-              <a:ext uri="{FF2B5EF4-FFF2-40B4-BE49-F238E27FC236}">
-                <a16:creationId xmlns:a16="http://schemas.microsoft.com/office/drawing/2014/main" id="{7E30391F-C5FD-CE57-7565-FE2121CFA509}"/>
-              </a:ext>
-            </a:extLst>
-          </p:cNvPr>
-          <p:cNvSpPr/>
-          <p:nvPr/>
-        </p:nvSpPr>
-        <p:spPr>
-          <a:xfrm>
-            <a:off x="8201608" y="5130390"/>
-            <a:ext cx="1287625" cy="691198"/>
-          </a:xfrm>
-          <a:prstGeom prst="rect">
-            <a:avLst/>
-          </a:prstGeom>
-        </p:spPr>
-        <p:style>
-          <a:lnRef idx="2">
-            <a:schemeClr val="accent1">
-              <a:shade val="15000"/>
-            </a:schemeClr>
-          </a:lnRef>
-          <a:fillRef idx="1">
-            <a:schemeClr val="accent1"/>
-          </a:fillRef>
-          <a:effectRef idx="0">
-            <a:schemeClr val="accent1"/>
-          </a:effectRef>
-          <a:fontRef idx="minor">
-            <a:schemeClr val="lt1"/>
-          </a:fontRef>
-        </p:style>
-        <p:txBody>
-          <a:bodyPr rtlCol="0" anchor="ctr"/>
-          <a:lstStyle/>
-          <a:p>
-            <a:pPr algn="ctr"/>
-            <a:r>
-              <a:rPr lang="en-IN" dirty="0"/>
-              <a:t>History page</a:t>
-            </a:r>
-          </a:p>
-        </p:txBody>
-      </p:sp>
-      <p:sp>
-        <p:nvSpPr>
-          <p:cNvPr id="17" name="Rectangle 16">
-            <a:extLst>
-              <a:ext uri="{FF2B5EF4-FFF2-40B4-BE49-F238E27FC236}">
-                <a16:creationId xmlns:a16="http://schemas.microsoft.com/office/drawing/2014/main" id="{6269435F-CDDF-0AA4-C766-B17E20E0FBED}"/>
-              </a:ext>
-            </a:extLst>
-          </p:cNvPr>
-          <p:cNvSpPr/>
-          <p:nvPr/>
-        </p:nvSpPr>
-        <p:spPr>
-          <a:xfrm>
-            <a:off x="9993085" y="5130390"/>
-            <a:ext cx="1362270" cy="691198"/>
-          </a:xfrm>
-          <a:prstGeom prst="rect">
-            <a:avLst/>
-          </a:prstGeom>
-        </p:spPr>
-        <p:style>
-          <a:lnRef idx="2">
-            <a:schemeClr val="accent1">
-              <a:shade val="15000"/>
-            </a:schemeClr>
-          </a:lnRef>
-          <a:fillRef idx="1">
-            <a:schemeClr val="accent1"/>
-          </a:fillRef>
-          <a:effectRef idx="0">
-            <a:schemeClr val="accent1"/>
-          </a:effectRef>
-          <a:fontRef idx="minor">
-            <a:schemeClr val="lt1"/>
-          </a:fontRef>
-        </p:style>
-        <p:txBody>
-          <a:bodyPr rtlCol="0" anchor="ctr"/>
-          <a:lstStyle/>
-          <a:p>
-            <a:pPr algn="ctr"/>
-            <a:r>
-              <a:rPr lang="en-IN" dirty="0"/>
-              <a:t>Profile page</a:t>
-            </a:r>
-          </a:p>
-        </p:txBody>
-      </p:sp>
-      <p:cxnSp>
-        <p:nvCxnSpPr>
-          <p:cNvPr id="23" name="Straight Arrow Connector 22">
-            <a:extLst>
-              <a:ext uri="{FF2B5EF4-FFF2-40B4-BE49-F238E27FC236}">
-                <a16:creationId xmlns:a16="http://schemas.microsoft.com/office/drawing/2014/main" id="{FA187209-5A40-94FC-8B2C-230B75FA0EB3}"/>
-              </a:ext>
-            </a:extLst>
-          </p:cNvPr>
-          <p:cNvCxnSpPr>
-            <a:stCxn id="3" idx="3"/>
-            <a:endCxn id="4" idx="1"/>
-          </p:cNvCxnSpPr>
-          <p:nvPr/>
-        </p:nvCxnSpPr>
-        <p:spPr>
-          <a:xfrm flipV="1">
-            <a:off x="2444619" y="2153524"/>
-            <a:ext cx="1127448" cy="1"/>
-          </a:xfrm>
-          <a:prstGeom prst="straightConnector1">
-            <a:avLst/>
-          </a:prstGeom>
-          <a:ln>
-            <a:tailEnd type="triangle"/>
-          </a:ln>
-        </p:spPr>
-        <p:style>
-          <a:lnRef idx="3">
-            <a:schemeClr val="dk1"/>
-          </a:lnRef>
-          <a:fillRef idx="0">
-            <a:schemeClr val="dk1"/>
-          </a:fillRef>
-          <a:effectRef idx="2">
-            <a:schemeClr val="dk1"/>
-          </a:effectRef>
-          <a:fontRef idx="minor">
-            <a:schemeClr val="tx1"/>
-          </a:fontRef>
-        </p:style>
-      </p:cxnSp>
-      <p:cxnSp>
-        <p:nvCxnSpPr>
-          <p:cNvPr id="25" name="Straight Arrow Connector 24">
-            <a:extLst>
-              <a:ext uri="{FF2B5EF4-FFF2-40B4-BE49-F238E27FC236}">
-                <a16:creationId xmlns:a16="http://schemas.microsoft.com/office/drawing/2014/main" id="{1C0FC636-3495-504E-5869-ECEC9128058A}"/>
-              </a:ext>
-            </a:extLst>
-          </p:cNvPr>
-          <p:cNvCxnSpPr>
-            <a:stCxn id="4" idx="3"/>
-            <a:endCxn id="5" idx="1"/>
-          </p:cNvCxnSpPr>
-          <p:nvPr/>
-        </p:nvCxnSpPr>
-        <p:spPr>
-          <a:xfrm>
-            <a:off x="5178488" y="2153524"/>
-            <a:ext cx="1835026" cy="0"/>
-          </a:xfrm>
-          <a:prstGeom prst="straightConnector1">
-            <a:avLst/>
-          </a:prstGeom>
-          <a:ln>
-            <a:tailEnd type="triangle"/>
-          </a:ln>
-        </p:spPr>
-        <p:style>
-          <a:lnRef idx="3">
-            <a:schemeClr val="dk1"/>
-          </a:lnRef>
-          <a:fillRef idx="0">
-            <a:schemeClr val="dk1"/>
-          </a:fillRef>
-          <a:effectRef idx="2">
-            <a:schemeClr val="dk1"/>
-          </a:effectRef>
-          <a:fontRef idx="minor">
-            <a:schemeClr val="tx1"/>
-          </a:fontRef>
-        </p:style>
-      </p:cxnSp>
-      <p:cxnSp>
-        <p:nvCxnSpPr>
-          <p:cNvPr id="27" name="Straight Connector 26">
-            <a:extLst>
-              <a:ext uri="{FF2B5EF4-FFF2-40B4-BE49-F238E27FC236}">
-                <a16:creationId xmlns:a16="http://schemas.microsoft.com/office/drawing/2014/main" id="{83867D21-3D8F-AA0D-18EA-911DAB0CFD98}"/>
-              </a:ext>
-            </a:extLst>
-          </p:cNvPr>
-          <p:cNvCxnSpPr>
-            <a:cxnSpLocks/>
-          </p:cNvCxnSpPr>
-          <p:nvPr/>
-        </p:nvCxnSpPr>
-        <p:spPr>
-          <a:xfrm>
-            <a:off x="7013513" y="2883159"/>
-            <a:ext cx="2062062" cy="0"/>
-          </a:xfrm>
-          <a:prstGeom prst="line">
-            <a:avLst/>
-          </a:prstGeom>
-        </p:spPr>
-        <p:style>
-          <a:lnRef idx="3">
-            <a:schemeClr val="dk1"/>
-          </a:lnRef>
-          <a:fillRef idx="0">
-            <a:schemeClr val="dk1"/>
-          </a:fillRef>
-          <a:effectRef idx="2">
-            <a:schemeClr val="dk1"/>
-          </a:effectRef>
-          <a:fontRef idx="minor">
-            <a:schemeClr val="tx1"/>
-          </a:fontRef>
-        </p:style>
-      </p:cxnSp>
-      <p:cxnSp>
-        <p:nvCxnSpPr>
-          <p:cNvPr id="29" name="Straight Arrow Connector 28">
-            <a:extLst>
-              <a:ext uri="{FF2B5EF4-FFF2-40B4-BE49-F238E27FC236}">
-                <a16:creationId xmlns:a16="http://schemas.microsoft.com/office/drawing/2014/main" id="{735906A6-50AB-B0BC-3BF2-C8E21FB3F728}"/>
-              </a:ext>
-            </a:extLst>
-          </p:cNvPr>
-          <p:cNvCxnSpPr>
-            <a:stCxn id="5" idx="2"/>
-          </p:cNvCxnSpPr>
-          <p:nvPr/>
-        </p:nvCxnSpPr>
-        <p:spPr>
-          <a:xfrm>
-            <a:off x="8044545" y="2556587"/>
-            <a:ext cx="0" cy="326572"/>
-          </a:xfrm>
-          <a:prstGeom prst="straightConnector1">
-            <a:avLst/>
-          </a:prstGeom>
-          <a:ln>
-            <a:tailEnd type="triangle"/>
-          </a:ln>
-        </p:spPr>
-        <p:style>
-          <a:lnRef idx="3">
-            <a:schemeClr val="dk1"/>
-          </a:lnRef>
-          <a:fillRef idx="0">
-            <a:schemeClr val="dk1"/>
-          </a:fillRef>
-          <a:effectRef idx="2">
-            <a:schemeClr val="dk1"/>
-          </a:effectRef>
-          <a:fontRef idx="minor">
-            <a:schemeClr val="tx1"/>
-          </a:fontRef>
-        </p:style>
-      </p:cxnSp>
-      <p:cxnSp>
-        <p:nvCxnSpPr>
-          <p:cNvPr id="31" name="Straight Arrow Connector 30">
-            <a:extLst>
-              <a:ext uri="{FF2B5EF4-FFF2-40B4-BE49-F238E27FC236}">
-                <a16:creationId xmlns:a16="http://schemas.microsoft.com/office/drawing/2014/main" id="{B2F50468-068F-5396-AACD-7212D5BDE591}"/>
-              </a:ext>
-            </a:extLst>
-          </p:cNvPr>
-          <p:cNvCxnSpPr>
-            <a:cxnSpLocks/>
-            <a:endCxn id="10" idx="0"/>
-          </p:cNvCxnSpPr>
-          <p:nvPr/>
-        </p:nvCxnSpPr>
-        <p:spPr>
-          <a:xfrm>
-            <a:off x="7013514" y="2883159"/>
-            <a:ext cx="0" cy="363649"/>
-          </a:xfrm>
-          <a:prstGeom prst="straightConnector1">
-            <a:avLst/>
-          </a:prstGeom>
-          <a:ln>
-            <a:tailEnd type="triangle"/>
-          </a:ln>
-        </p:spPr>
-        <p:style>
-          <a:lnRef idx="3">
-            <a:schemeClr val="dk1"/>
-          </a:lnRef>
-          <a:fillRef idx="0">
-            <a:schemeClr val="dk1"/>
-          </a:fillRef>
-          <a:effectRef idx="2">
-            <a:schemeClr val="dk1"/>
-          </a:effectRef>
-          <a:fontRef idx="minor">
-            <a:schemeClr val="tx1"/>
-          </a:fontRef>
-        </p:style>
-      </p:cxnSp>
-      <p:cxnSp>
-        <p:nvCxnSpPr>
-          <p:cNvPr id="35" name="Straight Arrow Connector 34">
-            <a:extLst>
-              <a:ext uri="{FF2B5EF4-FFF2-40B4-BE49-F238E27FC236}">
-                <a16:creationId xmlns:a16="http://schemas.microsoft.com/office/drawing/2014/main" id="{1A381372-BE17-1585-6CE8-C10FEA9813DE}"/>
-              </a:ext>
-            </a:extLst>
-          </p:cNvPr>
-          <p:cNvCxnSpPr>
-            <a:endCxn id="9" idx="0"/>
-          </p:cNvCxnSpPr>
-          <p:nvPr/>
-        </p:nvCxnSpPr>
-        <p:spPr>
-          <a:xfrm>
-            <a:off x="9075575" y="2883159"/>
-            <a:ext cx="1" cy="370600"/>
-          </a:xfrm>
-          <a:prstGeom prst="straightConnector1">
-            <a:avLst/>
-          </a:prstGeom>
-          <a:ln>
-            <a:tailEnd type="triangle"/>
-          </a:ln>
-        </p:spPr>
-        <p:style>
-          <a:lnRef idx="3">
-            <a:schemeClr val="dk1"/>
-          </a:lnRef>
-          <a:fillRef idx="0">
-            <a:schemeClr val="dk1"/>
-          </a:fillRef>
-          <a:effectRef idx="2">
-            <a:schemeClr val="dk1"/>
-          </a:effectRef>
-          <a:fontRef idx="minor">
-            <a:schemeClr val="tx1"/>
-          </a:fontRef>
-        </p:style>
-      </p:cxnSp>
-      <p:cxnSp>
-        <p:nvCxnSpPr>
-          <p:cNvPr id="37" name="Straight Connector 36">
-            <a:extLst>
-              <a:ext uri="{FF2B5EF4-FFF2-40B4-BE49-F238E27FC236}">
-                <a16:creationId xmlns:a16="http://schemas.microsoft.com/office/drawing/2014/main" id="{24B89127-0E08-3A53-370F-623C459B6A47}"/>
-              </a:ext>
-            </a:extLst>
-          </p:cNvPr>
-          <p:cNvCxnSpPr/>
-          <p:nvPr/>
-        </p:nvCxnSpPr>
-        <p:spPr>
-          <a:xfrm>
-            <a:off x="4805264" y="4497354"/>
-            <a:ext cx="5868956" cy="0"/>
-          </a:xfrm>
-          <a:prstGeom prst="line">
-            <a:avLst/>
-          </a:prstGeom>
-        </p:spPr>
-        <p:style>
-          <a:lnRef idx="3">
-            <a:schemeClr val="dk1"/>
-          </a:lnRef>
-          <a:fillRef idx="0">
-            <a:schemeClr val="dk1"/>
-          </a:fillRef>
-          <a:effectRef idx="2">
-            <a:schemeClr val="dk1"/>
-          </a:effectRef>
-          <a:fontRef idx="minor">
-            <a:schemeClr val="tx1"/>
-          </a:fontRef>
-        </p:style>
-      </p:cxnSp>
-      <p:cxnSp>
-        <p:nvCxnSpPr>
-          <p:cNvPr id="39" name="Straight Arrow Connector 38">
-            <a:extLst>
-              <a:ext uri="{FF2B5EF4-FFF2-40B4-BE49-F238E27FC236}">
-                <a16:creationId xmlns:a16="http://schemas.microsoft.com/office/drawing/2014/main" id="{79ED7D37-8677-88A8-5A62-9BD50E5F42B6}"/>
-              </a:ext>
-            </a:extLst>
-          </p:cNvPr>
-          <p:cNvCxnSpPr>
-            <a:endCxn id="12" idx="0"/>
-          </p:cNvCxnSpPr>
-          <p:nvPr/>
-        </p:nvCxnSpPr>
-        <p:spPr>
-          <a:xfrm>
-            <a:off x="6853334" y="4497354"/>
-            <a:ext cx="1" cy="633036"/>
-          </a:xfrm>
-          <a:prstGeom prst="straightConnector1">
-            <a:avLst/>
-          </a:prstGeom>
-          <a:ln>
-            <a:tailEnd type="triangle"/>
-          </a:ln>
-        </p:spPr>
-        <p:style>
-          <a:lnRef idx="3">
-            <a:schemeClr val="dk1"/>
-          </a:lnRef>
-          <a:fillRef idx="0">
-            <a:schemeClr val="dk1"/>
-          </a:fillRef>
-          <a:effectRef idx="2">
-            <a:schemeClr val="dk1"/>
-          </a:effectRef>
-          <a:fontRef idx="minor">
-            <a:schemeClr val="tx1"/>
-          </a:fontRef>
-        </p:style>
-      </p:cxnSp>
-      <p:cxnSp>
-        <p:nvCxnSpPr>
-          <p:cNvPr id="41" name="Straight Arrow Connector 40">
-            <a:extLst>
-              <a:ext uri="{FF2B5EF4-FFF2-40B4-BE49-F238E27FC236}">
-                <a16:creationId xmlns:a16="http://schemas.microsoft.com/office/drawing/2014/main" id="{67FB49DE-DD2C-BFDC-D625-E0AD20E4D5DC}"/>
-              </a:ext>
-            </a:extLst>
-          </p:cNvPr>
-          <p:cNvCxnSpPr>
-            <a:endCxn id="15" idx="0"/>
-          </p:cNvCxnSpPr>
-          <p:nvPr/>
-        </p:nvCxnSpPr>
-        <p:spPr>
-          <a:xfrm>
-            <a:off x="8845420" y="4497354"/>
-            <a:ext cx="1" cy="633036"/>
-          </a:xfrm>
-          <a:prstGeom prst="straightConnector1">
-            <a:avLst/>
-          </a:prstGeom>
-          <a:ln>
-            <a:tailEnd type="triangle"/>
-          </a:ln>
-        </p:spPr>
-        <p:style>
-          <a:lnRef idx="3">
-            <a:schemeClr val="dk1"/>
-          </a:lnRef>
-          <a:fillRef idx="0">
-            <a:schemeClr val="dk1"/>
-          </a:fillRef>
-          <a:effectRef idx="2">
-            <a:schemeClr val="dk1"/>
-          </a:effectRef>
-          <a:fontRef idx="minor">
-            <a:schemeClr val="tx1"/>
-          </a:fontRef>
-        </p:style>
-      </p:cxnSp>
-      <p:cxnSp>
-        <p:nvCxnSpPr>
-          <p:cNvPr id="43" name="Straight Arrow Connector 42">
-            <a:extLst>
-              <a:ext uri="{FF2B5EF4-FFF2-40B4-BE49-F238E27FC236}">
-                <a16:creationId xmlns:a16="http://schemas.microsoft.com/office/drawing/2014/main" id="{D88E04CE-AEE4-9E4B-94C4-1199752A9CB8}"/>
-              </a:ext>
-            </a:extLst>
-          </p:cNvPr>
-          <p:cNvCxnSpPr>
-            <a:endCxn id="11" idx="0"/>
-          </p:cNvCxnSpPr>
-          <p:nvPr/>
-        </p:nvCxnSpPr>
-        <p:spPr>
-          <a:xfrm>
-            <a:off x="4805264" y="4497354"/>
-            <a:ext cx="1" cy="633036"/>
-          </a:xfrm>
-          <a:prstGeom prst="straightConnector1">
-            <a:avLst/>
-          </a:prstGeom>
-          <a:ln>
-            <a:tailEnd type="triangle"/>
-          </a:ln>
-        </p:spPr>
-        <p:style>
-          <a:lnRef idx="3">
-            <a:schemeClr val="dk1"/>
-          </a:lnRef>
-          <a:fillRef idx="0">
-            <a:schemeClr val="dk1"/>
-          </a:fillRef>
-          <a:effectRef idx="2">
-            <a:schemeClr val="dk1"/>
-          </a:effectRef>
-          <a:fontRef idx="minor">
-            <a:schemeClr val="tx1"/>
-          </a:fontRef>
-        </p:style>
-      </p:cxnSp>
-      <p:cxnSp>
-        <p:nvCxnSpPr>
-          <p:cNvPr id="45" name="Straight Arrow Connector 44">
-            <a:extLst>
-              <a:ext uri="{FF2B5EF4-FFF2-40B4-BE49-F238E27FC236}">
-                <a16:creationId xmlns:a16="http://schemas.microsoft.com/office/drawing/2014/main" id="{2490528F-A20A-D963-0DF2-10CFC967DECF}"/>
-              </a:ext>
-            </a:extLst>
-          </p:cNvPr>
-          <p:cNvCxnSpPr>
-            <a:endCxn id="17" idx="0"/>
-          </p:cNvCxnSpPr>
-          <p:nvPr/>
-        </p:nvCxnSpPr>
-        <p:spPr>
-          <a:xfrm>
-            <a:off x="10674220" y="4497354"/>
-            <a:ext cx="0" cy="633036"/>
-          </a:xfrm>
-          <a:prstGeom prst="straightConnector1">
-            <a:avLst/>
-          </a:prstGeom>
-          <a:ln>
-            <a:tailEnd type="triangle"/>
-          </a:ln>
-        </p:spPr>
-        <p:style>
-          <a:lnRef idx="3">
-            <a:schemeClr val="dk1"/>
-          </a:lnRef>
-          <a:fillRef idx="0">
-            <a:schemeClr val="dk1"/>
-          </a:fillRef>
-          <a:effectRef idx="2">
-            <a:schemeClr val="dk1"/>
-          </a:effectRef>
-          <a:fontRef idx="minor">
-            <a:schemeClr val="tx1"/>
-          </a:fontRef>
-        </p:style>
-      </p:cxnSp>
-      <p:cxnSp>
-        <p:nvCxnSpPr>
-          <p:cNvPr id="47" name="Straight Arrow Connector 46">
-            <a:extLst>
-              <a:ext uri="{FF2B5EF4-FFF2-40B4-BE49-F238E27FC236}">
-                <a16:creationId xmlns:a16="http://schemas.microsoft.com/office/drawing/2014/main" id="{E911EF37-3487-E9B8-0380-3C14412BC211}"/>
-              </a:ext>
-            </a:extLst>
-          </p:cNvPr>
-          <p:cNvCxnSpPr>
-            <a:stCxn id="10" idx="2"/>
-          </p:cNvCxnSpPr>
-          <p:nvPr/>
-        </p:nvCxnSpPr>
-        <p:spPr>
-          <a:xfrm flipH="1">
-            <a:off x="7013513" y="3938006"/>
-            <a:ext cx="1" cy="559348"/>
-          </a:xfrm>
-          <a:prstGeom prst="straightConnector1">
-            <a:avLst/>
-          </a:prstGeom>
-          <a:ln>
-            <a:tailEnd type="triangle"/>
-          </a:ln>
-        </p:spPr>
-        <p:style>
-          <a:lnRef idx="3">
-            <a:schemeClr val="dk1"/>
-          </a:lnRef>
-          <a:fillRef idx="0">
-            <a:schemeClr val="dk1"/>
-          </a:fillRef>
-          <a:effectRef idx="2">
-            <a:schemeClr val="dk1"/>
-          </a:effectRef>
-          <a:fontRef idx="minor">
-            <a:schemeClr val="tx1"/>
-          </a:fontRef>
-        </p:style>
-      </p:cxnSp>
-      <p:cxnSp>
-        <p:nvCxnSpPr>
-          <p:cNvPr id="49" name="Straight Arrow Connector 48">
-            <a:extLst>
-              <a:ext uri="{FF2B5EF4-FFF2-40B4-BE49-F238E27FC236}">
-                <a16:creationId xmlns:a16="http://schemas.microsoft.com/office/drawing/2014/main" id="{25EBEE84-9056-71C9-F9EB-2D2ECC7B2CAB}"/>
-              </a:ext>
-            </a:extLst>
-          </p:cNvPr>
-          <p:cNvCxnSpPr>
-            <a:stCxn id="9" idx="2"/>
-          </p:cNvCxnSpPr>
-          <p:nvPr/>
-        </p:nvCxnSpPr>
-        <p:spPr>
-          <a:xfrm flipH="1">
-            <a:off x="9075575" y="3938005"/>
-            <a:ext cx="1" cy="559349"/>
-          </a:xfrm>
-          <a:prstGeom prst="straightConnector1">
-            <a:avLst/>
-          </a:prstGeom>
-          <a:ln>
-            <a:tailEnd type="triangle"/>
-          </a:ln>
-        </p:spPr>
-        <p:style>
-          <a:lnRef idx="3">
-            <a:schemeClr val="dk1"/>
-          </a:lnRef>
-          <a:fillRef idx="0">
-            <a:schemeClr val="dk1"/>
-          </a:fillRef>
-          <a:effectRef idx="2">
-            <a:schemeClr val="dk1"/>
-          </a:effectRef>
-          <a:fontRef idx="minor">
-            <a:schemeClr val="tx1"/>
-          </a:fontRef>
-        </p:style>
-      </p:cxnSp>
+              <a:t>By clicking Delete button, user can delete the Requests in History page.</a:t>
+            </a:r>
+          </a:p>
+          <a:p>
+            <a:endParaRPr lang="en-IN" dirty="0"/>
+          </a:p>
+          <a:p>
+            <a:endParaRPr lang="en-IN" dirty="0"/>
+          </a:p>
+          <a:p>
+            <a:endParaRPr lang="en-IN" dirty="0"/>
+          </a:p>
+        </p:txBody>
+      </p:sp>
     </p:spTree>
     <p:extLst>
       <p:ext uri="{BB962C8B-B14F-4D97-AF65-F5344CB8AC3E}">
-        <p14:creationId xmlns:p14="http://schemas.microsoft.com/office/powerpoint/2010/main" val="2587711632"/>
+        <p14:creationId xmlns:p14="http://schemas.microsoft.com/office/powerpoint/2010/main" val="3235975584"/>
       </p:ext>
     </p:extLst>
   </p:cSld>

--- a/FoodBridge_v02.pptx
+++ b/FoodBridge_v02.pptx
@@ -17,13 +17,14 @@
     <p:sldId id="282" r:id="rId11"/>
     <p:sldId id="280" r:id="rId12"/>
     <p:sldId id="281" r:id="rId13"/>
-    <p:sldId id="284" r:id="rId14"/>
-    <p:sldId id="269" r:id="rId15"/>
-    <p:sldId id="270" r:id="rId16"/>
-    <p:sldId id="272" r:id="rId17"/>
-    <p:sldId id="271" r:id="rId18"/>
-    <p:sldId id="283" r:id="rId19"/>
-    <p:sldId id="273" r:id="rId20"/>
+    <p:sldId id="287" r:id="rId14"/>
+    <p:sldId id="284" r:id="rId15"/>
+    <p:sldId id="269" r:id="rId16"/>
+    <p:sldId id="270" r:id="rId17"/>
+    <p:sldId id="272" r:id="rId18"/>
+    <p:sldId id="271" r:id="rId19"/>
+    <p:sldId id="283" r:id="rId20"/>
+    <p:sldId id="273" r:id="rId21"/>
   </p:sldIdLst>
   <p:sldSz cx="12192000" cy="6858000"/>
   <p:notesSz cx="6858000" cy="9144000"/>
@@ -279,7 +280,7 @@
           <a:p>
             <a:fld id="{054268B9-F606-45B6-BF5B-4221F97DDD9A}" type="datetimeFigureOut">
               <a:rPr lang="en-IN" smtClean="0"/>
-              <a:t>13-03-2024</a:t>
+              <a:t>15-03-2024</a:t>
             </a:fld>
             <a:endParaRPr lang="en-IN" dirty="0"/>
           </a:p>
@@ -479,7 +480,7 @@
           <a:p>
             <a:fld id="{054268B9-F606-45B6-BF5B-4221F97DDD9A}" type="datetimeFigureOut">
               <a:rPr lang="en-IN" smtClean="0"/>
-              <a:t>13-03-2024</a:t>
+              <a:t>15-03-2024</a:t>
             </a:fld>
             <a:endParaRPr lang="en-IN" dirty="0"/>
           </a:p>
@@ -689,7 +690,7 @@
           <a:p>
             <a:fld id="{054268B9-F606-45B6-BF5B-4221F97DDD9A}" type="datetimeFigureOut">
               <a:rPr lang="en-IN" smtClean="0"/>
-              <a:t>13-03-2024</a:t>
+              <a:t>15-03-2024</a:t>
             </a:fld>
             <a:endParaRPr lang="en-IN" dirty="0"/>
           </a:p>
@@ -889,7 +890,7 @@
           <a:p>
             <a:fld id="{054268B9-F606-45B6-BF5B-4221F97DDD9A}" type="datetimeFigureOut">
               <a:rPr lang="en-IN" smtClean="0"/>
-              <a:t>13-03-2024</a:t>
+              <a:t>15-03-2024</a:t>
             </a:fld>
             <a:endParaRPr lang="en-IN" dirty="0"/>
           </a:p>
@@ -1165,7 +1166,7 @@
           <a:p>
             <a:fld id="{054268B9-F606-45B6-BF5B-4221F97DDD9A}" type="datetimeFigureOut">
               <a:rPr lang="en-IN" smtClean="0"/>
-              <a:t>13-03-2024</a:t>
+              <a:t>15-03-2024</a:t>
             </a:fld>
             <a:endParaRPr lang="en-IN" dirty="0"/>
           </a:p>
@@ -1433,7 +1434,7 @@
           <a:p>
             <a:fld id="{054268B9-F606-45B6-BF5B-4221F97DDD9A}" type="datetimeFigureOut">
               <a:rPr lang="en-IN" smtClean="0"/>
-              <a:t>13-03-2024</a:t>
+              <a:t>15-03-2024</a:t>
             </a:fld>
             <a:endParaRPr lang="en-IN" dirty="0"/>
           </a:p>
@@ -1848,7 +1849,7 @@
           <a:p>
             <a:fld id="{054268B9-F606-45B6-BF5B-4221F97DDD9A}" type="datetimeFigureOut">
               <a:rPr lang="en-IN" smtClean="0"/>
-              <a:t>13-03-2024</a:t>
+              <a:t>15-03-2024</a:t>
             </a:fld>
             <a:endParaRPr lang="en-IN" dirty="0"/>
           </a:p>
@@ -1990,7 +1991,7 @@
           <a:p>
             <a:fld id="{054268B9-F606-45B6-BF5B-4221F97DDD9A}" type="datetimeFigureOut">
               <a:rPr lang="en-IN" smtClean="0"/>
-              <a:t>13-03-2024</a:t>
+              <a:t>15-03-2024</a:t>
             </a:fld>
             <a:endParaRPr lang="en-IN" dirty="0"/>
           </a:p>
@@ -2103,7 +2104,7 @@
           <a:p>
             <a:fld id="{054268B9-F606-45B6-BF5B-4221F97DDD9A}" type="datetimeFigureOut">
               <a:rPr lang="en-IN" smtClean="0"/>
-              <a:t>13-03-2024</a:t>
+              <a:t>15-03-2024</a:t>
             </a:fld>
             <a:endParaRPr lang="en-IN" dirty="0"/>
           </a:p>
@@ -2416,7 +2417,7 @@
           <a:p>
             <a:fld id="{054268B9-F606-45B6-BF5B-4221F97DDD9A}" type="datetimeFigureOut">
               <a:rPr lang="en-IN" smtClean="0"/>
-              <a:t>13-03-2024</a:t>
+              <a:t>15-03-2024</a:t>
             </a:fld>
             <a:endParaRPr lang="en-IN" dirty="0"/>
           </a:p>
@@ -2705,7 +2706,7 @@
           <a:p>
             <a:fld id="{054268B9-F606-45B6-BF5B-4221F97DDD9A}" type="datetimeFigureOut">
               <a:rPr lang="en-IN" smtClean="0"/>
-              <a:t>13-03-2024</a:t>
+              <a:t>15-03-2024</a:t>
             </a:fld>
             <a:endParaRPr lang="en-IN" dirty="0"/>
           </a:p>
@@ -2782,9 +2783,39 @@
 <p:sldMaster xmlns:a="http://schemas.openxmlformats.org/drawingml/2006/main" xmlns:r="http://schemas.openxmlformats.org/officeDocument/2006/relationships" xmlns:p="http://schemas.openxmlformats.org/presentationml/2006/main">
   <p:cSld>
     <p:bg>
-      <p:bgRef idx="1001">
-        <a:schemeClr val="bg1"/>
-      </p:bgRef>
+      <p:bgPr>
+        <a:gradFill flip="none" rotWithShape="1">
+          <a:gsLst>
+            <a:gs pos="0">
+              <a:schemeClr val="accent1">
+                <a:lumMod val="5000"/>
+                <a:lumOff val="95000"/>
+              </a:schemeClr>
+            </a:gs>
+            <a:gs pos="74000">
+              <a:schemeClr val="accent1">
+                <a:lumMod val="45000"/>
+                <a:lumOff val="55000"/>
+              </a:schemeClr>
+            </a:gs>
+            <a:gs pos="83000">
+              <a:schemeClr val="accent1">
+                <a:lumMod val="45000"/>
+                <a:lumOff val="55000"/>
+              </a:schemeClr>
+            </a:gs>
+            <a:gs pos="100000">
+              <a:schemeClr val="accent1">
+                <a:lumMod val="30000"/>
+                <a:lumOff val="70000"/>
+              </a:schemeClr>
+            </a:gs>
+          </a:gsLst>
+          <a:lin ang="5400000" scaled="1"/>
+          <a:tileRect/>
+        </a:gradFill>
+        <a:effectLst/>
+      </p:bgPr>
     </p:bg>
     <p:spTree>
       <p:nvGrpSpPr>
@@ -2948,7 +2979,7 @@
           <a:p>
             <a:fld id="{054268B9-F606-45B6-BF5B-4221F97DDD9A}" type="datetimeFigureOut">
               <a:rPr lang="en-IN" smtClean="0"/>
-              <a:t>13-03-2024</a:t>
+              <a:t>15-03-2024</a:t>
             </a:fld>
             <a:endParaRPr lang="en-IN" dirty="0"/>
           </a:p>
@@ -3351,41 +3382,6 @@
 <file path=ppt/slides/slide1.xml><?xml version="1.0" encoding="utf-8"?>
 <p:sld xmlns:a="http://schemas.openxmlformats.org/drawingml/2006/main" xmlns:r="http://schemas.openxmlformats.org/officeDocument/2006/relationships" xmlns:p="http://schemas.openxmlformats.org/presentationml/2006/main">
   <p:cSld>
-    <p:bg>
-      <p:bgPr>
-        <a:gradFill flip="none" rotWithShape="1">
-          <a:gsLst>
-            <a:gs pos="0">
-              <a:schemeClr val="accent1">
-                <a:lumMod val="5000"/>
-                <a:lumOff val="95000"/>
-              </a:schemeClr>
-            </a:gs>
-            <a:gs pos="86000">
-              <a:schemeClr val="accent1">
-                <a:lumMod val="45000"/>
-                <a:lumOff val="55000"/>
-              </a:schemeClr>
-            </a:gs>
-            <a:gs pos="94000">
-              <a:schemeClr val="accent1">
-                <a:lumMod val="45000"/>
-                <a:lumOff val="55000"/>
-              </a:schemeClr>
-            </a:gs>
-            <a:gs pos="100000">
-              <a:schemeClr val="accent1">
-                <a:lumMod val="30000"/>
-                <a:lumOff val="70000"/>
-              </a:schemeClr>
-            </a:gs>
-          </a:gsLst>
-          <a:lin ang="5400000" scaled="1"/>
-          <a:tileRect/>
-        </a:gradFill>
-        <a:effectLst/>
-      </p:bgPr>
-    </p:bg>
     <p:spTree>
       <p:nvGrpSpPr>
         <p:cNvPr id="1" name=""/>
@@ -3560,8 +3556,8 @@
         </p:nvSpPr>
         <p:spPr>
           <a:xfrm>
-            <a:off x="838200" y="365125"/>
-            <a:ext cx="3705808" cy="735887"/>
+            <a:off x="838199" y="365125"/>
+            <a:ext cx="6794237" cy="894494"/>
           </a:xfrm>
         </p:spPr>
         <p:txBody>
@@ -3574,7 +3570,7 @@
                   <a:srgbClr val="002060"/>
                 </a:solidFill>
               </a:rPr>
-              <a:t>Block Diagram</a:t>
+              <a:t>Block Diagram	(1/3)</a:t>
             </a:r>
           </a:p>
         </p:txBody>
@@ -4336,8 +4332,8 @@
         </p:nvSpPr>
         <p:spPr>
           <a:xfrm>
-            <a:off x="838199" y="448609"/>
-            <a:ext cx="3771122" cy="633251"/>
+            <a:off x="838198" y="448609"/>
+            <a:ext cx="6175315" cy="668816"/>
           </a:xfrm>
         </p:spPr>
         <p:txBody>
@@ -4353,7 +4349,7 @@
                 </a:solidFill>
                 <a:latin typeface="+mn-lt"/>
               </a:rPr>
-              <a:t>Block Diagram</a:t>
+              <a:t>Block Diagram	(2/3)</a:t>
             </a:r>
           </a:p>
         </p:txBody>
@@ -5397,6 +5393,41 @@
           </a:fontRef>
         </p:style>
       </p:cxnSp>
+      <p:sp>
+        <p:nvSpPr>
+          <p:cNvPr id="6" name="TextBox 5">
+            <a:extLst>
+              <a:ext uri="{FF2B5EF4-FFF2-40B4-BE49-F238E27FC236}">
+                <a16:creationId xmlns:a16="http://schemas.microsoft.com/office/drawing/2014/main" id="{9BFF43C7-AABE-7C80-CAE7-4FE500014179}"/>
+              </a:ext>
+            </a:extLst>
+          </p:cNvPr>
+          <p:cNvSpPr txBox="1"/>
+          <p:nvPr/>
+        </p:nvSpPr>
+        <p:spPr>
+          <a:xfrm>
+            <a:off x="2545701" y="1784191"/>
+            <a:ext cx="877077" cy="369332"/>
+          </a:xfrm>
+          <a:prstGeom prst="rect">
+            <a:avLst/>
+          </a:prstGeom>
+          <a:noFill/>
+        </p:spPr>
+        <p:txBody>
+          <a:bodyPr wrap="square" rtlCol="0">
+            <a:spAutoFit/>
+          </a:bodyPr>
+          <a:lstStyle/>
+          <a:p>
+            <a:r>
+              <a:rPr lang="en-IN" dirty="0"/>
+              <a:t>Sent to</a:t>
+            </a:r>
+          </a:p>
+        </p:txBody>
+      </p:sp>
     </p:spTree>
     <p:extLst>
       <p:ext uri="{BB962C8B-B14F-4D97-AF65-F5344CB8AC3E}">
@@ -5446,7 +5477,7 @@
         <p:spPr>
           <a:xfrm>
             <a:off x="892624" y="735438"/>
-            <a:ext cx="3604727" cy="611187"/>
+            <a:ext cx="6096005" cy="698917"/>
           </a:xfrm>
         </p:spPr>
         <p:txBody>
@@ -5463,7 +5494,7 @@
                 </a:solidFill>
                 <a:latin typeface="+mn-lt"/>
               </a:rPr>
-              <a:t>Block Diagram</a:t>
+              <a:t>Block Diagram	(3/3)</a:t>
             </a:r>
           </a:p>
         </p:txBody>
@@ -6511,7 +6542,7 @@
           <a:p>
             <a:r>
               <a:rPr lang="en-IN" b="1" dirty="0"/>
-              <a:t>Cancelled Request</a:t>
+              <a:t>Request Cancelled</a:t>
             </a:r>
           </a:p>
         </p:txBody>
@@ -6656,7 +6687,7 @@
           <p:cNvPr id="2" name="Title 1">
             <a:extLst>
               <a:ext uri="{FF2B5EF4-FFF2-40B4-BE49-F238E27FC236}">
-                <a16:creationId xmlns:a16="http://schemas.microsoft.com/office/drawing/2014/main" id="{7AF36008-437F-D57B-B67F-9050982D4CE4}"/>
+                <a16:creationId xmlns:a16="http://schemas.microsoft.com/office/drawing/2014/main" id="{56B6D8E8-610E-90C9-2A59-7B083558350B}"/>
               </a:ext>
             </a:extLst>
           </p:cNvPr>
@@ -6667,52 +6698,31 @@
             <p:ph type="title"/>
           </p:nvPr>
         </p:nvSpPr>
-        <p:spPr/>
+        <p:spPr>
+          <a:xfrm>
+            <a:off x="838200" y="365125"/>
+            <a:ext cx="5469294" cy="735887"/>
+          </a:xfrm>
+        </p:spPr>
         <p:txBody>
           <a:bodyPr/>
           <a:lstStyle/>
           <a:p>
             <a:r>
-              <a:rPr lang="en-IN" dirty="0">
+              <a:rPr lang="en-IN" b="1" dirty="0">
                 <a:solidFill>
                   <a:srgbClr val="002060"/>
                 </a:solidFill>
-                <a:latin typeface="+mn-lt"/>
               </a:rPr>
-              <a:t>Algorithm / Techniques proposed or Solution methodology</a:t>
-            </a:r>
-          </a:p>
-        </p:txBody>
-      </p:sp>
-      <p:sp>
-        <p:nvSpPr>
-          <p:cNvPr id="3" name="Content Placeholder 2">
-            <a:extLst>
-              <a:ext uri="{FF2B5EF4-FFF2-40B4-BE49-F238E27FC236}">
-                <a16:creationId xmlns:a16="http://schemas.microsoft.com/office/drawing/2014/main" id="{C4A45EEE-6714-C980-F435-807AEC522C3C}"/>
-              </a:ext>
-            </a:extLst>
-          </p:cNvPr>
-          <p:cNvSpPr>
-            <a:spLocks noGrp="1"/>
-          </p:cNvSpPr>
-          <p:nvPr>
-            <p:ph idx="1"/>
-          </p:nvPr>
-        </p:nvSpPr>
-        <p:spPr/>
-        <p:txBody>
-          <a:bodyPr/>
-          <a:lstStyle/>
-          <a:p>
-            <a:endParaRPr lang="en-IN" dirty="0"/>
+              <a:t>Use Case Diagram</a:t>
+            </a:r>
           </a:p>
         </p:txBody>
       </p:sp>
     </p:spTree>
     <p:extLst>
       <p:ext uri="{BB962C8B-B14F-4D97-AF65-F5344CB8AC3E}">
-        <p14:creationId xmlns:p14="http://schemas.microsoft.com/office/powerpoint/2010/main" val="631618303"/>
+        <p14:creationId xmlns:p14="http://schemas.microsoft.com/office/powerpoint/2010/main" val="994604471"/>
       </p:ext>
     </p:extLst>
   </p:cSld>
@@ -6725,40 +6735,6 @@
 <file path=ppt/slides/slide14.xml><?xml version="1.0" encoding="utf-8"?>
 <p:sld xmlns:a="http://schemas.openxmlformats.org/drawingml/2006/main" xmlns:r="http://schemas.openxmlformats.org/officeDocument/2006/relationships" xmlns:p="http://schemas.openxmlformats.org/presentationml/2006/main">
   <p:cSld>
-    <p:bg>
-      <p:bgPr>
-        <a:gradFill>
-          <a:gsLst>
-            <a:gs pos="0">
-              <a:schemeClr val="accent1">
-                <a:lumMod val="5000"/>
-                <a:lumOff val="95000"/>
-              </a:schemeClr>
-            </a:gs>
-            <a:gs pos="86000">
-              <a:schemeClr val="accent1">
-                <a:lumMod val="45000"/>
-                <a:lumOff val="55000"/>
-              </a:schemeClr>
-            </a:gs>
-            <a:gs pos="94000">
-              <a:schemeClr val="accent1">
-                <a:lumMod val="45000"/>
-                <a:lumOff val="55000"/>
-              </a:schemeClr>
-            </a:gs>
-            <a:gs pos="100000">
-              <a:schemeClr val="accent1">
-                <a:lumMod val="30000"/>
-                <a:lumOff val="70000"/>
-              </a:schemeClr>
-            </a:gs>
-          </a:gsLst>
-          <a:lin ang="5400000" scaled="1"/>
-        </a:gradFill>
-        <a:effectLst/>
-      </p:bgPr>
-    </p:bg>
     <p:spTree>
       <p:nvGrpSpPr>
         <p:cNvPr id="1" name=""/>
@@ -6778,7 +6754,7 @@
           <p:cNvPr id="2" name="Title 1">
             <a:extLst>
               <a:ext uri="{FF2B5EF4-FFF2-40B4-BE49-F238E27FC236}">
-                <a16:creationId xmlns:a16="http://schemas.microsoft.com/office/drawing/2014/main" id="{629BF9F0-5EA9-5A1D-BFE8-082B2052EF66}"/>
+                <a16:creationId xmlns:a16="http://schemas.microsoft.com/office/drawing/2014/main" id="{7AF36008-437F-D57B-B67F-9050982D4CE4}"/>
               </a:ext>
             </a:extLst>
           </p:cNvPr>
@@ -6795,12 +6771,13 @@
           <a:lstStyle/>
           <a:p>
             <a:r>
-              <a:rPr lang="en-IN" b="1" dirty="0">
+              <a:rPr lang="en-IN" dirty="0">
                 <a:solidFill>
                   <a:srgbClr val="002060"/>
                 </a:solidFill>
+                <a:latin typeface="+mn-lt"/>
               </a:rPr>
-              <a:t>Software Requirements</a:t>
+              <a:t>Algorithm / Techniques proposed or Solution methodology</a:t>
             </a:r>
           </a:p>
         </p:txBody>
@@ -6810,7 +6787,7 @@
           <p:cNvPr id="3" name="Content Placeholder 2">
             <a:extLst>
               <a:ext uri="{FF2B5EF4-FFF2-40B4-BE49-F238E27FC236}">
-                <a16:creationId xmlns:a16="http://schemas.microsoft.com/office/drawing/2014/main" id="{2D2E4DF0-3FB2-0B30-22EA-B09B1A8305CF}"/>
+                <a16:creationId xmlns:a16="http://schemas.microsoft.com/office/drawing/2014/main" id="{C4A45EEE-6714-C980-F435-807AEC522C3C}"/>
               </a:ext>
             </a:extLst>
           </p:cNvPr>
@@ -6821,73 +6798,19 @@
             <p:ph idx="1"/>
           </p:nvPr>
         </p:nvSpPr>
-        <p:spPr>
-          <a:xfrm>
-            <a:off x="838200" y="1690688"/>
-            <a:ext cx="10515600" cy="4351338"/>
-          </a:xfrm>
-        </p:spPr>
-        <p:txBody>
-          <a:bodyPr>
-            <a:normAutofit/>
-          </a:bodyPr>
-          <a:lstStyle/>
-          <a:p>
-            <a:r>
-              <a:rPr lang="en-IN" sz="2000" b="1" dirty="0"/>
-              <a:t>Front-End Framework:</a:t>
-            </a:r>
-            <a:r>
-              <a:rPr lang="en-IN" sz="2000" dirty="0"/>
-              <a:t> Angular 17, Ionic</a:t>
-            </a:r>
-          </a:p>
-          <a:p>
-            <a:r>
-              <a:rPr lang="en-IN" sz="2000" b="1" dirty="0"/>
-              <a:t>Development Environment:</a:t>
-            </a:r>
-            <a:r>
-              <a:rPr lang="en-IN" sz="2000" dirty="0"/>
-              <a:t> Visual Studio Code</a:t>
-            </a:r>
-          </a:p>
-          <a:p>
-            <a:r>
-              <a:rPr lang="en-IN" sz="2000" b="1" dirty="0"/>
-              <a:t>Database Management:</a:t>
-            </a:r>
-            <a:r>
-              <a:rPr lang="en-IN" sz="2000" dirty="0"/>
-              <a:t> Firestore</a:t>
-            </a:r>
-          </a:p>
-          <a:p>
-            <a:r>
-              <a:rPr lang="en-IN" sz="2000" b="1" dirty="0"/>
-              <a:t>Hosting: </a:t>
-            </a:r>
-            <a:r>
-              <a:rPr lang="en-IN" sz="2000" dirty="0"/>
-              <a:t>Firebase</a:t>
-            </a:r>
-          </a:p>
-          <a:p>
-            <a:r>
-              <a:rPr lang="en-IN" sz="2000" b="1" dirty="0"/>
-              <a:t>Login Management:</a:t>
-            </a:r>
-            <a:r>
-              <a:rPr lang="en-IN" sz="2000" dirty="0"/>
-              <a:t> Google OAuth</a:t>
-            </a:r>
+        <p:spPr/>
+        <p:txBody>
+          <a:bodyPr/>
+          <a:lstStyle/>
+          <a:p>
+            <a:endParaRPr lang="en-IN" dirty="0"/>
           </a:p>
         </p:txBody>
       </p:sp>
     </p:spTree>
     <p:extLst>
       <p:ext uri="{BB962C8B-B14F-4D97-AF65-F5344CB8AC3E}">
-        <p14:creationId xmlns:p14="http://schemas.microsoft.com/office/powerpoint/2010/main" val="4294784492"/>
+        <p14:creationId xmlns:p14="http://schemas.microsoft.com/office/powerpoint/2010/main" val="631618303"/>
       </p:ext>
     </p:extLst>
   </p:cSld>
@@ -6900,40 +6823,6 @@
 <file path=ppt/slides/slide15.xml><?xml version="1.0" encoding="utf-8"?>
 <p:sld xmlns:a="http://schemas.openxmlformats.org/drawingml/2006/main" xmlns:r="http://schemas.openxmlformats.org/officeDocument/2006/relationships" xmlns:p="http://schemas.openxmlformats.org/presentationml/2006/main">
   <p:cSld>
-    <p:bg>
-      <p:bgPr>
-        <a:gradFill>
-          <a:gsLst>
-            <a:gs pos="0">
-              <a:schemeClr val="accent1">
-                <a:lumMod val="5000"/>
-                <a:lumOff val="95000"/>
-              </a:schemeClr>
-            </a:gs>
-            <a:gs pos="86000">
-              <a:schemeClr val="accent1">
-                <a:lumMod val="45000"/>
-                <a:lumOff val="55000"/>
-              </a:schemeClr>
-            </a:gs>
-            <a:gs pos="94000">
-              <a:schemeClr val="accent1">
-                <a:lumMod val="45000"/>
-                <a:lumOff val="55000"/>
-              </a:schemeClr>
-            </a:gs>
-            <a:gs pos="100000">
-              <a:schemeClr val="accent1">
-                <a:lumMod val="30000"/>
-                <a:lumOff val="70000"/>
-              </a:schemeClr>
-            </a:gs>
-          </a:gsLst>
-          <a:lin ang="5400000" scaled="1"/>
-        </a:gradFill>
-        <a:effectLst/>
-      </p:bgPr>
-    </p:bg>
     <p:spTree>
       <p:nvGrpSpPr>
         <p:cNvPr id="1" name=""/>
@@ -6953,7 +6842,7 @@
           <p:cNvPr id="2" name="Title 1">
             <a:extLst>
               <a:ext uri="{FF2B5EF4-FFF2-40B4-BE49-F238E27FC236}">
-                <a16:creationId xmlns:a16="http://schemas.microsoft.com/office/drawing/2014/main" id="{56B6D8E8-610E-90C9-2A59-7B083558350B}"/>
+                <a16:creationId xmlns:a16="http://schemas.microsoft.com/office/drawing/2014/main" id="{629BF9F0-5EA9-5A1D-BFE8-082B2052EF66}"/>
               </a:ext>
             </a:extLst>
           </p:cNvPr>
@@ -6975,6 +6864,152 @@
                   <a:srgbClr val="002060"/>
                 </a:solidFill>
               </a:rPr>
+              <a:t>Software Requirements</a:t>
+            </a:r>
+          </a:p>
+        </p:txBody>
+      </p:sp>
+      <p:sp>
+        <p:nvSpPr>
+          <p:cNvPr id="3" name="Content Placeholder 2">
+            <a:extLst>
+              <a:ext uri="{FF2B5EF4-FFF2-40B4-BE49-F238E27FC236}">
+                <a16:creationId xmlns:a16="http://schemas.microsoft.com/office/drawing/2014/main" id="{2D2E4DF0-3FB2-0B30-22EA-B09B1A8305CF}"/>
+              </a:ext>
+            </a:extLst>
+          </p:cNvPr>
+          <p:cNvSpPr>
+            <a:spLocks noGrp="1"/>
+          </p:cNvSpPr>
+          <p:nvPr>
+            <p:ph idx="1"/>
+          </p:nvPr>
+        </p:nvSpPr>
+        <p:spPr>
+          <a:xfrm>
+            <a:off x="838200" y="1690688"/>
+            <a:ext cx="10515600" cy="4351338"/>
+          </a:xfrm>
+        </p:spPr>
+        <p:txBody>
+          <a:bodyPr>
+            <a:normAutofit/>
+          </a:bodyPr>
+          <a:lstStyle/>
+          <a:p>
+            <a:r>
+              <a:rPr lang="en-IN" sz="2000" b="1" dirty="0"/>
+              <a:t>Front-End Framework:</a:t>
+            </a:r>
+            <a:r>
+              <a:rPr lang="en-IN" sz="2000" dirty="0"/>
+              <a:t> Angular 17, Ionic</a:t>
+            </a:r>
+          </a:p>
+          <a:p>
+            <a:r>
+              <a:rPr lang="en-IN" sz="2000" b="1" dirty="0"/>
+              <a:t>Development Environment:</a:t>
+            </a:r>
+            <a:r>
+              <a:rPr lang="en-IN" sz="2000" dirty="0"/>
+              <a:t> Visual Studio Code</a:t>
+            </a:r>
+          </a:p>
+          <a:p>
+            <a:r>
+              <a:rPr lang="en-IN" sz="2000" b="1" dirty="0"/>
+              <a:t>Database Management:</a:t>
+            </a:r>
+            <a:r>
+              <a:rPr lang="en-IN" sz="2000" dirty="0"/>
+              <a:t> Firestore</a:t>
+            </a:r>
+          </a:p>
+          <a:p>
+            <a:r>
+              <a:rPr lang="en-IN" sz="2000" b="1" dirty="0"/>
+              <a:t>Hosting: </a:t>
+            </a:r>
+            <a:r>
+              <a:rPr lang="en-IN" sz="2000" dirty="0"/>
+              <a:t>Firebase</a:t>
+            </a:r>
+          </a:p>
+          <a:p>
+            <a:r>
+              <a:rPr lang="en-IN" sz="2000" b="1" dirty="0"/>
+              <a:t>Login Management:</a:t>
+            </a:r>
+            <a:r>
+              <a:rPr lang="en-IN" sz="2000" dirty="0"/>
+              <a:t> Google OAuth</a:t>
+            </a:r>
+          </a:p>
+        </p:txBody>
+      </p:sp>
+    </p:spTree>
+    <p:extLst>
+      <p:ext uri="{BB962C8B-B14F-4D97-AF65-F5344CB8AC3E}">
+        <p14:creationId xmlns:p14="http://schemas.microsoft.com/office/powerpoint/2010/main" val="4294784492"/>
+      </p:ext>
+    </p:extLst>
+  </p:cSld>
+  <p:clrMapOvr>
+    <a:masterClrMapping/>
+  </p:clrMapOvr>
+</p:sld>
+</file>
+
+<file path=ppt/slides/slide16.xml><?xml version="1.0" encoding="utf-8"?>
+<p:sld xmlns:a="http://schemas.openxmlformats.org/drawingml/2006/main" xmlns:r="http://schemas.openxmlformats.org/officeDocument/2006/relationships" xmlns:p="http://schemas.openxmlformats.org/presentationml/2006/main">
+  <p:cSld>
+    <p:spTree>
+      <p:nvGrpSpPr>
+        <p:cNvPr id="1" name=""/>
+        <p:cNvGrpSpPr/>
+        <p:nvPr/>
+      </p:nvGrpSpPr>
+      <p:grpSpPr>
+        <a:xfrm>
+          <a:off x="0" y="0"/>
+          <a:ext cx="0" cy="0"/>
+          <a:chOff x="0" y="0"/>
+          <a:chExt cx="0" cy="0"/>
+        </a:xfrm>
+      </p:grpSpPr>
+      <p:sp>
+        <p:nvSpPr>
+          <p:cNvPr id="2" name="Title 1">
+            <a:extLst>
+              <a:ext uri="{FF2B5EF4-FFF2-40B4-BE49-F238E27FC236}">
+                <a16:creationId xmlns:a16="http://schemas.microsoft.com/office/drawing/2014/main" id="{56B6D8E8-610E-90C9-2A59-7B083558350B}"/>
+              </a:ext>
+            </a:extLst>
+          </p:cNvPr>
+          <p:cNvSpPr>
+            <a:spLocks noGrp="1"/>
+          </p:cNvSpPr>
+          <p:nvPr>
+            <p:ph type="title"/>
+          </p:nvPr>
+        </p:nvSpPr>
+        <p:spPr>
+          <a:xfrm>
+            <a:off x="838200" y="365125"/>
+            <a:ext cx="5493621" cy="839279"/>
+          </a:xfrm>
+        </p:spPr>
+        <p:txBody>
+          <a:bodyPr/>
+          <a:lstStyle/>
+          <a:p>
+            <a:r>
+              <a:rPr lang="en-IN" b="1" dirty="0">
+                <a:solidFill>
+                  <a:srgbClr val="002060"/>
+                </a:solidFill>
+              </a:rPr>
               <a:t>UML Diagram</a:t>
             </a:r>
           </a:p>
@@ -6994,8 +7029,8 @@
         </p:nvSpPr>
         <p:spPr>
           <a:xfrm>
-            <a:off x="2574918" y="2080304"/>
-            <a:ext cx="2642118" cy="2955956"/>
+            <a:off x="2355563" y="1204404"/>
+            <a:ext cx="2530151" cy="2137133"/>
           </a:xfrm>
           <a:prstGeom prst="rect">
             <a:avLst/>
@@ -7024,7 +7059,7 @@
             <a:pPr algn="ctr"/>
             <a:r>
               <a:rPr lang="en-IN" sz="2000" b="1" dirty="0"/>
-              <a:t>User details</a:t>
+              <a:t>Orphanage User</a:t>
             </a:r>
           </a:p>
           <a:p>
@@ -7063,9 +7098,10 @@
               <a:buChar char="•"/>
             </a:pPr>
             <a:r>
-              <a:rPr lang="en-IN" dirty="0"/>
+              <a:rPr lang="en-IN" dirty="0" err="1"/>
               <a:t>organization_name</a:t>
             </a:r>
+            <a:endParaRPr lang="en-IN" dirty="0"/>
           </a:p>
           <a:p>
             <a:pPr marL="285750" indent="-285750">
@@ -7074,7 +7110,7 @@
             </a:pPr>
             <a:r>
               <a:rPr lang="en-IN" dirty="0" err="1"/>
-              <a:t>user_address</a:t>
+              <a:t>registration_no</a:t>
             </a:r>
             <a:endParaRPr lang="en-IN" dirty="0"/>
           </a:p>
@@ -7085,6 +7121,17 @@
             </a:pPr>
             <a:r>
               <a:rPr lang="en-IN" dirty="0" err="1"/>
+              <a:t>user_address</a:t>
+            </a:r>
+            <a:endParaRPr lang="en-IN" dirty="0"/>
+          </a:p>
+          <a:p>
+            <a:pPr marL="285750" indent="-285750">
+              <a:buFont typeface="Arial" panose="020B0604020202020204" pitchFamily="34" charset="0"/>
+              <a:buChar char="•"/>
+            </a:pPr>
+            <a:r>
+              <a:rPr lang="en-IN" dirty="0" err="1"/>
               <a:t>user_mail</a:t>
             </a:r>
             <a:endParaRPr lang="en-IN" dirty="0"/>
@@ -7105,8 +7152,8 @@
         </p:nvSpPr>
         <p:spPr>
           <a:xfrm>
-            <a:off x="6772083" y="2080303"/>
-            <a:ext cx="2530151" cy="2955957"/>
+            <a:off x="7451494" y="2721932"/>
+            <a:ext cx="2530151" cy="2251285"/>
           </a:xfrm>
           <a:prstGeom prst="rect">
             <a:avLst/>
@@ -7144,9 +7191,10 @@
               <a:buChar char="•"/>
             </a:pPr>
             <a:r>
-              <a:rPr lang="en-IN" dirty="0"/>
+              <a:rPr lang="en-IN" dirty="0" err="1"/>
               <a:t>request_id</a:t>
             </a:r>
+            <a:endParaRPr lang="en-IN" dirty="0"/>
           </a:p>
           <a:p>
             <a:pPr marL="285750" indent="-285750">
@@ -7154,9 +7202,10 @@
               <a:buChar char="•"/>
             </a:pPr>
             <a:r>
-              <a:rPr lang="en-IN" dirty="0"/>
-              <a:t>user_name</a:t>
-            </a:r>
+              <a:rPr lang="en-IN" dirty="0" err="1"/>
+              <a:t>raised_by</a:t>
+            </a:r>
+            <a:endParaRPr lang="en-IN" dirty="0"/>
           </a:p>
           <a:p>
             <a:pPr marL="285750" indent="-285750">
@@ -7165,7 +7214,7 @@
             </a:pPr>
             <a:r>
               <a:rPr lang="en-IN" dirty="0"/>
-              <a:t>contact_number</a:t>
+              <a:t>user_name</a:t>
             </a:r>
           </a:p>
           <a:p>
@@ -7175,7 +7224,7 @@
             </a:pPr>
             <a:r>
               <a:rPr lang="en-IN" dirty="0"/>
-              <a:t>organization_name</a:t>
+              <a:t>contact_number</a:t>
             </a:r>
           </a:p>
           <a:p>
@@ -7185,7 +7234,7 @@
             </a:pPr>
             <a:r>
               <a:rPr lang="en-IN" dirty="0"/>
-              <a:t>user_address</a:t>
+              <a:t>organization_name</a:t>
             </a:r>
           </a:p>
           <a:p>
@@ -7195,6 +7244,16 @@
             </a:pPr>
             <a:r>
               <a:rPr lang="en-IN" dirty="0"/>
+              <a:t>user_address</a:t>
+            </a:r>
+          </a:p>
+          <a:p>
+            <a:pPr marL="285750" indent="-285750">
+              <a:buFont typeface="Arial" panose="020B0604020202020204" pitchFamily="34" charset="0"/>
+              <a:buChar char="•"/>
+            </a:pPr>
+            <a:r>
+              <a:rPr lang="en-IN" dirty="0"/>
               <a:t>food_count</a:t>
             </a:r>
           </a:p>
@@ -7202,10 +7261,10 @@
       </p:sp>
       <p:sp>
         <p:nvSpPr>
-          <p:cNvPr id="7" name="Arrow: Right 6">
-            <a:extLst>
-              <a:ext uri="{FF2B5EF4-FFF2-40B4-BE49-F238E27FC236}">
-                <a16:creationId xmlns:a16="http://schemas.microsoft.com/office/drawing/2014/main" id="{6EF9D85D-E4FF-37F7-AAD7-4B7323414B5D}"/>
+          <p:cNvPr id="9" name="Rectangle 8">
+            <a:extLst>
+              <a:ext uri="{FF2B5EF4-FFF2-40B4-BE49-F238E27FC236}">
+                <a16:creationId xmlns:a16="http://schemas.microsoft.com/office/drawing/2014/main" id="{036B1E53-8F36-99D0-0F5B-4782E19BEA2E}"/>
               </a:ext>
             </a:extLst>
           </p:cNvPr>
@@ -7214,10 +7273,10 @@
         </p:nvSpPr>
         <p:spPr>
           <a:xfrm>
-            <a:off x="5217036" y="3369336"/>
-            <a:ext cx="1555047" cy="377890"/>
-          </a:xfrm>
-          <a:prstGeom prst="rightArrow">
+            <a:off x="2319933" y="4096140"/>
+            <a:ext cx="2530151" cy="2137133"/>
+          </a:xfrm>
+          <a:prstGeom prst="rect">
             <a:avLst/>
           </a:prstGeom>
         </p:spPr>
@@ -7242,10 +7301,171 @@
           <a:lstStyle/>
           <a:p>
             <a:pPr algn="ctr"/>
-            <a:endParaRPr lang="en-IN"/>
-          </a:p>
-        </p:txBody>
-      </p:sp>
+            <a:r>
+              <a:rPr lang="en-IN" sz="2000" b="1" dirty="0"/>
+              <a:t>Hotel User</a:t>
+            </a:r>
+          </a:p>
+          <a:p>
+            <a:pPr marL="285750" indent="-285750">
+              <a:buFont typeface="Arial" panose="020B0604020202020204" pitchFamily="34" charset="0"/>
+              <a:buChar char="•"/>
+            </a:pPr>
+            <a:r>
+              <a:rPr lang="en-IN" dirty="0"/>
+              <a:t>user_name</a:t>
+            </a:r>
+          </a:p>
+          <a:p>
+            <a:pPr marL="285750" indent="-285750">
+              <a:buFont typeface="Arial" panose="020B0604020202020204" pitchFamily="34" charset="0"/>
+              <a:buChar char="•"/>
+            </a:pPr>
+            <a:r>
+              <a:rPr lang="en-IN" dirty="0"/>
+              <a:t>contact_number</a:t>
+            </a:r>
+          </a:p>
+          <a:p>
+            <a:pPr marL="285750" indent="-285750">
+              <a:buFont typeface="Arial" panose="020B0604020202020204" pitchFamily="34" charset="0"/>
+              <a:buChar char="•"/>
+            </a:pPr>
+            <a:r>
+              <a:rPr lang="en-IN" dirty="0"/>
+              <a:t>organization_type</a:t>
+            </a:r>
+          </a:p>
+          <a:p>
+            <a:pPr marL="285750" indent="-285750">
+              <a:buFont typeface="Arial" panose="020B0604020202020204" pitchFamily="34" charset="0"/>
+              <a:buChar char="•"/>
+            </a:pPr>
+            <a:r>
+              <a:rPr lang="en-IN" dirty="0" err="1"/>
+              <a:t>organization_name</a:t>
+            </a:r>
+            <a:endParaRPr lang="en-IN" dirty="0"/>
+          </a:p>
+          <a:p>
+            <a:pPr marL="285750" indent="-285750">
+              <a:buFont typeface="Arial" panose="020B0604020202020204" pitchFamily="34" charset="0"/>
+              <a:buChar char="•"/>
+            </a:pPr>
+            <a:r>
+              <a:rPr lang="en-IN" dirty="0" err="1"/>
+              <a:t>registration_no</a:t>
+            </a:r>
+            <a:endParaRPr lang="en-IN" dirty="0"/>
+          </a:p>
+          <a:p>
+            <a:pPr marL="285750" indent="-285750">
+              <a:buFont typeface="Arial" panose="020B0604020202020204" pitchFamily="34" charset="0"/>
+              <a:buChar char="•"/>
+            </a:pPr>
+            <a:r>
+              <a:rPr lang="en-IN" dirty="0" err="1"/>
+              <a:t>user_address</a:t>
+            </a:r>
+            <a:endParaRPr lang="en-IN" dirty="0"/>
+          </a:p>
+          <a:p>
+            <a:pPr marL="285750" indent="-285750">
+              <a:buFont typeface="Arial" panose="020B0604020202020204" pitchFamily="34" charset="0"/>
+              <a:buChar char="•"/>
+            </a:pPr>
+            <a:r>
+              <a:rPr lang="en-IN" dirty="0" err="1"/>
+              <a:t>user_mail</a:t>
+            </a:r>
+            <a:endParaRPr lang="en-IN" dirty="0"/>
+          </a:p>
+        </p:txBody>
+      </p:sp>
+      <p:cxnSp>
+        <p:nvCxnSpPr>
+          <p:cNvPr id="11" name="Straight Arrow Connector 10">
+            <a:extLst>
+              <a:ext uri="{FF2B5EF4-FFF2-40B4-BE49-F238E27FC236}">
+                <a16:creationId xmlns:a16="http://schemas.microsoft.com/office/drawing/2014/main" id="{2A325A96-D0BF-262C-2771-C0DD5CC6B19F}"/>
+              </a:ext>
+            </a:extLst>
+          </p:cNvPr>
+          <p:cNvCxnSpPr>
+            <a:stCxn id="3" idx="3"/>
+            <a:endCxn id="4" idx="1"/>
+          </p:cNvCxnSpPr>
+          <p:nvPr/>
+        </p:nvCxnSpPr>
+        <p:spPr>
+          <a:xfrm>
+            <a:off x="4885714" y="2272971"/>
+            <a:ext cx="2565780" cy="1574604"/>
+          </a:xfrm>
+          <a:prstGeom prst="straightConnector1">
+            <a:avLst/>
+          </a:prstGeom>
+          <a:ln>
+            <a:tailEnd type="triangle"/>
+          </a:ln>
+        </p:spPr>
+        <p:style>
+          <a:lnRef idx="3">
+            <a:schemeClr val="dk1"/>
+          </a:lnRef>
+          <a:fillRef idx="0">
+            <a:schemeClr val="dk1"/>
+          </a:fillRef>
+          <a:effectRef idx="2">
+            <a:schemeClr val="dk1"/>
+          </a:effectRef>
+          <a:fontRef idx="minor">
+            <a:schemeClr val="tx1"/>
+          </a:fontRef>
+        </p:style>
+      </p:cxnSp>
+      <p:cxnSp>
+        <p:nvCxnSpPr>
+          <p:cNvPr id="13" name="Straight Arrow Connector 12">
+            <a:extLst>
+              <a:ext uri="{FF2B5EF4-FFF2-40B4-BE49-F238E27FC236}">
+                <a16:creationId xmlns:a16="http://schemas.microsoft.com/office/drawing/2014/main" id="{6ADD1978-4D4D-D315-084C-E2966B679A46}"/>
+              </a:ext>
+            </a:extLst>
+          </p:cNvPr>
+          <p:cNvCxnSpPr>
+            <a:stCxn id="9" idx="3"/>
+            <a:endCxn id="4" idx="1"/>
+          </p:cNvCxnSpPr>
+          <p:nvPr/>
+        </p:nvCxnSpPr>
+        <p:spPr>
+          <a:xfrm flipV="1">
+            <a:off x="4850084" y="3847575"/>
+            <a:ext cx="2601410" cy="1317132"/>
+          </a:xfrm>
+          <a:prstGeom prst="straightConnector1">
+            <a:avLst/>
+          </a:prstGeom>
+          <a:ln>
+            <a:tailEnd type="triangle"/>
+          </a:ln>
+        </p:spPr>
+        <p:style>
+          <a:lnRef idx="3">
+            <a:schemeClr val="dk1"/>
+          </a:lnRef>
+          <a:fillRef idx="0">
+            <a:schemeClr val="dk1"/>
+          </a:fillRef>
+          <a:effectRef idx="2">
+            <a:schemeClr val="dk1"/>
+          </a:effectRef>
+          <a:fontRef idx="minor">
+            <a:schemeClr val="tx1"/>
+          </a:fontRef>
+        </p:style>
+      </p:cxnSp>
     </p:spTree>
     <p:extLst>
       <p:ext uri="{BB962C8B-B14F-4D97-AF65-F5344CB8AC3E}">
@@ -7259,43 +7479,9 @@
 </p:sld>
 </file>
 
-<file path=ppt/slides/slide16.xml><?xml version="1.0" encoding="utf-8"?>
+<file path=ppt/slides/slide17.xml><?xml version="1.0" encoding="utf-8"?>
 <p:sld xmlns:a="http://schemas.openxmlformats.org/drawingml/2006/main" xmlns:r="http://schemas.openxmlformats.org/officeDocument/2006/relationships" xmlns:p="http://schemas.openxmlformats.org/presentationml/2006/main">
   <p:cSld>
-    <p:bg>
-      <p:bgPr>
-        <a:gradFill>
-          <a:gsLst>
-            <a:gs pos="0">
-              <a:schemeClr val="accent1">
-                <a:lumMod val="5000"/>
-                <a:lumOff val="95000"/>
-              </a:schemeClr>
-            </a:gs>
-            <a:gs pos="86000">
-              <a:schemeClr val="accent1">
-                <a:lumMod val="45000"/>
-                <a:lumOff val="55000"/>
-              </a:schemeClr>
-            </a:gs>
-            <a:gs pos="94000">
-              <a:schemeClr val="accent1">
-                <a:lumMod val="45000"/>
-                <a:lumOff val="55000"/>
-              </a:schemeClr>
-            </a:gs>
-            <a:gs pos="100000">
-              <a:schemeClr val="accent1">
-                <a:lumMod val="30000"/>
-                <a:lumOff val="70000"/>
-              </a:schemeClr>
-            </a:gs>
-          </a:gsLst>
-          <a:lin ang="5400000" scaled="1"/>
-        </a:gradFill>
-        <a:effectLst/>
-      </p:bgPr>
-    </p:bg>
     <p:spTree>
       <p:nvGrpSpPr>
         <p:cNvPr id="1" name=""/>
@@ -7394,156 +7580,6 @@
     <p:extLst>
       <p:ext uri="{BB962C8B-B14F-4D97-AF65-F5344CB8AC3E}">
         <p14:creationId xmlns:p14="http://schemas.microsoft.com/office/powerpoint/2010/main" val="2678606210"/>
-      </p:ext>
-    </p:extLst>
-  </p:cSld>
-  <p:clrMapOvr>
-    <a:masterClrMapping/>
-  </p:clrMapOvr>
-</p:sld>
-</file>
-
-<file path=ppt/slides/slide17.xml><?xml version="1.0" encoding="utf-8"?>
-<p:sld xmlns:a="http://schemas.openxmlformats.org/drawingml/2006/main" xmlns:r="http://schemas.openxmlformats.org/officeDocument/2006/relationships" xmlns:p="http://schemas.openxmlformats.org/presentationml/2006/main">
-  <p:cSld>
-    <p:bg>
-      <p:bgPr>
-        <a:gradFill>
-          <a:gsLst>
-            <a:gs pos="0">
-              <a:schemeClr val="accent1">
-                <a:lumMod val="5000"/>
-                <a:lumOff val="95000"/>
-              </a:schemeClr>
-            </a:gs>
-            <a:gs pos="86000">
-              <a:schemeClr val="accent1">
-                <a:lumMod val="45000"/>
-                <a:lumOff val="55000"/>
-              </a:schemeClr>
-            </a:gs>
-            <a:gs pos="94000">
-              <a:schemeClr val="accent1">
-                <a:lumMod val="45000"/>
-                <a:lumOff val="55000"/>
-              </a:schemeClr>
-            </a:gs>
-            <a:gs pos="100000">
-              <a:schemeClr val="accent1">
-                <a:lumMod val="30000"/>
-                <a:lumOff val="70000"/>
-              </a:schemeClr>
-            </a:gs>
-          </a:gsLst>
-          <a:lin ang="5400000" scaled="1"/>
-        </a:gradFill>
-        <a:effectLst/>
-      </p:bgPr>
-    </p:bg>
-    <p:spTree>
-      <p:nvGrpSpPr>
-        <p:cNvPr id="1" name=""/>
-        <p:cNvGrpSpPr/>
-        <p:nvPr/>
-      </p:nvGrpSpPr>
-      <p:grpSpPr>
-        <a:xfrm>
-          <a:off x="0" y="0"/>
-          <a:ext cx="0" cy="0"/>
-          <a:chOff x="0" y="0"/>
-          <a:chExt cx="0" cy="0"/>
-        </a:xfrm>
-      </p:grpSpPr>
-      <p:sp>
-        <p:nvSpPr>
-          <p:cNvPr id="2" name="Title 1">
-            <a:extLst>
-              <a:ext uri="{FF2B5EF4-FFF2-40B4-BE49-F238E27FC236}">
-                <a16:creationId xmlns:a16="http://schemas.microsoft.com/office/drawing/2014/main" id="{77EB3D63-A638-301B-8CE0-F92E8E58285A}"/>
-              </a:ext>
-            </a:extLst>
-          </p:cNvPr>
-          <p:cNvSpPr>
-            <a:spLocks noGrp="1"/>
-          </p:cNvSpPr>
-          <p:nvPr>
-            <p:ph type="title"/>
-          </p:nvPr>
-        </p:nvSpPr>
-        <p:spPr/>
-        <p:txBody>
-          <a:bodyPr/>
-          <a:lstStyle/>
-          <a:p>
-            <a:r>
-              <a:rPr lang="en-IN" b="1" dirty="0">
-                <a:solidFill>
-                  <a:srgbClr val="002060"/>
-                </a:solidFill>
-              </a:rPr>
-              <a:t>Work to be done</a:t>
-            </a:r>
-          </a:p>
-        </p:txBody>
-      </p:sp>
-      <p:sp>
-        <p:nvSpPr>
-          <p:cNvPr id="3" name="Content Placeholder 2">
-            <a:extLst>
-              <a:ext uri="{FF2B5EF4-FFF2-40B4-BE49-F238E27FC236}">
-                <a16:creationId xmlns:a16="http://schemas.microsoft.com/office/drawing/2014/main" id="{CA54982E-AB61-054D-362F-AE404AAD5213}"/>
-              </a:ext>
-            </a:extLst>
-          </p:cNvPr>
-          <p:cNvSpPr>
-            <a:spLocks noGrp="1"/>
-          </p:cNvSpPr>
-          <p:nvPr>
-            <p:ph idx="1"/>
-          </p:nvPr>
-        </p:nvSpPr>
-        <p:spPr/>
-        <p:txBody>
-          <a:bodyPr>
-            <a:normAutofit/>
-          </a:bodyPr>
-          <a:lstStyle/>
-          <a:p>
-            <a:r>
-              <a:rPr lang="en-IN" sz="2000" dirty="0"/>
-              <a:t>To create the Request module for Hotel/Orphanage user</a:t>
-            </a:r>
-          </a:p>
-          <a:p>
-            <a:r>
-              <a:rPr lang="en-IN" sz="2000" dirty="0"/>
-              <a:t>To create the Request Accept and Cancel process for Hotel/Orphanage</a:t>
-            </a:r>
-          </a:p>
-          <a:p>
-            <a:r>
-              <a:rPr lang="en-IN" sz="2000" dirty="0"/>
-              <a:t> To finish the Contact sharing between users</a:t>
-            </a:r>
-          </a:p>
-          <a:p>
-            <a:r>
-              <a:rPr lang="en-IN" sz="2000" dirty="0"/>
-              <a:t>To make Request not visible to other hotels when a request is Accepted by a hotel</a:t>
-            </a:r>
-          </a:p>
-          <a:p>
-            <a:r>
-              <a:rPr lang="en-IN" sz="2000" dirty="0"/>
-              <a:t>To make Request still visible to other hotels when one hotel cancelled the request</a:t>
-            </a:r>
-          </a:p>
-        </p:txBody>
-      </p:sp>
-    </p:spTree>
-    <p:extLst>
-      <p:ext uri="{BB962C8B-B14F-4D97-AF65-F5344CB8AC3E}">
-        <p14:creationId xmlns:p14="http://schemas.microsoft.com/office/powerpoint/2010/main" val="2763129124"/>
       </p:ext>
     </p:extLst>
   </p:cSld>
@@ -7575,6 +7611,122 @@
           <p:cNvPr id="2" name="Title 1">
             <a:extLst>
               <a:ext uri="{FF2B5EF4-FFF2-40B4-BE49-F238E27FC236}">
+                <a16:creationId xmlns:a16="http://schemas.microsoft.com/office/drawing/2014/main" id="{77EB3D63-A638-301B-8CE0-F92E8E58285A}"/>
+              </a:ext>
+            </a:extLst>
+          </p:cNvPr>
+          <p:cNvSpPr>
+            <a:spLocks noGrp="1"/>
+          </p:cNvSpPr>
+          <p:nvPr>
+            <p:ph type="title"/>
+          </p:nvPr>
+        </p:nvSpPr>
+        <p:spPr/>
+        <p:txBody>
+          <a:bodyPr/>
+          <a:lstStyle/>
+          <a:p>
+            <a:r>
+              <a:rPr lang="en-IN" b="1" dirty="0">
+                <a:solidFill>
+                  <a:srgbClr val="002060"/>
+                </a:solidFill>
+              </a:rPr>
+              <a:t>Work to be done</a:t>
+            </a:r>
+          </a:p>
+        </p:txBody>
+      </p:sp>
+      <p:sp>
+        <p:nvSpPr>
+          <p:cNvPr id="3" name="Content Placeholder 2">
+            <a:extLst>
+              <a:ext uri="{FF2B5EF4-FFF2-40B4-BE49-F238E27FC236}">
+                <a16:creationId xmlns:a16="http://schemas.microsoft.com/office/drawing/2014/main" id="{CA54982E-AB61-054D-362F-AE404AAD5213}"/>
+              </a:ext>
+            </a:extLst>
+          </p:cNvPr>
+          <p:cNvSpPr>
+            <a:spLocks noGrp="1"/>
+          </p:cNvSpPr>
+          <p:nvPr>
+            <p:ph idx="1"/>
+          </p:nvPr>
+        </p:nvSpPr>
+        <p:spPr/>
+        <p:txBody>
+          <a:bodyPr>
+            <a:normAutofit/>
+          </a:bodyPr>
+          <a:lstStyle/>
+          <a:p>
+            <a:r>
+              <a:rPr lang="en-IN" sz="2000" dirty="0"/>
+              <a:t>To create the Request module for Hotel/Orphanage user.</a:t>
+            </a:r>
+          </a:p>
+          <a:p>
+            <a:r>
+              <a:rPr lang="en-IN" sz="2000" dirty="0"/>
+              <a:t>To create the Request Accept and Cancel process for Hotel/Orphanage.</a:t>
+            </a:r>
+          </a:p>
+          <a:p>
+            <a:r>
+              <a:rPr lang="en-IN" sz="2000" dirty="0"/>
+              <a:t> To finish the Contact sharing between users.</a:t>
+            </a:r>
+          </a:p>
+          <a:p>
+            <a:r>
+              <a:rPr lang="en-IN" sz="2000" dirty="0"/>
+              <a:t>To make Request not visible to other hotels when a request is Accepted by a hotel.</a:t>
+            </a:r>
+          </a:p>
+          <a:p>
+            <a:r>
+              <a:rPr lang="en-IN" sz="2000" dirty="0"/>
+              <a:t>To make Request still visible to other hotels when one hotel cancelled the request.</a:t>
+            </a:r>
+          </a:p>
+        </p:txBody>
+      </p:sp>
+    </p:spTree>
+    <p:extLst>
+      <p:ext uri="{BB962C8B-B14F-4D97-AF65-F5344CB8AC3E}">
+        <p14:creationId xmlns:p14="http://schemas.microsoft.com/office/powerpoint/2010/main" val="2763129124"/>
+      </p:ext>
+    </p:extLst>
+  </p:cSld>
+  <p:clrMapOvr>
+    <a:masterClrMapping/>
+  </p:clrMapOvr>
+</p:sld>
+</file>
+
+<file path=ppt/slides/slide19.xml><?xml version="1.0" encoding="utf-8"?>
+<p:sld xmlns:a="http://schemas.openxmlformats.org/drawingml/2006/main" xmlns:r="http://schemas.openxmlformats.org/officeDocument/2006/relationships" xmlns:p="http://schemas.openxmlformats.org/presentationml/2006/main">
+  <p:cSld>
+    <p:spTree>
+      <p:nvGrpSpPr>
+        <p:cNvPr id="1" name=""/>
+        <p:cNvGrpSpPr/>
+        <p:nvPr/>
+      </p:nvGrpSpPr>
+      <p:grpSpPr>
+        <a:xfrm>
+          <a:off x="0" y="0"/>
+          <a:ext cx="0" cy="0"/>
+          <a:chOff x="0" y="0"/>
+          <a:chExt cx="0" cy="0"/>
+        </a:xfrm>
+      </p:grpSpPr>
+      <p:sp>
+        <p:nvSpPr>
+          <p:cNvPr id="2" name="Title 1">
+            <a:extLst>
+              <a:ext uri="{FF2B5EF4-FFF2-40B4-BE49-F238E27FC236}">
                 <a16:creationId xmlns:a16="http://schemas.microsoft.com/office/drawing/2014/main" id="{118FE81B-7ED7-3715-A39D-AC2320CAEA31}"/>
               </a:ext>
             </a:extLst>
@@ -8160,43 +8312,9 @@
 </p:sld>
 </file>
 
-<file path=ppt/slides/slide19.xml><?xml version="1.0" encoding="utf-8"?>
+<file path=ppt/slides/slide2.xml><?xml version="1.0" encoding="utf-8"?>
 <p:sld xmlns:a="http://schemas.openxmlformats.org/drawingml/2006/main" xmlns:r="http://schemas.openxmlformats.org/officeDocument/2006/relationships" xmlns:p="http://schemas.openxmlformats.org/presentationml/2006/main">
   <p:cSld>
-    <p:bg>
-      <p:bgPr>
-        <a:gradFill>
-          <a:gsLst>
-            <a:gs pos="0">
-              <a:schemeClr val="accent1">
-                <a:lumMod val="5000"/>
-                <a:lumOff val="95000"/>
-              </a:schemeClr>
-            </a:gs>
-            <a:gs pos="69000">
-              <a:schemeClr val="accent1">
-                <a:lumMod val="45000"/>
-                <a:lumOff val="55000"/>
-              </a:schemeClr>
-            </a:gs>
-            <a:gs pos="85000">
-              <a:schemeClr val="accent1">
-                <a:lumMod val="45000"/>
-                <a:lumOff val="55000"/>
-              </a:schemeClr>
-            </a:gs>
-            <a:gs pos="100000">
-              <a:schemeClr val="accent1">
-                <a:lumMod val="30000"/>
-                <a:lumOff val="70000"/>
-              </a:schemeClr>
-            </a:gs>
-          </a:gsLst>
-          <a:lin ang="5400000" scaled="1"/>
-        </a:gradFill>
-        <a:effectLst/>
-      </p:bgPr>
-    </p:bg>
     <p:spTree>
       <p:nvGrpSpPr>
         <p:cNvPr id="1" name=""/>
@@ -8216,7 +8334,7 @@
           <p:cNvPr id="2" name="Title 1">
             <a:extLst>
               <a:ext uri="{FF2B5EF4-FFF2-40B4-BE49-F238E27FC236}">
-                <a16:creationId xmlns:a16="http://schemas.microsoft.com/office/drawing/2014/main" id="{1E047D2B-3E3F-BEEC-0F7E-AA00B36CB248}"/>
+                <a16:creationId xmlns:a16="http://schemas.microsoft.com/office/drawing/2014/main" id="{47108610-B5B5-0633-C9DE-F126FDF2A5BA}"/>
               </a:ext>
             </a:extLst>
           </p:cNvPr>
@@ -8229,23 +8347,204 @@
         </p:nvSpPr>
         <p:spPr>
           <a:xfrm>
-            <a:off x="1136779" y="2679117"/>
-            <a:ext cx="9882674" cy="1325563"/>
-          </a:xfrm>
-        </p:spPr>
-        <p:txBody>
-          <a:bodyPr>
-            <a:normAutofit/>
-          </a:bodyPr>
-          <a:lstStyle/>
-          <a:p>
-            <a:r>
-              <a:rPr lang="en-IN" sz="4800" b="1" dirty="0">
+            <a:off x="838200" y="365125"/>
+            <a:ext cx="5693229" cy="857185"/>
+          </a:xfrm>
+        </p:spPr>
+        <p:txBody>
+          <a:bodyPr/>
+          <a:lstStyle/>
+          <a:p>
+            <a:r>
+              <a:rPr lang="en-IN" b="1" dirty="0">
                 <a:solidFill>
                   <a:srgbClr val="002060"/>
                 </a:solidFill>
               </a:rPr>
-              <a:t>Thank You</a:t>
+              <a:t>Abstract	(1/2)</a:t>
+            </a:r>
+          </a:p>
+        </p:txBody>
+      </p:sp>
+      <p:sp>
+        <p:nvSpPr>
+          <p:cNvPr id="3" name="Content Placeholder 2">
+            <a:extLst>
+              <a:ext uri="{FF2B5EF4-FFF2-40B4-BE49-F238E27FC236}">
+                <a16:creationId xmlns:a16="http://schemas.microsoft.com/office/drawing/2014/main" id="{1B9BAFAC-F35B-9E32-A33E-DAC189BC2CBA}"/>
+              </a:ext>
+            </a:extLst>
+          </p:cNvPr>
+          <p:cNvSpPr>
+            <a:spLocks noGrp="1"/>
+          </p:cNvSpPr>
+          <p:nvPr>
+            <p:ph idx="1"/>
+          </p:nvPr>
+        </p:nvSpPr>
+        <p:spPr>
+          <a:xfrm>
+            <a:off x="838200" y="1478943"/>
+            <a:ext cx="10515600" cy="4698020"/>
+          </a:xfrm>
+        </p:spPr>
+        <p:txBody>
+          <a:bodyPr>
+            <a:noAutofit/>
+          </a:bodyPr>
+          <a:lstStyle/>
+          <a:p>
+            <a:pPr marL="0" marR="0" indent="0">
+              <a:lnSpc>
+                <a:spcPct val="107000"/>
+              </a:lnSpc>
+              <a:spcBef>
+                <a:spcPts val="0"/>
+              </a:spcBef>
+              <a:spcAft>
+                <a:spcPts val="800"/>
+              </a:spcAft>
+              <a:buNone/>
+            </a:pPr>
+            <a:r>
+              <a:rPr lang="en-IN" sz="1800" kern="100" dirty="0">
+                <a:effectLst/>
+                <a:latin typeface="Calibri" panose="020F0502020204030204" pitchFamily="34" charset="0"/>
+                <a:ea typeface="Calibri" panose="020F0502020204030204" pitchFamily="34" charset="0"/>
+                <a:cs typeface="Times New Roman" panose="02020603050405020304" pitchFamily="18" charset="0"/>
+              </a:rPr>
+              <a:t>	Food Bridge addresses the critical issue of food waste and hunger by facilitating a seamless connection between hotels with excess food and nearby orphanages in need. This project introduces a web application that acts as a communication bridge, sending real-time alerts to orphanages and other relevant organizations about available surplus food at hotels.</a:t>
+            </a:r>
+          </a:p>
+          <a:p>
+            <a:pPr marL="0" marR="0" indent="0">
+              <a:lnSpc>
+                <a:spcPct val="107000"/>
+              </a:lnSpc>
+              <a:spcBef>
+                <a:spcPts val="200"/>
+              </a:spcBef>
+              <a:spcAft>
+                <a:spcPts val="0"/>
+              </a:spcAft>
+              <a:buNone/>
+            </a:pPr>
+            <a:r>
+              <a:rPr lang="en-IN" sz="1800" b="1" kern="100" dirty="0">
+                <a:solidFill>
+                  <a:srgbClr val="2F5496"/>
+                </a:solidFill>
+                <a:effectLst/>
+                <a:latin typeface="Calibri Light" panose="020F0302020204030204" pitchFamily="34" charset="0"/>
+                <a:ea typeface="Times New Roman" panose="02020603050405020304" pitchFamily="18" charset="0"/>
+                <a:cs typeface="Times New Roman" panose="02020603050405020304" pitchFamily="18" charset="0"/>
+              </a:rPr>
+              <a:t>Motivation:</a:t>
+            </a:r>
+          </a:p>
+          <a:p>
+            <a:pPr marL="0" marR="0" indent="0">
+              <a:lnSpc>
+                <a:spcPct val="107000"/>
+              </a:lnSpc>
+              <a:spcBef>
+                <a:spcPts val="0"/>
+              </a:spcBef>
+              <a:spcAft>
+                <a:spcPts val="800"/>
+              </a:spcAft>
+              <a:buNone/>
+            </a:pPr>
+            <a:r>
+              <a:rPr lang="en-IN" sz="1800" kern="100" dirty="0">
+                <a:effectLst/>
+                <a:latin typeface="Calibri" panose="020F0502020204030204" pitchFamily="34" charset="0"/>
+                <a:ea typeface="Calibri" panose="020F0502020204030204" pitchFamily="34" charset="0"/>
+                <a:cs typeface="Times New Roman" panose="02020603050405020304" pitchFamily="18" charset="0"/>
+              </a:rPr>
+              <a:t>	Millions of tons of edible food are discarded annually by hotels, while many individuals and organizations struggle with food insecurity. Food Bridge aims to bridge this gap by creating a sustainable and efficient system for food redistribution.</a:t>
+            </a:r>
+          </a:p>
+          <a:p>
+            <a:pPr marL="0" marR="0" indent="0">
+              <a:lnSpc>
+                <a:spcPct val="107000"/>
+              </a:lnSpc>
+              <a:spcBef>
+                <a:spcPts val="200"/>
+              </a:spcBef>
+              <a:spcAft>
+                <a:spcPts val="0"/>
+              </a:spcAft>
+              <a:buNone/>
+            </a:pPr>
+            <a:r>
+              <a:rPr lang="en-IN" sz="1800" b="1" kern="100" dirty="0">
+                <a:solidFill>
+                  <a:srgbClr val="2F5496"/>
+                </a:solidFill>
+                <a:effectLst/>
+                <a:latin typeface="Calibri Light" panose="020F0302020204030204" pitchFamily="34" charset="0"/>
+                <a:ea typeface="Times New Roman" panose="02020603050405020304" pitchFamily="18" charset="0"/>
+                <a:cs typeface="Times New Roman" panose="02020603050405020304" pitchFamily="18" charset="0"/>
+              </a:rPr>
+              <a:t>Methodology:</a:t>
+            </a:r>
+          </a:p>
+          <a:p>
+            <a:pPr>
+              <a:lnSpc>
+                <a:spcPct val="107000"/>
+              </a:lnSpc>
+              <a:spcBef>
+                <a:spcPts val="0"/>
+              </a:spcBef>
+            </a:pPr>
+            <a:r>
+              <a:rPr lang="en-IN" sz="1800" b="1" kern="100" dirty="0">
+                <a:effectLst/>
+                <a:latin typeface="Calibri" panose="020F0502020204030204" pitchFamily="34" charset="0"/>
+                <a:ea typeface="Calibri" panose="020F0502020204030204" pitchFamily="34" charset="0"/>
+                <a:cs typeface="Times New Roman" panose="02020603050405020304" pitchFamily="18" charset="0"/>
+              </a:rPr>
+              <a:t>Web application development: </a:t>
+            </a:r>
+            <a:r>
+              <a:rPr lang="en-IN" sz="1800" kern="100" dirty="0">
+                <a:effectLst/>
+                <a:latin typeface="Calibri" panose="020F0502020204030204" pitchFamily="34" charset="0"/>
+                <a:ea typeface="Calibri" panose="020F0502020204030204" pitchFamily="34" charset="0"/>
+                <a:cs typeface="Times New Roman" panose="02020603050405020304" pitchFamily="18" charset="0"/>
+              </a:rPr>
+              <a:t>Food Bridge offers a user-friendly interface for both hotels and orphanages to register and manage their needs.</a:t>
+            </a:r>
+          </a:p>
+          <a:p>
+            <a:pPr>
+              <a:lnSpc>
+                <a:spcPct val="107000"/>
+              </a:lnSpc>
+              <a:spcBef>
+                <a:spcPts val="0"/>
+              </a:spcBef>
+            </a:pPr>
+            <a:r>
+              <a:rPr lang="en-IN" sz="1800" b="1" kern="100" dirty="0">
+                <a:effectLst/>
+                <a:latin typeface="Calibri" panose="020F0502020204030204" pitchFamily="34" charset="0"/>
+                <a:ea typeface="Calibri" panose="020F0502020204030204" pitchFamily="34" charset="0"/>
+                <a:cs typeface="Times New Roman" panose="02020603050405020304" pitchFamily="18" charset="0"/>
+              </a:rPr>
+              <a:t>Real-time notification system: </a:t>
+            </a:r>
+            <a:r>
+              <a:rPr lang="en-IN" sz="1800" kern="100" dirty="0">
+                <a:effectLst/>
+                <a:latin typeface="Calibri" panose="020F0502020204030204" pitchFamily="34" charset="0"/>
+                <a:ea typeface="Calibri" panose="020F0502020204030204" pitchFamily="34" charset="0"/>
+                <a:cs typeface="Times New Roman" panose="02020603050405020304" pitchFamily="18" charset="0"/>
+              </a:rPr>
+              <a:t>Hotels can post alerts about available surplus food, specifying type, quantity, and pickup time. Orphanages and other authorized recipients receive instant notifications based on their location and preferences.</a:t>
             </a:r>
           </a:p>
         </p:txBody>
@@ -8253,7 +8552,7 @@
     </p:spTree>
     <p:extLst>
       <p:ext uri="{BB962C8B-B14F-4D97-AF65-F5344CB8AC3E}">
-        <p14:creationId xmlns:p14="http://schemas.microsoft.com/office/powerpoint/2010/main" val="866735357"/>
+        <p14:creationId xmlns:p14="http://schemas.microsoft.com/office/powerpoint/2010/main" val="4200265523"/>
       </p:ext>
     </p:extLst>
   </p:cSld>
@@ -8263,43 +8562,9 @@
 </p:sld>
 </file>
 
-<file path=ppt/slides/slide2.xml><?xml version="1.0" encoding="utf-8"?>
+<file path=ppt/slides/slide20.xml><?xml version="1.0" encoding="utf-8"?>
 <p:sld xmlns:a="http://schemas.openxmlformats.org/drawingml/2006/main" xmlns:r="http://schemas.openxmlformats.org/officeDocument/2006/relationships" xmlns:p="http://schemas.openxmlformats.org/presentationml/2006/main">
   <p:cSld>
-    <p:bg>
-      <p:bgPr>
-        <a:gradFill>
-          <a:gsLst>
-            <a:gs pos="0">
-              <a:schemeClr val="accent1">
-                <a:lumMod val="5000"/>
-                <a:lumOff val="95000"/>
-              </a:schemeClr>
-            </a:gs>
-            <a:gs pos="86000">
-              <a:schemeClr val="accent1">
-                <a:lumMod val="45000"/>
-                <a:lumOff val="55000"/>
-              </a:schemeClr>
-            </a:gs>
-            <a:gs pos="94000">
-              <a:schemeClr val="accent1">
-                <a:lumMod val="45000"/>
-                <a:lumOff val="55000"/>
-              </a:schemeClr>
-            </a:gs>
-            <a:gs pos="100000">
-              <a:schemeClr val="accent1">
-                <a:lumMod val="30000"/>
-                <a:lumOff val="70000"/>
-              </a:schemeClr>
-            </a:gs>
-          </a:gsLst>
-          <a:lin ang="5400000" scaled="1"/>
-        </a:gradFill>
-        <a:effectLst/>
-      </p:bgPr>
-    </p:bg>
     <p:spTree>
       <p:nvGrpSpPr>
         <p:cNvPr id="1" name=""/>
@@ -8319,7 +8584,7 @@
           <p:cNvPr id="2" name="Title 1">
             <a:extLst>
               <a:ext uri="{FF2B5EF4-FFF2-40B4-BE49-F238E27FC236}">
-                <a16:creationId xmlns:a16="http://schemas.microsoft.com/office/drawing/2014/main" id="{47108610-B5B5-0633-C9DE-F126FDF2A5BA}"/>
+                <a16:creationId xmlns:a16="http://schemas.microsoft.com/office/drawing/2014/main" id="{1E047D2B-3E3F-BEEC-0F7E-AA00B36CB248}"/>
               </a:ext>
             </a:extLst>
           </p:cNvPr>
@@ -8330,209 +8595,25 @@
             <p:ph type="title"/>
           </p:nvPr>
         </p:nvSpPr>
-        <p:spPr/>
-        <p:txBody>
-          <a:bodyPr/>
-          <a:lstStyle/>
-          <a:p>
-            <a:r>
-              <a:rPr lang="en-IN" b="1" dirty="0">
+        <p:spPr>
+          <a:xfrm>
+            <a:off x="1136779" y="2679117"/>
+            <a:ext cx="9882674" cy="1325563"/>
+          </a:xfrm>
+        </p:spPr>
+        <p:txBody>
+          <a:bodyPr>
+            <a:normAutofit/>
+          </a:bodyPr>
+          <a:lstStyle/>
+          <a:p>
+            <a:r>
+              <a:rPr lang="en-IN" sz="4800" b="1" dirty="0">
                 <a:solidFill>
                   <a:srgbClr val="002060"/>
                 </a:solidFill>
               </a:rPr>
-              <a:t>Abstract</a:t>
-            </a:r>
-          </a:p>
-        </p:txBody>
-      </p:sp>
-      <p:sp>
-        <p:nvSpPr>
-          <p:cNvPr id="3" name="Content Placeholder 2">
-            <a:extLst>
-              <a:ext uri="{FF2B5EF4-FFF2-40B4-BE49-F238E27FC236}">
-                <a16:creationId xmlns:a16="http://schemas.microsoft.com/office/drawing/2014/main" id="{1B9BAFAC-F35B-9E32-A33E-DAC189BC2CBA}"/>
-              </a:ext>
-            </a:extLst>
-          </p:cNvPr>
-          <p:cNvSpPr>
-            <a:spLocks noGrp="1"/>
-          </p:cNvSpPr>
-          <p:nvPr>
-            <p:ph idx="1"/>
-          </p:nvPr>
-        </p:nvSpPr>
-        <p:spPr>
-          <a:xfrm>
-            <a:off x="838200" y="1478943"/>
-            <a:ext cx="10515600" cy="4698020"/>
-          </a:xfrm>
-        </p:spPr>
-        <p:txBody>
-          <a:bodyPr>
-            <a:noAutofit/>
-          </a:bodyPr>
-          <a:lstStyle/>
-          <a:p>
-            <a:pPr marL="0" marR="0">
-              <a:lnSpc>
-                <a:spcPct val="107000"/>
-              </a:lnSpc>
-              <a:spcBef>
-                <a:spcPts val="0"/>
-              </a:spcBef>
-              <a:spcAft>
-                <a:spcPts val="800"/>
-              </a:spcAft>
-            </a:pPr>
-            <a:r>
-              <a:rPr lang="en-IN" sz="1800" kern="100" dirty="0">
-                <a:effectLst/>
-                <a:latin typeface="Calibri" panose="020F0502020204030204" pitchFamily="34" charset="0"/>
-                <a:ea typeface="Calibri" panose="020F0502020204030204" pitchFamily="34" charset="0"/>
-                <a:cs typeface="Times New Roman" panose="02020603050405020304" pitchFamily="18" charset="0"/>
-              </a:rPr>
-              <a:t>Food Bridge addresses the critical issue of food waste and hunger by facilitating a seamless connection between hotels with excess food and nearby orphanages in need. This project introduces a web application that acts as a communication bridge, sending real-time alerts to orphanages and other relevant organizations about available surplus food at hotels.</a:t>
-            </a:r>
-          </a:p>
-          <a:p>
-            <a:pPr marL="0" marR="0" indent="0">
-              <a:lnSpc>
-                <a:spcPct val="107000"/>
-              </a:lnSpc>
-              <a:spcBef>
-                <a:spcPts val="200"/>
-              </a:spcBef>
-              <a:spcAft>
-                <a:spcPts val="0"/>
-              </a:spcAft>
-              <a:buNone/>
-            </a:pPr>
-            <a:r>
-              <a:rPr lang="en-IN" sz="1800" b="1" kern="100" dirty="0">
-                <a:solidFill>
-                  <a:srgbClr val="2F5496"/>
-                </a:solidFill>
-                <a:effectLst/>
-                <a:latin typeface="Calibri Light" panose="020F0302020204030204" pitchFamily="34" charset="0"/>
-                <a:ea typeface="Times New Roman" panose="02020603050405020304" pitchFamily="18" charset="0"/>
-                <a:cs typeface="Times New Roman" panose="02020603050405020304" pitchFamily="18" charset="0"/>
-              </a:rPr>
-              <a:t>Motivation:</a:t>
-            </a:r>
-          </a:p>
-          <a:p>
-            <a:pPr marL="0" marR="0">
-              <a:lnSpc>
-                <a:spcPct val="107000"/>
-              </a:lnSpc>
-              <a:spcBef>
-                <a:spcPts val="0"/>
-              </a:spcBef>
-              <a:spcAft>
-                <a:spcPts val="800"/>
-              </a:spcAft>
-            </a:pPr>
-            <a:r>
-              <a:rPr lang="en-IN" sz="1800" kern="100" dirty="0">
-                <a:effectLst/>
-                <a:latin typeface="Calibri" panose="020F0502020204030204" pitchFamily="34" charset="0"/>
-                <a:ea typeface="Calibri" panose="020F0502020204030204" pitchFamily="34" charset="0"/>
-                <a:cs typeface="Times New Roman" panose="02020603050405020304" pitchFamily="18" charset="0"/>
-              </a:rPr>
-              <a:t>Millions of tons of edible food are discarded annually by hotels, while many individuals and organizations struggle with food insecurity. Food Bridge aims to bridge this gap by creating a sustainable and efficient system for food redistribution.</a:t>
-            </a:r>
-          </a:p>
-          <a:p>
-            <a:pPr marL="0" marR="0" indent="0">
-              <a:lnSpc>
-                <a:spcPct val="107000"/>
-              </a:lnSpc>
-              <a:spcBef>
-                <a:spcPts val="200"/>
-              </a:spcBef>
-              <a:spcAft>
-                <a:spcPts val="0"/>
-              </a:spcAft>
-              <a:buNone/>
-            </a:pPr>
-            <a:r>
-              <a:rPr lang="en-IN" sz="1800" b="1" kern="100" dirty="0">
-                <a:solidFill>
-                  <a:srgbClr val="2F5496"/>
-                </a:solidFill>
-                <a:effectLst/>
-                <a:latin typeface="Calibri Light" panose="020F0302020204030204" pitchFamily="34" charset="0"/>
-                <a:ea typeface="Times New Roman" panose="02020603050405020304" pitchFamily="18" charset="0"/>
-                <a:cs typeface="Times New Roman" panose="02020603050405020304" pitchFamily="18" charset="0"/>
-              </a:rPr>
-              <a:t>Methodology:</a:t>
-            </a:r>
-          </a:p>
-          <a:p>
-            <a:pPr marL="342900" marR="0" lvl="0" indent="-342900">
-              <a:lnSpc>
-                <a:spcPct val="107000"/>
-              </a:lnSpc>
-              <a:spcBef>
-                <a:spcPts val="0"/>
-              </a:spcBef>
-              <a:spcAft>
-                <a:spcPts val="0"/>
-              </a:spcAft>
-              <a:buFont typeface="Symbol" panose="05050102010706020507" pitchFamily="18" charset="2"/>
-              <a:buChar char=""/>
-            </a:pPr>
-            <a:r>
-              <a:rPr lang="en-IN" sz="1800" b="1" kern="100" dirty="0">
-                <a:effectLst/>
-                <a:latin typeface="Calibri" panose="020F0502020204030204" pitchFamily="34" charset="0"/>
-                <a:ea typeface="Calibri" panose="020F0502020204030204" pitchFamily="34" charset="0"/>
-                <a:cs typeface="Times New Roman" panose="02020603050405020304" pitchFamily="18" charset="0"/>
-              </a:rPr>
-              <a:t>Web application development: </a:t>
-            </a:r>
-            <a:r>
-              <a:rPr lang="en-IN" sz="1800" kern="100" dirty="0">
-                <a:effectLst/>
-                <a:latin typeface="Calibri" panose="020F0502020204030204" pitchFamily="34" charset="0"/>
-                <a:ea typeface="Calibri" panose="020F0502020204030204" pitchFamily="34" charset="0"/>
-                <a:cs typeface="Times New Roman" panose="02020603050405020304" pitchFamily="18" charset="0"/>
-              </a:rPr>
-              <a:t>Food Bridge offers a user-friendly interface for both hotels and orphanages to register and manage their needs.</a:t>
-            </a:r>
-          </a:p>
-          <a:p>
-            <a:pPr marL="342900" marR="0" lvl="0" indent="-342900">
-              <a:lnSpc>
-                <a:spcPct val="107000"/>
-              </a:lnSpc>
-              <a:spcBef>
-                <a:spcPts val="0"/>
-              </a:spcBef>
-              <a:spcAft>
-                <a:spcPts val="0"/>
-              </a:spcAft>
-              <a:buFont typeface="Symbol" panose="05050102010706020507" pitchFamily="18" charset="2"/>
-              <a:buChar char=""/>
-            </a:pPr>
-            <a:r>
-              <a:rPr lang="en-IN" sz="1800" b="1" kern="100" dirty="0">
-                <a:effectLst/>
-                <a:latin typeface="Calibri" panose="020F0502020204030204" pitchFamily="34" charset="0"/>
-                <a:ea typeface="Calibri" panose="020F0502020204030204" pitchFamily="34" charset="0"/>
-                <a:cs typeface="Times New Roman" panose="02020603050405020304" pitchFamily="18" charset="0"/>
-              </a:rPr>
-              <a:t>Real-time notification system: </a:t>
-            </a:r>
-            <a:r>
-              <a:rPr lang="en-IN" sz="1800" kern="100" dirty="0">
-                <a:effectLst/>
-                <a:latin typeface="Calibri" panose="020F0502020204030204" pitchFamily="34" charset="0"/>
-                <a:ea typeface="Calibri" panose="020F0502020204030204" pitchFamily="34" charset="0"/>
-                <a:cs typeface="Times New Roman" panose="02020603050405020304" pitchFamily="18" charset="0"/>
-              </a:rPr>
-              <a:t>Hotels can post alerts about available surplus food, specifying type, quantity, and pickup time. Orphanages and other authorized recipients receive instant notifications based on their location and preferences.</a:t>
+              <a:t>Thank You</a:t>
             </a:r>
           </a:p>
         </p:txBody>
@@ -8540,7 +8621,7 @@
     </p:spTree>
     <p:extLst>
       <p:ext uri="{BB962C8B-B14F-4D97-AF65-F5344CB8AC3E}">
-        <p14:creationId xmlns:p14="http://schemas.microsoft.com/office/powerpoint/2010/main" val="4200265523"/>
+        <p14:creationId xmlns:p14="http://schemas.microsoft.com/office/powerpoint/2010/main" val="866735357"/>
       </p:ext>
     </p:extLst>
   </p:cSld>
@@ -8553,40 +8634,6 @@
 <file path=ppt/slides/slide3.xml><?xml version="1.0" encoding="utf-8"?>
 <p:sld xmlns:a="http://schemas.openxmlformats.org/drawingml/2006/main" xmlns:r="http://schemas.openxmlformats.org/officeDocument/2006/relationships" xmlns:p="http://schemas.openxmlformats.org/presentationml/2006/main">
   <p:cSld>
-    <p:bg>
-      <p:bgPr>
-        <a:gradFill>
-          <a:gsLst>
-            <a:gs pos="0">
-              <a:schemeClr val="accent1">
-                <a:lumMod val="5000"/>
-                <a:lumOff val="95000"/>
-              </a:schemeClr>
-            </a:gs>
-            <a:gs pos="86000">
-              <a:schemeClr val="accent1">
-                <a:lumMod val="45000"/>
-                <a:lumOff val="55000"/>
-              </a:schemeClr>
-            </a:gs>
-            <a:gs pos="94000">
-              <a:schemeClr val="accent1">
-                <a:lumMod val="45000"/>
-                <a:lumOff val="55000"/>
-              </a:schemeClr>
-            </a:gs>
-            <a:gs pos="100000">
-              <a:schemeClr val="accent1">
-                <a:lumMod val="30000"/>
-                <a:lumOff val="70000"/>
-              </a:schemeClr>
-            </a:gs>
-          </a:gsLst>
-          <a:lin ang="5400000" scaled="1"/>
-        </a:gradFill>
-        <a:effectLst/>
-      </p:bgPr>
-    </p:bg>
     <p:spTree>
       <p:nvGrpSpPr>
         <p:cNvPr id="1" name=""/>
@@ -8617,7 +8664,12 @@
             <p:ph type="title"/>
           </p:nvPr>
         </p:nvSpPr>
-        <p:spPr/>
+        <p:spPr>
+          <a:xfrm>
+            <a:off x="838200" y="365126"/>
+            <a:ext cx="5257800" cy="1025136"/>
+          </a:xfrm>
+        </p:spPr>
         <p:txBody>
           <a:bodyPr/>
           <a:lstStyle/>
@@ -8628,7 +8680,7 @@
                   <a:srgbClr val="002060"/>
                 </a:solidFill>
               </a:rPr>
-              <a:t>Abstract</a:t>
+              <a:t>Abstract	(2/2)</a:t>
             </a:r>
           </a:p>
         </p:txBody>
@@ -8668,6 +8720,7 @@
               <a:spcBef>
                 <a:spcPts val="200"/>
               </a:spcBef>
+              <a:buSzPct val="100000"/>
             </a:pPr>
             <a:r>
               <a:rPr lang="en-IN" sz="1800" b="1" kern="100" dirty="0">
@@ -8738,18 +8791,13 @@
             </a:r>
           </a:p>
           <a:p>
-            <a:pPr marL="342900" marR="0" lvl="0" indent="-342900">
+            <a:pPr>
               <a:lnSpc>
                 <a:spcPct val="107000"/>
               </a:lnSpc>
               <a:spcBef>
                 <a:spcPts val="0"/>
               </a:spcBef>
-              <a:spcAft>
-                <a:spcPts val="0"/>
-              </a:spcAft>
-              <a:buFont typeface="Symbol" panose="05050102010706020507" pitchFamily="18" charset="2"/>
-              <a:buChar char=""/>
             </a:pPr>
             <a:r>
               <a:rPr lang="en-IN" sz="1800" b="1" kern="100" dirty="0">
@@ -8771,18 +8819,13 @@
             </a:r>
           </a:p>
           <a:p>
-            <a:pPr marL="342900" marR="0" lvl="0" indent="-342900">
+            <a:pPr>
               <a:lnSpc>
                 <a:spcPct val="107000"/>
               </a:lnSpc>
               <a:spcBef>
                 <a:spcPts val="0"/>
               </a:spcBef>
-              <a:spcAft>
-                <a:spcPts val="0"/>
-              </a:spcAft>
-              <a:buFont typeface="Symbol" panose="05050102010706020507" pitchFamily="18" charset="2"/>
-              <a:buChar char=""/>
             </a:pPr>
             <a:r>
               <a:rPr lang="en-IN" sz="1800" b="1" kern="100" dirty="0">
@@ -8804,7 +8847,7 @@
             </a:r>
           </a:p>
           <a:p>
-            <a:pPr marL="342900" marR="0" lvl="0" indent="-342900">
+            <a:pPr>
               <a:lnSpc>
                 <a:spcPct val="107000"/>
               </a:lnSpc>
@@ -8814,8 +8857,6 @@
               <a:spcAft>
                 <a:spcPts val="800"/>
               </a:spcAft>
-              <a:buFont typeface="Symbol" panose="05050102010706020507" pitchFamily="18" charset="2"/>
-              <a:buChar char=""/>
             </a:pPr>
             <a:r>
               <a:rPr lang="en-IN" sz="1800" b="1" kern="100" dirty="0">
@@ -8863,6 +8904,9 @@
             </a:r>
           </a:p>
           <a:p>
+            <a:pPr marL="0" indent="0">
+              <a:buNone/>
+            </a:pPr>
             <a:r>
               <a:rPr lang="en-IN" sz="1800" dirty="0">
                 <a:effectLst/>
@@ -8870,7 +8914,7 @@
                 <a:ea typeface="Calibri" panose="020F0502020204030204" pitchFamily="34" charset="0"/>
                 <a:cs typeface="Times New Roman" panose="02020603050405020304" pitchFamily="18" charset="0"/>
               </a:rPr>
-              <a:t>Food Bridge presents a promising solution to address food waste and hunger simultaneously. The project contributes to a more sustainable and equitable food system by connecting those with excess food to those in need.</a:t>
+              <a:t>	Food Bridge presents a promising solution to address food waste and hunger simultaneously. The project contributes to a more sustainable and equitable food system by connecting those with excess food to those in need.</a:t>
             </a:r>
             <a:endParaRPr lang="en-IN" sz="1800" dirty="0"/>
           </a:p>
@@ -8892,40 +8936,6 @@
 <file path=ppt/slides/slide4.xml><?xml version="1.0" encoding="utf-8"?>
 <p:sld xmlns:a="http://schemas.openxmlformats.org/drawingml/2006/main" xmlns:r="http://schemas.openxmlformats.org/officeDocument/2006/relationships" xmlns:p="http://schemas.openxmlformats.org/presentationml/2006/main">
   <p:cSld>
-    <p:bg>
-      <p:bgPr>
-        <a:gradFill>
-          <a:gsLst>
-            <a:gs pos="0">
-              <a:schemeClr val="accent1">
-                <a:lumMod val="5000"/>
-                <a:lumOff val="95000"/>
-              </a:schemeClr>
-            </a:gs>
-            <a:gs pos="86000">
-              <a:schemeClr val="accent1">
-                <a:lumMod val="45000"/>
-                <a:lumOff val="55000"/>
-              </a:schemeClr>
-            </a:gs>
-            <a:gs pos="94000">
-              <a:schemeClr val="accent1">
-                <a:lumMod val="45000"/>
-                <a:lumOff val="55000"/>
-              </a:schemeClr>
-            </a:gs>
-            <a:gs pos="100000">
-              <a:schemeClr val="accent1">
-                <a:lumMod val="30000"/>
-                <a:lumOff val="70000"/>
-              </a:schemeClr>
-            </a:gs>
-          </a:gsLst>
-          <a:lin ang="5400000" scaled="1"/>
-        </a:gradFill>
-        <a:effectLst/>
-      </p:bgPr>
-    </p:bg>
     <p:spTree>
       <p:nvGrpSpPr>
         <p:cNvPr id="1" name=""/>
@@ -8956,7 +8966,12 @@
             <p:ph type="title"/>
           </p:nvPr>
         </p:nvSpPr>
-        <p:spPr/>
+        <p:spPr>
+          <a:xfrm>
+            <a:off x="838200" y="365125"/>
+            <a:ext cx="8604380" cy="1127773"/>
+          </a:xfrm>
+        </p:spPr>
         <p:txBody>
           <a:bodyPr/>
           <a:lstStyle/>
@@ -9000,11 +9015,11 @@
               <a:buAutoNum type="arabicPeriod"/>
             </a:pPr>
             <a:r>
-              <a:rPr lang="en-US" sz="1800" b="1" dirty="0"/>
+              <a:rPr lang="en-US" sz="2000" b="1" dirty="0"/>
               <a:t>Reduce food waste:</a:t>
             </a:r>
             <a:r>
-              <a:rPr lang="en-US" sz="1800" dirty="0"/>
+              <a:rPr lang="en-US" sz="2000" dirty="0"/>
               <a:t> Develop a system that diverts surplus edible food from hotels away from landfills.</a:t>
             </a:r>
           </a:p>
@@ -9014,11 +9029,11 @@
               <a:buAutoNum type="arabicPeriod"/>
             </a:pPr>
             <a:r>
-              <a:rPr lang="en-US" sz="1800" b="1" dirty="0"/>
+              <a:rPr lang="en-US" sz="2000" b="1" dirty="0"/>
               <a:t>Enhance food security:</a:t>
             </a:r>
             <a:r>
-              <a:rPr lang="en-US" sz="1800" dirty="0"/>
+              <a:rPr lang="en-US" sz="2000" dirty="0"/>
               <a:t> Provide orphanages and other designated recipients with access to nutritious meals they might otherwise lack.</a:t>
             </a:r>
           </a:p>
@@ -9028,11 +9043,11 @@
               <a:buAutoNum type="arabicPeriod"/>
             </a:pPr>
             <a:r>
-              <a:rPr lang="en-US" sz="1800" b="1" dirty="0"/>
+              <a:rPr lang="en-US" sz="2000" b="1" dirty="0"/>
               <a:t>Improve efficiency and sustainability:</a:t>
             </a:r>
             <a:r>
-              <a:rPr lang="en-US" sz="1800" dirty="0"/>
+              <a:rPr lang="en-US" sz="2000" dirty="0"/>
               <a:t> Create a streamlined process for food redistribution within the community.</a:t>
             </a:r>
           </a:p>
@@ -9042,11 +9057,11 @@
               <a:buAutoNum type="arabicPeriod"/>
             </a:pPr>
             <a:r>
-              <a:rPr lang="en-US" sz="1800" b="1" dirty="0"/>
+              <a:rPr lang="en-US" sz="2000" b="1" dirty="0"/>
               <a:t>Foster social responsibility:</a:t>
             </a:r>
             <a:r>
-              <a:rPr lang="en-US" sz="1800" dirty="0"/>
+              <a:rPr lang="en-US" sz="2000" dirty="0"/>
               <a:t> Encourage collaboration between hotels and social service organizations.</a:t>
             </a:r>
           </a:p>
@@ -9068,40 +9083,6 @@
 <file path=ppt/slides/slide5.xml><?xml version="1.0" encoding="utf-8"?>
 <p:sld xmlns:a="http://schemas.openxmlformats.org/drawingml/2006/main" xmlns:r="http://schemas.openxmlformats.org/officeDocument/2006/relationships" xmlns:p="http://schemas.openxmlformats.org/presentationml/2006/main">
   <p:cSld>
-    <p:bg>
-      <p:bgPr>
-        <a:gradFill>
-          <a:gsLst>
-            <a:gs pos="0">
-              <a:schemeClr val="accent1">
-                <a:lumMod val="5000"/>
-                <a:lumOff val="95000"/>
-              </a:schemeClr>
-            </a:gs>
-            <a:gs pos="86000">
-              <a:schemeClr val="accent1">
-                <a:lumMod val="45000"/>
-                <a:lumOff val="55000"/>
-              </a:schemeClr>
-            </a:gs>
-            <a:gs pos="94000">
-              <a:schemeClr val="accent1">
-                <a:lumMod val="45000"/>
-                <a:lumOff val="55000"/>
-              </a:schemeClr>
-            </a:gs>
-            <a:gs pos="100000">
-              <a:schemeClr val="accent1">
-                <a:lumMod val="30000"/>
-                <a:lumOff val="70000"/>
-              </a:schemeClr>
-            </a:gs>
-          </a:gsLst>
-          <a:lin ang="5400000" scaled="1"/>
-        </a:gradFill>
-        <a:effectLst/>
-      </p:bgPr>
-    </p:bg>
     <p:spTree>
       <p:nvGrpSpPr>
         <p:cNvPr id="1" name=""/>
@@ -9132,7 +9113,12 @@
             <p:ph type="title"/>
           </p:nvPr>
         </p:nvSpPr>
-        <p:spPr/>
+        <p:spPr>
+          <a:xfrm>
+            <a:off x="838200" y="365126"/>
+            <a:ext cx="7064829" cy="1146434"/>
+          </a:xfrm>
+        </p:spPr>
         <p:txBody>
           <a:bodyPr/>
           <a:lstStyle/>
@@ -9176,14 +9162,14 @@
               <a:buAutoNum type="arabicPeriod"/>
             </a:pPr>
             <a:r>
-              <a:rPr lang="en-US" sz="1800" b="1" dirty="0"/>
+              <a:rPr lang="en-US" sz="2000" b="1" dirty="0"/>
               <a:t>User registration and management:</a:t>
             </a:r>
             <a:r>
-              <a:rPr lang="en-US" sz="1800" dirty="0"/>
+              <a:rPr lang="en-US" sz="2000" dirty="0"/>
               <a:t> Allow hotels and authorized recipient organizations to register and maintain their profiles within the application.</a:t>
             </a:r>
-            <a:endParaRPr lang="en-US" sz="1800" b="1" dirty="0"/>
+            <a:endParaRPr lang="en-US" sz="2000" b="1" dirty="0"/>
           </a:p>
           <a:p>
             <a:pPr marL="514350" indent="-514350">
@@ -9191,11 +9177,11 @@
               <a:buAutoNum type="arabicPeriod"/>
             </a:pPr>
             <a:r>
-              <a:rPr lang="en-US" sz="1800" b="1" dirty="0"/>
+              <a:rPr lang="en-US" sz="2000" b="1" dirty="0"/>
               <a:t>Surplus food posting:</a:t>
             </a:r>
             <a:r>
-              <a:rPr lang="en-US" sz="1800" dirty="0"/>
+              <a:rPr lang="en-US" sz="2000" dirty="0"/>
               <a:t> Enable hotels to post real-time alerts about available surplus food, including details like type, quantity, and preferred pick-up window.</a:t>
             </a:r>
           </a:p>
@@ -9205,11 +9191,11 @@
               <a:buAutoNum type="arabicPeriod"/>
             </a:pPr>
             <a:r>
-              <a:rPr lang="en-US" sz="1800" b="1" dirty="0"/>
+              <a:rPr lang="en-US" sz="2000" b="1" dirty="0"/>
               <a:t>Real-time notification system:</a:t>
             </a:r>
             <a:r>
-              <a:rPr lang="en-US" sz="1800" dirty="0"/>
+              <a:rPr lang="en-US" sz="2000" dirty="0"/>
               <a:t>  Send instant alerts to registered orphanages and other recipients based on their location and food preferences.</a:t>
             </a:r>
           </a:p>
@@ -9219,11 +9205,11 @@
               <a:buAutoNum type="arabicPeriod"/>
             </a:pPr>
             <a:r>
-              <a:rPr lang="en-US" sz="1800" b="1" dirty="0"/>
+              <a:rPr lang="en-US" sz="2000" b="1" dirty="0"/>
               <a:t>Communication and coordination tools:</a:t>
             </a:r>
             <a:r>
-              <a:rPr lang="en-US" sz="1800" dirty="0"/>
+              <a:rPr lang="en-US" sz="2000" dirty="0"/>
               <a:t> Facilitate communication between donors and recipients to coordinate smooth food pick-up and delivery arrangements.</a:t>
             </a:r>
           </a:p>
@@ -9275,7 +9261,12 @@
             <p:ph type="title"/>
           </p:nvPr>
         </p:nvSpPr>
-        <p:spPr/>
+        <p:spPr>
+          <a:xfrm>
+            <a:off x="838200" y="365125"/>
+            <a:ext cx="5926494" cy="1006475"/>
+          </a:xfrm>
+        </p:spPr>
         <p:txBody>
           <a:bodyPr>
             <a:normAutofit/>
@@ -9312,14 +9303,16 @@
         </p:nvSpPr>
         <p:spPr/>
         <p:txBody>
-          <a:bodyPr/>
+          <a:bodyPr>
+            <a:normAutofit/>
+          </a:bodyPr>
           <a:lstStyle/>
           <a:p>
             <a:pPr marL="514350" indent="-514350">
               <a:buAutoNum type="arabicPeriod"/>
             </a:pPr>
             <a:r>
-              <a:rPr lang="en-IN" sz="1800" dirty="0"/>
+              <a:rPr lang="en-IN" sz="2000" dirty="0"/>
               <a:t>User Registration Request</a:t>
             </a:r>
           </a:p>
@@ -9328,7 +9321,7 @@
               <a:buAutoNum type="arabicPeriod"/>
             </a:pPr>
             <a:r>
-              <a:rPr lang="en-IN" sz="1800" dirty="0"/>
+              <a:rPr lang="en-IN" sz="2000" dirty="0"/>
               <a:t>Admin Verification</a:t>
             </a:r>
           </a:p>
@@ -9337,7 +9330,7 @@
               <a:buAutoNum type="arabicPeriod"/>
             </a:pPr>
             <a:r>
-              <a:rPr lang="en-IN" sz="1800" dirty="0"/>
+              <a:rPr lang="en-IN" sz="2000" dirty="0"/>
               <a:t>User Login</a:t>
             </a:r>
           </a:p>
@@ -9346,7 +9339,7 @@
               <a:buAutoNum type="arabicPeriod"/>
             </a:pPr>
             <a:r>
-              <a:rPr lang="en-IN" sz="1800" dirty="0"/>
+              <a:rPr lang="en-IN" sz="2000" dirty="0"/>
               <a:t>User Profile</a:t>
             </a:r>
           </a:p>
@@ -9355,7 +9348,7 @@
               <a:buAutoNum type="arabicPeriod"/>
             </a:pPr>
             <a:r>
-              <a:rPr lang="en-IN" sz="1800" dirty="0"/>
+              <a:rPr lang="en-IN" sz="2000" dirty="0"/>
               <a:t>Food Requests</a:t>
             </a:r>
           </a:p>
@@ -9364,7 +9357,7 @@
               <a:buAutoNum type="arabicPeriod"/>
             </a:pPr>
             <a:r>
-              <a:rPr lang="en-IN" sz="1800" dirty="0"/>
+              <a:rPr lang="en-IN" sz="2000" dirty="0"/>
               <a:t>Accept Request</a:t>
             </a:r>
           </a:p>
@@ -9373,7 +9366,7 @@
               <a:buAutoNum type="arabicPeriod"/>
             </a:pPr>
             <a:r>
-              <a:rPr lang="en-IN" sz="1800" dirty="0"/>
+              <a:rPr lang="en-IN" sz="2000" dirty="0"/>
               <a:t>Decline Request</a:t>
             </a:r>
           </a:p>
@@ -9382,7 +9375,7 @@
               <a:buAutoNum type="arabicPeriod"/>
             </a:pPr>
             <a:r>
-              <a:rPr lang="en-IN" sz="1800" dirty="0"/>
+              <a:rPr lang="en-IN" sz="2000" dirty="0"/>
               <a:t>Request Completed</a:t>
             </a:r>
           </a:p>
@@ -9391,7 +9384,7 @@
               <a:buAutoNum type="arabicPeriod"/>
             </a:pPr>
             <a:r>
-              <a:rPr lang="en-IN" sz="1800" dirty="0"/>
+              <a:rPr lang="en-IN" sz="2000" dirty="0"/>
               <a:t>History</a:t>
             </a:r>
           </a:p>
@@ -9445,8 +9438,8 @@
         </p:nvSpPr>
         <p:spPr>
           <a:xfrm>
-            <a:off x="838200" y="365125"/>
-            <a:ext cx="5040086" cy="735887"/>
+            <a:off x="838199" y="365125"/>
+            <a:ext cx="7923246" cy="978483"/>
           </a:xfrm>
         </p:spPr>
         <p:txBody>
@@ -9462,7 +9455,7 @@
                 </a:solidFill>
                 <a:latin typeface="+mn-lt"/>
               </a:rPr>
-              <a:t>Module Description</a:t>
+              <a:t>Module Description		(1/3)</a:t>
             </a:r>
           </a:p>
         </p:txBody>
@@ -9482,7 +9475,7 @@
         <p:spPr>
           <a:xfrm>
             <a:off x="881743" y="1464906"/>
-            <a:ext cx="9993086" cy="4524315"/>
+            <a:ext cx="9993086" cy="4093428"/>
           </a:xfrm>
           <a:prstGeom prst="rect">
             <a:avLst/>
@@ -9496,7 +9489,7 @@
           <a:lstStyle/>
           <a:p>
             <a:r>
-              <a:rPr lang="en-IN" b="1" dirty="0"/>
+              <a:rPr lang="en-IN" sz="2000" b="1" dirty="0"/>
               <a:t>User Registration – Module:</a:t>
             </a:r>
           </a:p>
@@ -9506,16 +9499,16 @@
               <a:buChar char="•"/>
             </a:pPr>
             <a:r>
-              <a:rPr lang="en-IN" dirty="0"/>
+              <a:rPr lang="en-IN" sz="2000" dirty="0"/>
               <a:t>Appropriate Hotel/Orphanage member are required to fill the respected details and request the Admin for application login access.</a:t>
             </a:r>
           </a:p>
           <a:p>
-            <a:endParaRPr lang="en-IN" dirty="0"/>
-          </a:p>
-          <a:p>
-            <a:r>
-              <a:rPr lang="en-IN" b="1" dirty="0"/>
+            <a:endParaRPr lang="en-IN" sz="2000" dirty="0"/>
+          </a:p>
+          <a:p>
+            <a:r>
+              <a:rPr lang="en-IN" sz="2000" b="1" dirty="0"/>
               <a:t>Admin Verification – Module:</a:t>
             </a:r>
           </a:p>
@@ -9525,7 +9518,7 @@
               <a:buChar char="•"/>
             </a:pPr>
             <a:r>
-              <a:rPr lang="en-IN" dirty="0"/>
+              <a:rPr lang="en-IN" sz="2000" dirty="0"/>
               <a:t>Admin verifies all the received requests and provide them an appropriate Login access only for valid requests.</a:t>
             </a:r>
           </a:p>
@@ -9535,16 +9528,16 @@
               <a:buChar char="•"/>
             </a:pPr>
             <a:r>
-              <a:rPr lang="en-IN" dirty="0"/>
+              <a:rPr lang="en-IN" sz="2000" dirty="0"/>
               <a:t>Admin rejects the received access requests with invalid details.</a:t>
             </a:r>
           </a:p>
           <a:p>
-            <a:endParaRPr lang="en-IN" dirty="0"/>
-          </a:p>
-          <a:p>
-            <a:r>
-              <a:rPr lang="en-IN" b="1" dirty="0"/>
+            <a:endParaRPr lang="en-IN" sz="2000" dirty="0"/>
+          </a:p>
+          <a:p>
+            <a:r>
+              <a:rPr lang="en-IN" sz="2000" b="1" dirty="0"/>
               <a:t>User Login – Module:</a:t>
             </a:r>
           </a:p>
@@ -9554,38 +9547,12 @@
               <a:buChar char="•"/>
             </a:pPr>
             <a:r>
-              <a:rPr lang="en-IN" dirty="0"/>
+              <a:rPr lang="en-IN" sz="2000" dirty="0"/>
               <a:t>Appropriate Hotel/Orphanage member, who received access from Admin can access the Application.</a:t>
             </a:r>
           </a:p>
           <a:p>
-            <a:endParaRPr lang="en-IN" dirty="0"/>
-          </a:p>
-          <a:p>
-            <a:r>
-              <a:rPr lang="en-IN" b="1" dirty="0"/>
-              <a:t>User Profile – Module:</a:t>
-            </a:r>
-          </a:p>
-          <a:p>
-            <a:pPr marL="285750" indent="-285750">
-              <a:buFont typeface="Arial" panose="020B0604020202020204" pitchFamily="34" charset="0"/>
-              <a:buChar char="•"/>
-            </a:pPr>
-            <a:r>
-              <a:rPr lang="en-IN" dirty="0"/>
-              <a:t>Admin user can be a Hotel/Orphanage user. Admin will have Dashboard option for Admin Verification process.</a:t>
-            </a:r>
-          </a:p>
-          <a:p>
-            <a:pPr marL="285750" indent="-285750">
-              <a:buFont typeface="Arial" panose="020B0604020202020204" pitchFamily="34" charset="0"/>
-              <a:buChar char="•"/>
-            </a:pPr>
-            <a:r>
-              <a:rPr lang="en-IN" dirty="0"/>
-              <a:t>Logged user (Admin/Hotel/Orphanage) details will be prepopulated in the User Profile.</a:t>
-            </a:r>
+            <a:endParaRPr lang="en-IN" sz="2000" dirty="0"/>
           </a:p>
         </p:txBody>
       </p:sp>
@@ -9637,8 +9604,8 @@
         </p:nvSpPr>
         <p:spPr>
           <a:xfrm>
-            <a:off x="838200" y="365126"/>
-            <a:ext cx="5257800" cy="745218"/>
+            <a:off x="838200" y="365125"/>
+            <a:ext cx="8212494" cy="1015805"/>
           </a:xfrm>
         </p:spPr>
         <p:txBody>
@@ -9654,7 +9621,7 @@
                 </a:solidFill>
                 <a:latin typeface="+mn-lt"/>
               </a:rPr>
-              <a:t>Module Description</a:t>
+              <a:t>Module Description		(2/3)</a:t>
             </a:r>
           </a:p>
         </p:txBody>
@@ -9674,7 +9641,7 @@
         <p:spPr>
           <a:xfrm>
             <a:off x="905070" y="1380931"/>
-            <a:ext cx="10133045" cy="4801314"/>
+            <a:ext cx="10133045" cy="4678204"/>
           </a:xfrm>
           <a:prstGeom prst="rect">
             <a:avLst/>
@@ -9688,8 +9655,8 @@
           <a:lstStyle/>
           <a:p>
             <a:r>
-              <a:rPr lang="en-IN" b="1" dirty="0"/>
-              <a:t>Food Requests – Module:</a:t>
+              <a:rPr lang="en-IN" sz="2000" b="1" dirty="0"/>
+              <a:t>User Profile – Module:</a:t>
             </a:r>
           </a:p>
           <a:p>
@@ -9698,8 +9665,8 @@
               <a:buChar char="•"/>
             </a:pPr>
             <a:r>
-              <a:rPr lang="en-IN" dirty="0"/>
-              <a:t>Orphanage member can raise Food request from Requests page by just giving food count.</a:t>
+              <a:rPr lang="en-IN" sz="2000" dirty="0"/>
+              <a:t>Admin user can be a Hotel/Orphanage user. Admin will have Dashboard option for Admin Verification process.</a:t>
             </a:r>
           </a:p>
           <a:p>
@@ -9708,8 +9675,17 @@
               <a:buChar char="•"/>
             </a:pPr>
             <a:r>
-              <a:rPr lang="en-IN" dirty="0"/>
-              <a:t>Raised Food request is sent to all nearby Hotel members.</a:t>
+              <a:rPr lang="en-IN" sz="2000" dirty="0"/>
+              <a:t>Logged user (Admin/Hotel/Orphanage) details will be prepopulated in the User Profile.</a:t>
+            </a:r>
+          </a:p>
+          <a:p>
+            <a:endParaRPr lang="en-IN" sz="2000" b="1" dirty="0"/>
+          </a:p>
+          <a:p>
+            <a:r>
+              <a:rPr lang="en-IN" sz="2000" b="1" dirty="0"/>
+              <a:t>Food Requests – Module:</a:t>
             </a:r>
           </a:p>
           <a:p>
@@ -9718,17 +9694,8 @@
               <a:buChar char="•"/>
             </a:pPr>
             <a:r>
-              <a:rPr lang="en-IN" dirty="0"/>
-              <a:t>Orphanage member can Cancel the request if they wanted to.</a:t>
-            </a:r>
-          </a:p>
-          <a:p>
-            <a:endParaRPr lang="en-IN" b="1" dirty="0"/>
-          </a:p>
-          <a:p>
-            <a:r>
-              <a:rPr lang="en-IN" b="1" dirty="0"/>
-              <a:t>Accept Requests – Module:</a:t>
+              <a:rPr lang="en-IN" sz="2000" dirty="0"/>
+              <a:t>Orphanage member can raise Food request from Requests page by just giving food count.</a:t>
             </a:r>
           </a:p>
           <a:p>
@@ -9737,8 +9704,8 @@
               <a:buChar char="•"/>
             </a:pPr>
             <a:r>
-              <a:rPr lang="en-IN" dirty="0"/>
-              <a:t>When a Hotel Accepts the Request, then their contacts are shared to each other.</a:t>
+              <a:rPr lang="en-IN" sz="2000" dirty="0"/>
+              <a:t>Raised Food request is sent to all nearby Hotel members.</a:t>
             </a:r>
           </a:p>
           <a:p>
@@ -9747,8 +9714,17 @@
               <a:buChar char="•"/>
             </a:pPr>
             <a:r>
-              <a:rPr lang="en-IN" dirty="0"/>
-              <a:t>Accepted request won’t be displayed for other Hotel users.</a:t>
+              <a:rPr lang="en-IN" sz="2000" dirty="0"/>
+              <a:t>Orphanage member can Cancel the request if they wanted to.</a:t>
+            </a:r>
+          </a:p>
+          <a:p>
+            <a:endParaRPr lang="en-IN" sz="2000" b="1" dirty="0"/>
+          </a:p>
+          <a:p>
+            <a:r>
+              <a:rPr lang="en-IN" sz="2000" b="1" dirty="0"/>
+              <a:t>Accept Requests – Module:</a:t>
             </a:r>
           </a:p>
           <a:p>
@@ -9757,17 +9733,8 @@
               <a:buChar char="•"/>
             </a:pPr>
             <a:r>
-              <a:rPr lang="en-IN" dirty="0"/>
-              <a:t>And Food delivered successfully.</a:t>
-            </a:r>
-          </a:p>
-          <a:p>
-            <a:endParaRPr lang="en-IN" dirty="0"/>
-          </a:p>
-          <a:p>
-            <a:r>
-              <a:rPr lang="en-IN" b="1" dirty="0"/>
-              <a:t>Decline Requests – Module:</a:t>
+              <a:rPr lang="en-IN" sz="2000" dirty="0"/>
+              <a:t>When a Hotel Accepts the Request, then their contacts are shared to each other.</a:t>
             </a:r>
           </a:p>
           <a:p>
@@ -9776,8 +9743,8 @@
               <a:buChar char="•"/>
             </a:pPr>
             <a:r>
-              <a:rPr lang="en-IN" dirty="0"/>
-              <a:t>If the Hotel is not having enough food for the request, they can Decline the request.</a:t>
+              <a:rPr lang="en-IN" sz="2000" dirty="0"/>
+              <a:t>Accepted request should not be displayed for other Hotel users.</a:t>
             </a:r>
           </a:p>
           <a:p>
@@ -9786,38 +9753,12 @@
               <a:buChar char="•"/>
             </a:pPr>
             <a:r>
-              <a:rPr lang="en-IN" dirty="0"/>
-              <a:t>Food request can be still viewed by other nearby hotels.</a:t>
+              <a:rPr lang="en-IN" sz="2000" dirty="0"/>
+              <a:t>And Food delivered successfully.</a:t>
             </a:r>
           </a:p>
           <a:p>
             <a:endParaRPr lang="en-IN" dirty="0"/>
-          </a:p>
-          <a:p>
-            <a:r>
-              <a:rPr lang="en-IN" b="1" dirty="0"/>
-              <a:t>Requests Completed – Module:</a:t>
-            </a:r>
-          </a:p>
-          <a:p>
-            <a:pPr marL="285750" indent="-285750">
-              <a:buFont typeface="Arial" panose="020B0604020202020204" pitchFamily="34" charset="0"/>
-              <a:buChar char="•"/>
-            </a:pPr>
-            <a:r>
-              <a:rPr lang="en-IN" dirty="0"/>
-              <a:t>When requested food is delivered, then that request is marked as Completed.</a:t>
-            </a:r>
-          </a:p>
-          <a:p>
-            <a:pPr marL="285750" indent="-285750">
-              <a:buFont typeface="Arial" panose="020B0604020202020204" pitchFamily="34" charset="0"/>
-              <a:buChar char="•"/>
-            </a:pPr>
-            <a:r>
-              <a:rPr lang="en-IN" dirty="0"/>
-              <a:t>When request is Declined by a Hotel, that request is marked Closed for that particular Hotel only.</a:t>
-            </a:r>
           </a:p>
         </p:txBody>
       </p:sp>
@@ -9870,7 +9811,7 @@
         <p:spPr>
           <a:xfrm>
             <a:off x="838200" y="365125"/>
-            <a:ext cx="5012094" cy="791871"/>
+            <a:ext cx="8333792" cy="903838"/>
           </a:xfrm>
         </p:spPr>
         <p:txBody>
@@ -9886,7 +9827,7 @@
                 </a:solidFill>
                 <a:latin typeface="+mn-lt"/>
               </a:rPr>
-              <a:t>Module Description</a:t>
+              <a:t>Module Description		(3/3)</a:t>
             </a:r>
           </a:p>
         </p:txBody>
@@ -9906,7 +9847,7 @@
         <p:spPr>
           <a:xfrm>
             <a:off x="887963" y="1455577"/>
-            <a:ext cx="10133045" cy="1754326"/>
+            <a:ext cx="10133045" cy="4616648"/>
           </a:xfrm>
           <a:prstGeom prst="rect">
             <a:avLst/>
@@ -9920,8 +9861,8 @@
           <a:lstStyle/>
           <a:p>
             <a:r>
-              <a:rPr lang="en-IN" b="1" dirty="0"/>
-              <a:t>History – Module:</a:t>
+              <a:rPr lang="en-IN" sz="2000" b="1" dirty="0"/>
+              <a:t>Decline Requests – Module:</a:t>
             </a:r>
           </a:p>
           <a:p>
@@ -9930,8 +9871,8 @@
               <a:buChar char="•"/>
             </a:pPr>
             <a:r>
-              <a:rPr lang="en-IN" dirty="0"/>
-              <a:t>Completed, Cancelled and Closed requests are moved to History page.</a:t>
+              <a:rPr lang="en-IN" sz="2000" dirty="0"/>
+              <a:t>If the Hotel is not having enough food for the request, they can Decline the request.</a:t>
             </a:r>
           </a:p>
           <a:p>
@@ -9940,7 +9881,65 @@
               <a:buChar char="•"/>
             </a:pPr>
             <a:r>
-              <a:rPr lang="en-IN" dirty="0"/>
+              <a:rPr lang="en-IN" sz="2000" dirty="0"/>
+              <a:t>Food request can be still viewed by other nearby hotels.</a:t>
+            </a:r>
+          </a:p>
+          <a:p>
+            <a:endParaRPr lang="en-IN" sz="2000" dirty="0"/>
+          </a:p>
+          <a:p>
+            <a:r>
+              <a:rPr lang="en-IN" sz="2000" b="1" dirty="0"/>
+              <a:t>Requests Completed – Module:</a:t>
+            </a:r>
+          </a:p>
+          <a:p>
+            <a:pPr marL="285750" indent="-285750">
+              <a:buFont typeface="Arial" panose="020B0604020202020204" pitchFamily="34" charset="0"/>
+              <a:buChar char="•"/>
+            </a:pPr>
+            <a:r>
+              <a:rPr lang="en-IN" sz="2000" dirty="0"/>
+              <a:t>When requested food is delivered, then that request is marked as Completed.</a:t>
+            </a:r>
+          </a:p>
+          <a:p>
+            <a:pPr marL="285750" indent="-285750">
+              <a:buFont typeface="Arial" panose="020B0604020202020204" pitchFamily="34" charset="0"/>
+              <a:buChar char="•"/>
+            </a:pPr>
+            <a:r>
+              <a:rPr lang="en-IN" sz="2000" dirty="0"/>
+              <a:t>When request is Declined by a Hotel, that request is marked Closed for that particular Hotel only.</a:t>
+            </a:r>
+          </a:p>
+          <a:p>
+            <a:endParaRPr lang="en-IN" sz="2000" b="1" dirty="0"/>
+          </a:p>
+          <a:p>
+            <a:r>
+              <a:rPr lang="en-IN" sz="2000" b="1" dirty="0"/>
+              <a:t>History – Module:</a:t>
+            </a:r>
+          </a:p>
+          <a:p>
+            <a:pPr marL="285750" indent="-285750">
+              <a:buFont typeface="Arial" panose="020B0604020202020204" pitchFamily="34" charset="0"/>
+              <a:buChar char="•"/>
+            </a:pPr>
+            <a:r>
+              <a:rPr lang="en-IN" sz="2000" dirty="0"/>
+              <a:t>Completed, Cancelled and Closed requests are moved to History page.</a:t>
+            </a:r>
+          </a:p>
+          <a:p>
+            <a:pPr marL="285750" indent="-285750">
+              <a:buFont typeface="Arial" panose="020B0604020202020204" pitchFamily="34" charset="0"/>
+              <a:buChar char="•"/>
+            </a:pPr>
+            <a:r>
+              <a:rPr lang="en-IN" sz="2000" dirty="0"/>
               <a:t>By clicking Delete button, user can delete the Requests in History page.</a:t>
             </a:r>
           </a:p>
